--- a/DSC_SQLServer/Desired State Configuration.pptx
+++ b/DSC_SQLServer/Desired State Configuration.pptx
@@ -5,42 +5,46 @@
     <p:sldMasterId id="2147483689" r:id="rId1"/>
   </p:sldMasterIdLst>
   <p:notesMasterIdLst>
-    <p:notesMasterId r:id="rId35"/>
+    <p:notesMasterId r:id="rId39"/>
   </p:notesMasterIdLst>
   <p:sldIdLst>
-    <p:sldId id="256" r:id="rId2"/>
-    <p:sldId id="305" r:id="rId3"/>
-    <p:sldId id="302" r:id="rId4"/>
-    <p:sldId id="306" r:id="rId5"/>
-    <p:sldId id="277" r:id="rId6"/>
-    <p:sldId id="260" r:id="rId7"/>
-    <p:sldId id="269" r:id="rId8"/>
-    <p:sldId id="307" r:id="rId9"/>
-    <p:sldId id="268" r:id="rId10"/>
-    <p:sldId id="261" r:id="rId11"/>
-    <p:sldId id="267" r:id="rId12"/>
-    <p:sldId id="259" r:id="rId13"/>
-    <p:sldId id="266" r:id="rId14"/>
-    <p:sldId id="276" r:id="rId15"/>
-    <p:sldId id="278" r:id="rId16"/>
-    <p:sldId id="279" r:id="rId17"/>
-    <p:sldId id="270" r:id="rId18"/>
-    <p:sldId id="263" r:id="rId19"/>
-    <p:sldId id="275" r:id="rId20"/>
-    <p:sldId id="274" r:id="rId21"/>
-    <p:sldId id="271" r:id="rId22"/>
-    <p:sldId id="262" r:id="rId23"/>
-    <p:sldId id="265" r:id="rId24"/>
-    <p:sldId id="280" r:id="rId25"/>
-    <p:sldId id="272" r:id="rId26"/>
-    <p:sldId id="282" r:id="rId27"/>
-    <p:sldId id="281" r:id="rId28"/>
-    <p:sldId id="273" r:id="rId29"/>
-    <p:sldId id="284" r:id="rId30"/>
-    <p:sldId id="283" r:id="rId31"/>
-    <p:sldId id="303" r:id="rId32"/>
-    <p:sldId id="285" r:id="rId33"/>
-    <p:sldId id="300" r:id="rId34"/>
+    <p:sldId id="320" r:id="rId2"/>
+    <p:sldId id="256" r:id="rId3"/>
+    <p:sldId id="305" r:id="rId4"/>
+    <p:sldId id="302" r:id="rId5"/>
+    <p:sldId id="306" r:id="rId6"/>
+    <p:sldId id="277" r:id="rId7"/>
+    <p:sldId id="260" r:id="rId8"/>
+    <p:sldId id="269" r:id="rId9"/>
+    <p:sldId id="307" r:id="rId10"/>
+    <p:sldId id="268" r:id="rId11"/>
+    <p:sldId id="261" r:id="rId12"/>
+    <p:sldId id="267" r:id="rId13"/>
+    <p:sldId id="259" r:id="rId14"/>
+    <p:sldId id="266" r:id="rId15"/>
+    <p:sldId id="276" r:id="rId16"/>
+    <p:sldId id="278" r:id="rId17"/>
+    <p:sldId id="279" r:id="rId18"/>
+    <p:sldId id="270" r:id="rId19"/>
+    <p:sldId id="263" r:id="rId20"/>
+    <p:sldId id="275" r:id="rId21"/>
+    <p:sldId id="274" r:id="rId22"/>
+    <p:sldId id="271" r:id="rId23"/>
+    <p:sldId id="262" r:id="rId24"/>
+    <p:sldId id="265" r:id="rId25"/>
+    <p:sldId id="280" r:id="rId26"/>
+    <p:sldId id="272" r:id="rId27"/>
+    <p:sldId id="282" r:id="rId28"/>
+    <p:sldId id="281" r:id="rId29"/>
+    <p:sldId id="273" r:id="rId30"/>
+    <p:sldId id="284" r:id="rId31"/>
+    <p:sldId id="283" r:id="rId32"/>
+    <p:sldId id="303" r:id="rId33"/>
+    <p:sldId id="285" r:id="rId34"/>
+    <p:sldId id="300" r:id="rId35"/>
+    <p:sldId id="318" r:id="rId36"/>
+    <p:sldId id="319" r:id="rId37"/>
+    <p:sldId id="312" r:id="rId38"/>
   </p:sldIdLst>
   <p:sldSz cx="12192000" cy="6858000"/>
   <p:notesSz cx="6858000" cy="9144000"/>
@@ -15501,7 +15505,7 @@
           <a:p>
             <a:fld id="{2E00AF48-965F-4E24-958A-22D9B1DB6CCE}" type="datetimeFigureOut">
               <a:rPr lang="en-US" smtClean="0"/>
-              <a:t>6/7/2019</a:t>
+              <a:t>3/7/2020</a:t>
             </a:fld>
             <a:endParaRPr lang="en-US"/>
           </a:p>
@@ -15833,7 +15837,7 @@
           <a:p>
             <a:fld id="{FE065C3E-6590-437D-A330-DEC8E2D2EEDE}" type="slidenum">
               <a:rPr lang="en-US" smtClean="0"/>
-              <a:t>1</a:t>
+              <a:t>2</a:t>
             </a:fld>
             <a:endParaRPr lang="en-US"/>
           </a:p>
@@ -15917,7 +15921,7 @@
           <a:p>
             <a:fld id="{FE065C3E-6590-437D-A330-DEC8E2D2EEDE}" type="slidenum">
               <a:rPr lang="en-US" smtClean="0"/>
-              <a:t>14</a:t>
+              <a:t>15</a:t>
             </a:fld>
             <a:endParaRPr lang="en-US"/>
           </a:p>
@@ -16028,7 +16032,7 @@
           <a:p>
             <a:fld id="{FE065C3E-6590-437D-A330-DEC8E2D2EEDE}" type="slidenum">
               <a:rPr lang="en-US" smtClean="0"/>
-              <a:t>15</a:t>
+              <a:t>16</a:t>
             </a:fld>
             <a:endParaRPr lang="en-US"/>
           </a:p>
@@ -16112,7 +16116,7 @@
           <a:p>
             <a:fld id="{FE065C3E-6590-437D-A330-DEC8E2D2EEDE}" type="slidenum">
               <a:rPr lang="en-US" smtClean="0"/>
-              <a:t>16</a:t>
+              <a:t>17</a:t>
             </a:fld>
             <a:endParaRPr lang="en-US"/>
           </a:p>
@@ -16199,7 +16203,7 @@
           <a:p>
             <a:fld id="{FE065C3E-6590-437D-A330-DEC8E2D2EEDE}" type="slidenum">
               <a:rPr lang="en-US" smtClean="0"/>
-              <a:t>18</a:t>
+              <a:t>19</a:t>
             </a:fld>
             <a:endParaRPr lang="en-US"/>
           </a:p>
@@ -16283,7 +16287,7 @@
           <a:p>
             <a:fld id="{FE065C3E-6590-437D-A330-DEC8E2D2EEDE}" type="slidenum">
               <a:rPr lang="en-US" smtClean="0"/>
-              <a:t>19</a:t>
+              <a:t>20</a:t>
             </a:fld>
             <a:endParaRPr lang="en-US"/>
           </a:p>
@@ -16367,7 +16371,7 @@
           <a:p>
             <a:fld id="{FE065C3E-6590-437D-A330-DEC8E2D2EEDE}" type="slidenum">
               <a:rPr lang="en-US" smtClean="0"/>
-              <a:t>22</a:t>
+              <a:t>23</a:t>
             </a:fld>
             <a:endParaRPr lang="en-US"/>
           </a:p>
@@ -16592,7 +16596,7 @@
           <a:p>
             <a:fld id="{FE065C3E-6590-437D-A330-DEC8E2D2EEDE}" type="slidenum">
               <a:rPr lang="en-US" smtClean="0"/>
-              <a:t>23</a:t>
+              <a:t>24</a:t>
             </a:fld>
             <a:endParaRPr lang="en-US"/>
           </a:p>
@@ -16676,7 +16680,7 @@
           <a:p>
             <a:fld id="{FE065C3E-6590-437D-A330-DEC8E2D2EEDE}" type="slidenum">
               <a:rPr lang="en-US" smtClean="0"/>
-              <a:t>24</a:t>
+              <a:t>25</a:t>
             </a:fld>
             <a:endParaRPr lang="en-US"/>
           </a:p>
@@ -16760,7 +16764,7 @@
           <a:p>
             <a:fld id="{FE065C3E-6590-437D-A330-DEC8E2D2EEDE}" type="slidenum">
               <a:rPr lang="en-US" smtClean="0"/>
-              <a:t>25</a:t>
+              <a:t>26</a:t>
             </a:fld>
             <a:endParaRPr lang="en-US"/>
           </a:p>
@@ -16853,7 +16857,7 @@
           <a:p>
             <a:fld id="{FE065C3E-6590-437D-A330-DEC8E2D2EEDE}" type="slidenum">
               <a:rPr lang="en-US" smtClean="0"/>
-              <a:t>26</a:t>
+              <a:t>27</a:t>
             </a:fld>
             <a:endParaRPr lang="en-US"/>
           </a:p>
@@ -17049,7 +17053,7 @@
           <a:p>
             <a:fld id="{FE065C3E-6590-437D-A330-DEC8E2D2EEDE}" type="slidenum">
               <a:rPr lang="en-US" smtClean="0"/>
-              <a:t>4</a:t>
+              <a:t>5</a:t>
             </a:fld>
             <a:endParaRPr lang="en-US"/>
           </a:p>
@@ -17136,7 +17140,7 @@
           <a:p>
             <a:fld id="{FE065C3E-6590-437D-A330-DEC8E2D2EEDE}" type="slidenum">
               <a:rPr lang="en-US" smtClean="0"/>
-              <a:t>27</a:t>
+              <a:t>28</a:t>
             </a:fld>
             <a:endParaRPr lang="en-US"/>
           </a:p>
@@ -17271,7 +17275,7 @@
           <a:p>
             <a:fld id="{FE065C3E-6590-437D-A330-DEC8E2D2EEDE}" type="slidenum">
               <a:rPr lang="en-US" smtClean="0"/>
-              <a:t>32</a:t>
+              <a:t>33</a:t>
             </a:fld>
             <a:endParaRPr lang="en-US"/>
           </a:p>
@@ -17355,7 +17359,7 @@
           <a:p>
             <a:fld id="{FE065C3E-6590-437D-A330-DEC8E2D2EEDE}" type="slidenum">
               <a:rPr lang="en-US" smtClean="0"/>
-              <a:t>33</a:t>
+              <a:t>34</a:t>
             </a:fld>
             <a:endParaRPr lang="en-US"/>
           </a:p>
@@ -17503,7 +17507,7 @@
           <a:p>
             <a:fld id="{FE065C3E-6590-437D-A330-DEC8E2D2EEDE}" type="slidenum">
               <a:rPr lang="en-US" smtClean="0"/>
-              <a:t>5</a:t>
+              <a:t>6</a:t>
             </a:fld>
             <a:endParaRPr lang="en-US"/>
           </a:p>
@@ -17648,7 +17652,7 @@
           <a:p>
             <a:fld id="{FE065C3E-6590-437D-A330-DEC8E2D2EEDE}" type="slidenum">
               <a:rPr lang="en-US" smtClean="0"/>
-              <a:t>6</a:t>
+              <a:t>7</a:t>
             </a:fld>
             <a:endParaRPr lang="en-US"/>
           </a:p>
@@ -17765,7 +17769,7 @@
           <a:p>
             <a:fld id="{FE065C3E-6590-437D-A330-DEC8E2D2EEDE}" type="slidenum">
               <a:rPr lang="en-US" smtClean="0"/>
-              <a:t>8</a:t>
+              <a:t>9</a:t>
             </a:fld>
             <a:endParaRPr lang="en-US"/>
           </a:p>
@@ -17870,7 +17874,7 @@
           <a:p>
             <a:fld id="{FE065C3E-6590-437D-A330-DEC8E2D2EEDE}" type="slidenum">
               <a:rPr lang="en-US" smtClean="0"/>
-              <a:t>9</a:t>
+              <a:t>10</a:t>
             </a:fld>
             <a:endParaRPr lang="en-US"/>
           </a:p>
@@ -17963,7 +17967,7 @@
           <a:p>
             <a:fld id="{FE065C3E-6590-437D-A330-DEC8E2D2EEDE}" type="slidenum">
               <a:rPr lang="en-US" smtClean="0"/>
-              <a:t>10</a:t>
+              <a:t>11</a:t>
             </a:fld>
             <a:endParaRPr lang="en-US"/>
           </a:p>
@@ -18125,7 +18129,7 @@
           <a:p>
             <a:fld id="{FE065C3E-6590-437D-A330-DEC8E2D2EEDE}" type="slidenum">
               <a:rPr lang="en-US" smtClean="0"/>
-              <a:t>11</a:t>
+              <a:t>12</a:t>
             </a:fld>
             <a:endParaRPr lang="en-US"/>
           </a:p>
@@ -18444,7 +18448,7 @@
           <a:p>
             <a:fld id="{FE065C3E-6590-437D-A330-DEC8E2D2EEDE}" type="slidenum">
               <a:rPr lang="en-US" smtClean="0"/>
-              <a:t>12</a:t>
+              <a:t>13</a:t>
             </a:fld>
             <a:endParaRPr lang="en-US"/>
           </a:p>
@@ -20228,7 +20232,7 @@
           <a:p>
             <a:fld id="{5E8DF979-0883-4463-93EB-16071EEBDB0B}" type="datetimeFigureOut">
               <a:rPr lang="en-US" smtClean="0"/>
-              <a:t>6/7/2019</a:t>
+              <a:t>3/7/2020</a:t>
             </a:fld>
             <a:endParaRPr lang="en-US"/>
           </a:p>
@@ -20740,7 +20744,7 @@
             <a:fld id="{48A87A34-81AB-432B-8DAE-1953F412C126}" type="datetimeFigureOut">
               <a:rPr lang="en-US" smtClean="0"/>
               <a:pPr/>
-              <a:t>6/7/2019</a:t>
+              <a:t>3/7/2020</a:t>
             </a:fld>
             <a:endParaRPr lang="en-US" dirty="0"/>
           </a:p>
@@ -21194,6 +21198,227 @@
 </p:sldLayout>
 </file>
 
+<file path=ppt/slideLayouts/slideLayout17.xml><?xml version="1.0" encoding="utf-8"?>
+<p:sldLayout xmlns:a="http://schemas.openxmlformats.org/drawingml/2006/main" xmlns:r="http://schemas.openxmlformats.org/officeDocument/2006/relationships" xmlns:p="http://schemas.openxmlformats.org/presentationml/2006/main" userDrawn="1">
+  <p:cSld name="SQLBits Party">
+    <p:spTree>
+      <p:nvGrpSpPr>
+        <p:cNvPr id="1" name=""/>
+        <p:cNvGrpSpPr/>
+        <p:nvPr/>
+      </p:nvGrpSpPr>
+      <p:grpSpPr>
+        <a:xfrm>
+          <a:off x="0" y="0"/>
+          <a:ext cx="0" cy="0"/>
+          <a:chOff x="0" y="0"/>
+          <a:chExt cx="0" cy="0"/>
+        </a:xfrm>
+      </p:grpSpPr>
+      <p:pic>
+        <p:nvPicPr>
+          <p:cNvPr id="7" name="Picture 6" descr="SQL_PPT_01-03.jpg">
+            <a:extLst>
+              <a:ext uri="{FF2B5EF4-FFF2-40B4-BE49-F238E27FC236}">
+                <a16:creationId xmlns:a16="http://schemas.microsoft.com/office/drawing/2014/main" id="{1CCF258E-723B-4A88-A90D-C997EEE01553}"/>
+              </a:ext>
+            </a:extLst>
+          </p:cNvPr>
+          <p:cNvPicPr>
+            <a:picLocks noChangeAspect="1"/>
+          </p:cNvPicPr>
+          <p:nvPr userDrawn="1"/>
+        </p:nvPicPr>
+        <p:blipFill>
+          <a:blip r:embed="rId2" cstate="screen">
+            <a:extLst>
+              <a:ext uri="{28A0092B-C50C-407E-A947-70E740481C1C}">
+                <a14:useLocalDpi xmlns:a14="http://schemas.microsoft.com/office/drawing/2010/main"/>
+              </a:ext>
+            </a:extLst>
+          </a:blip>
+          <a:stretch>
+            <a:fillRect/>
+          </a:stretch>
+        </p:blipFill>
+        <p:spPr>
+          <a:xfrm>
+            <a:off x="0" y="0"/>
+            <a:ext cx="12192000" cy="6854573"/>
+          </a:xfrm>
+          <a:prstGeom prst="rect">
+            <a:avLst/>
+          </a:prstGeom>
+        </p:spPr>
+      </p:pic>
+    </p:spTree>
+    <p:extLst>
+      <p:ext uri="{BB962C8B-B14F-4D97-AF65-F5344CB8AC3E}">
+        <p14:creationId xmlns:p14="http://schemas.microsoft.com/office/powerpoint/2010/main" val="304587731"/>
+      </p:ext>
+    </p:extLst>
+  </p:cSld>
+  <p:clrMapOvr>
+    <a:masterClrMapping/>
+  </p:clrMapOvr>
+</p:sldLayout>
+</file>
+
+<file path=ppt/slideLayouts/slideLayout18.xml><?xml version="1.0" encoding="utf-8"?>
+<p:sldLayout xmlns:a="http://schemas.openxmlformats.org/drawingml/2006/main" xmlns:r="http://schemas.openxmlformats.org/officeDocument/2006/relationships" xmlns:p="http://schemas.openxmlformats.org/presentationml/2006/main" userDrawn="1">
+  <p:cSld name="Feedback">
+    <p:spTree>
+      <p:nvGrpSpPr>
+        <p:cNvPr id="1" name=""/>
+        <p:cNvGrpSpPr/>
+        <p:nvPr/>
+      </p:nvGrpSpPr>
+      <p:grpSpPr>
+        <a:xfrm>
+          <a:off x="0" y="0"/>
+          <a:ext cx="0" cy="0"/>
+          <a:chOff x="0" y="0"/>
+          <a:chExt cx="0" cy="0"/>
+        </a:xfrm>
+      </p:grpSpPr>
+      <p:pic>
+        <p:nvPicPr>
+          <p:cNvPr id="7" name="Picture 6" descr="SQL_PPT_01-04.jpg">
+            <a:extLst>
+              <a:ext uri="{FF2B5EF4-FFF2-40B4-BE49-F238E27FC236}">
+                <a16:creationId xmlns:a16="http://schemas.microsoft.com/office/drawing/2014/main" id="{80DAAACE-DC9C-4516-81D4-B84E77737CE8}"/>
+              </a:ext>
+            </a:extLst>
+          </p:cNvPr>
+          <p:cNvPicPr>
+            <a:picLocks noChangeAspect="1"/>
+          </p:cNvPicPr>
+          <p:nvPr userDrawn="1"/>
+        </p:nvPicPr>
+        <p:blipFill>
+          <a:blip r:embed="rId2" cstate="screen">
+            <a:extLst>
+              <a:ext uri="{28A0092B-C50C-407E-A947-70E740481C1C}">
+                <a14:useLocalDpi xmlns:a14="http://schemas.microsoft.com/office/drawing/2010/main"/>
+              </a:ext>
+            </a:extLst>
+          </a:blip>
+          <a:stretch>
+            <a:fillRect/>
+          </a:stretch>
+        </p:blipFill>
+        <p:spPr>
+          <a:xfrm>
+            <a:off x="0" y="0"/>
+            <a:ext cx="12192000" cy="6854573"/>
+          </a:xfrm>
+          <a:prstGeom prst="rect">
+            <a:avLst/>
+          </a:prstGeom>
+        </p:spPr>
+      </p:pic>
+    </p:spTree>
+    <p:extLst>
+      <p:ext uri="{BB962C8B-B14F-4D97-AF65-F5344CB8AC3E}">
+        <p14:creationId xmlns:p14="http://schemas.microsoft.com/office/powerpoint/2010/main" val="4043354805"/>
+      </p:ext>
+    </p:extLst>
+  </p:cSld>
+  <p:clrMapOvr>
+    <a:masterClrMapping/>
+  </p:clrMapOvr>
+</p:sldLayout>
+</file>
+
+<file path=ppt/slideLayouts/slideLayout19.xml><?xml version="1.0" encoding="utf-8"?>
+<p:sldLayout xmlns:a="http://schemas.openxmlformats.org/drawingml/2006/main" xmlns:r="http://schemas.openxmlformats.org/officeDocument/2006/relationships" xmlns:p="http://schemas.openxmlformats.org/presentationml/2006/main" userDrawn="1">
+  <p:cSld name="Custom Layout">
+    <p:spTree>
+      <p:nvGrpSpPr>
+        <p:cNvPr id="1" name=""/>
+        <p:cNvGrpSpPr/>
+        <p:nvPr/>
+      </p:nvGrpSpPr>
+      <p:grpSpPr>
+        <a:xfrm>
+          <a:off x="0" y="0"/>
+          <a:ext cx="0" cy="0"/>
+          <a:chOff x="0" y="0"/>
+          <a:chExt cx="0" cy="0"/>
+        </a:xfrm>
+      </p:grpSpPr>
+      <p:sp>
+        <p:nvSpPr>
+          <p:cNvPr id="2" name="Title 1">
+            <a:extLst>
+              <a:ext uri="{FF2B5EF4-FFF2-40B4-BE49-F238E27FC236}">
+                <a16:creationId xmlns:a16="http://schemas.microsoft.com/office/drawing/2014/main" id="{223091CB-7B16-447A-9747-79A9A6F5E902}"/>
+              </a:ext>
+            </a:extLst>
+          </p:cNvPr>
+          <p:cNvSpPr>
+            <a:spLocks noGrp="1"/>
+          </p:cNvSpPr>
+          <p:nvPr>
+            <p:ph type="title"/>
+          </p:nvPr>
+        </p:nvSpPr>
+        <p:spPr/>
+        <p:txBody>
+          <a:bodyPr/>
+          <a:lstStyle/>
+          <a:p>
+            <a:r>
+              <a:rPr lang="en-US"/>
+              <a:t>Click to edit Master title style</a:t>
+            </a:r>
+            <a:endParaRPr lang="en-GB"/>
+          </a:p>
+        </p:txBody>
+      </p:sp>
+      <p:pic>
+        <p:nvPicPr>
+          <p:cNvPr id="4" name="Picture 3" descr="A picture containing sitting&#10;&#10;Description automatically generated">
+            <a:extLst>
+              <a:ext uri="{FF2B5EF4-FFF2-40B4-BE49-F238E27FC236}">
+                <a16:creationId xmlns:a16="http://schemas.microsoft.com/office/drawing/2014/main" id="{2F883B6E-F27F-4633-AD8E-3C16BDFD6B81}"/>
+              </a:ext>
+            </a:extLst>
+          </p:cNvPr>
+          <p:cNvPicPr>
+            <a:picLocks noChangeAspect="1"/>
+          </p:cNvPicPr>
+          <p:nvPr userDrawn="1"/>
+        </p:nvPicPr>
+        <p:blipFill>
+          <a:blip r:embed="rId2"/>
+          <a:stretch>
+            <a:fillRect/>
+          </a:stretch>
+        </p:blipFill>
+        <p:spPr>
+          <a:xfrm>
+            <a:off x="0" y="0"/>
+            <a:ext cx="12192000" cy="6858000"/>
+          </a:xfrm>
+          <a:prstGeom prst="rect">
+            <a:avLst/>
+          </a:prstGeom>
+        </p:spPr>
+      </p:pic>
+    </p:spTree>
+    <p:extLst>
+      <p:ext uri="{BB962C8B-B14F-4D97-AF65-F5344CB8AC3E}">
+        <p14:creationId xmlns:p14="http://schemas.microsoft.com/office/powerpoint/2010/main" val="2076137219"/>
+      </p:ext>
+    </p:extLst>
+  </p:cSld>
+  <p:clrMapOvr>
+    <a:masterClrMapping/>
+  </p:clrMapOvr>
+</p:sldLayout>
+</file>
+
 <file path=ppt/slideLayouts/slideLayout2.xml><?xml version="1.0" encoding="utf-8"?>
 <p:sldLayout xmlns:a="http://schemas.openxmlformats.org/drawingml/2006/main" xmlns:r="http://schemas.openxmlformats.org/officeDocument/2006/relationships" xmlns:p="http://schemas.openxmlformats.org/presentationml/2006/main" type="obj" preserve="1">
   <p:cSld name="Title and Content">
@@ -21308,6 +21533,72 @@
     <p:extLst>
       <p:ext uri="{BB962C8B-B14F-4D97-AF65-F5344CB8AC3E}">
         <p14:creationId xmlns:p14="http://schemas.microsoft.com/office/powerpoint/2010/main" val="2258797756"/>
+      </p:ext>
+    </p:extLst>
+  </p:cSld>
+  <p:clrMapOvr>
+    <a:masterClrMapping/>
+  </p:clrMapOvr>
+</p:sldLayout>
+</file>
+
+<file path=ppt/slideLayouts/slideLayout20.xml><?xml version="1.0" encoding="utf-8"?>
+<p:sldLayout xmlns:a="http://schemas.openxmlformats.org/drawingml/2006/main" xmlns:r="http://schemas.openxmlformats.org/officeDocument/2006/relationships" xmlns:p="http://schemas.openxmlformats.org/presentationml/2006/main" userDrawn="1">
+  <p:cSld name="Header">
+    <p:spTree>
+      <p:nvGrpSpPr>
+        <p:cNvPr id="1" name=""/>
+        <p:cNvGrpSpPr/>
+        <p:nvPr/>
+      </p:nvGrpSpPr>
+      <p:grpSpPr>
+        <a:xfrm>
+          <a:off x="0" y="0"/>
+          <a:ext cx="0" cy="0"/>
+          <a:chOff x="0" y="0"/>
+          <a:chExt cx="0" cy="0"/>
+        </a:xfrm>
+      </p:grpSpPr>
+      <p:pic>
+        <p:nvPicPr>
+          <p:cNvPr id="8" name="Picture 7" descr="SQL_PPT_01-01.jpg">
+            <a:extLst>
+              <a:ext uri="{FF2B5EF4-FFF2-40B4-BE49-F238E27FC236}">
+                <a16:creationId xmlns:a16="http://schemas.microsoft.com/office/drawing/2014/main" id="{B959C8C0-BA64-40F9-9313-5FB840D8563C}"/>
+              </a:ext>
+            </a:extLst>
+          </p:cNvPr>
+          <p:cNvPicPr>
+            <a:picLocks noChangeAspect="1"/>
+          </p:cNvPicPr>
+          <p:nvPr userDrawn="1"/>
+        </p:nvPicPr>
+        <p:blipFill>
+          <a:blip r:embed="rId2" cstate="screen">
+            <a:extLst>
+              <a:ext uri="{28A0092B-C50C-407E-A947-70E740481C1C}">
+                <a14:useLocalDpi xmlns:a14="http://schemas.microsoft.com/office/drawing/2010/main"/>
+              </a:ext>
+            </a:extLst>
+          </a:blip>
+          <a:stretch>
+            <a:fillRect/>
+          </a:stretch>
+        </p:blipFill>
+        <p:spPr>
+          <a:xfrm>
+            <a:off x="0" y="0"/>
+            <a:ext cx="12192000" cy="6857143"/>
+          </a:xfrm>
+          <a:prstGeom prst="rect">
+            <a:avLst/>
+          </a:prstGeom>
+        </p:spPr>
+      </p:pic>
+    </p:spTree>
+    <p:extLst>
+      <p:ext uri="{BB962C8B-B14F-4D97-AF65-F5344CB8AC3E}">
+        <p14:creationId xmlns:p14="http://schemas.microsoft.com/office/powerpoint/2010/main" val="530418472"/>
       </p:ext>
     </p:extLst>
   </p:cSld>
@@ -23245,7 +23536,7 @@
           <p:nvPr/>
         </p:nvPicPr>
         <p:blipFill>
-          <a:blip r:embed="rId18"/>
+          <a:blip r:embed="rId22"/>
           <a:stretch>
             <a:fillRect/>
           </a:stretch>
@@ -23285,6 +23576,10 @@
     <p:sldLayoutId id="2147483703" r:id="rId14"/>
     <p:sldLayoutId id="2147483704" r:id="rId15"/>
     <p:sldLayoutId id="2147483705" r:id="rId16"/>
+    <p:sldLayoutId id="2147483706" r:id="rId17"/>
+    <p:sldLayoutId id="2147483707" r:id="rId18"/>
+    <p:sldLayoutId id="2147483708" r:id="rId19"/>
+    <p:sldLayoutId id="2147483709" r:id="rId20"/>
   </p:sldLayoutIdLst>
   <p:txStyles>
     <p:titleStyle>
@@ -23586,66 +23881,10 @@
           <a:chExt cx="0" cy="0"/>
         </a:xfrm>
       </p:grpSpPr>
-      <p:sp>
-        <p:nvSpPr>
-          <p:cNvPr id="2" name="Title 1">
-            <a:extLst>
-              <a:ext uri="{FF2B5EF4-FFF2-40B4-BE49-F238E27FC236}">
-                <a16:creationId xmlns:a16="http://schemas.microsoft.com/office/drawing/2014/main" id="{29634585-F674-436A-AA9D-FE1C183DEF18}"/>
-              </a:ext>
-            </a:extLst>
-          </p:cNvPr>
-          <p:cNvSpPr>
-            <a:spLocks noGrp="1"/>
-          </p:cNvSpPr>
-          <p:nvPr>
-            <p:ph type="ctrTitle"/>
-          </p:nvPr>
-        </p:nvSpPr>
-        <p:spPr/>
-        <p:txBody>
-          <a:bodyPr/>
-          <a:lstStyle/>
-          <a:p>
-            <a:r>
-              <a:rPr lang="en-US" dirty="0"/>
-              <a:t>Desired State Configuration</a:t>
-            </a:r>
-          </a:p>
-        </p:txBody>
-      </p:sp>
-      <p:sp>
-        <p:nvSpPr>
-          <p:cNvPr id="3" name="Subtitle 2">
-            <a:extLst>
-              <a:ext uri="{FF2B5EF4-FFF2-40B4-BE49-F238E27FC236}">
-                <a16:creationId xmlns:a16="http://schemas.microsoft.com/office/drawing/2014/main" id="{76CDF0B3-8FEA-41F6-AB97-484CBA624A1A}"/>
-              </a:ext>
-            </a:extLst>
-          </p:cNvPr>
-          <p:cNvSpPr>
-            <a:spLocks noGrp="1"/>
-          </p:cNvSpPr>
-          <p:nvPr>
-            <p:ph type="subTitle" idx="1"/>
-          </p:nvPr>
-        </p:nvSpPr>
-        <p:spPr/>
-        <p:txBody>
-          <a:bodyPr/>
-          <a:lstStyle/>
-          <a:p>
-            <a:r>
-              <a:rPr lang="en-US" dirty="0"/>
-              <a:t>Install &amp; Configure SQL Server</a:t>
-            </a:r>
-          </a:p>
-        </p:txBody>
-      </p:sp>
     </p:spTree>
     <p:extLst>
       <p:ext uri="{BB962C8B-B14F-4D97-AF65-F5344CB8AC3E}">
-        <p14:creationId xmlns:p14="http://schemas.microsoft.com/office/powerpoint/2010/main" val="40951072"/>
+        <p14:creationId xmlns:p14="http://schemas.microsoft.com/office/powerpoint/2010/main" val="2600458285"/>
       </p:ext>
     </p:extLst>
   </p:cSld>
@@ -23656,6 +23895,106 @@
 </file>
 
 <file path=ppt/slides/slide10.xml><?xml version="1.0" encoding="utf-8"?>
+<p:sld xmlns:a="http://schemas.openxmlformats.org/drawingml/2006/main" xmlns:r="http://schemas.openxmlformats.org/officeDocument/2006/relationships" xmlns:p="http://schemas.openxmlformats.org/presentationml/2006/main">
+  <p:cSld>
+    <p:spTree>
+      <p:nvGrpSpPr>
+        <p:cNvPr id="1" name=""/>
+        <p:cNvGrpSpPr/>
+        <p:nvPr/>
+      </p:nvGrpSpPr>
+      <p:grpSpPr>
+        <a:xfrm>
+          <a:off x="0" y="0"/>
+          <a:ext cx="0" cy="0"/>
+          <a:chOff x="0" y="0"/>
+          <a:chExt cx="0" cy="0"/>
+        </a:xfrm>
+      </p:grpSpPr>
+      <p:sp>
+        <p:nvSpPr>
+          <p:cNvPr id="2" name="Title 1">
+            <a:extLst>
+              <a:ext uri="{FF2B5EF4-FFF2-40B4-BE49-F238E27FC236}">
+                <a16:creationId xmlns:a16="http://schemas.microsoft.com/office/drawing/2014/main" id="{2A3417D1-9C20-40D9-9698-500F1A6F0D45}"/>
+              </a:ext>
+            </a:extLst>
+          </p:cNvPr>
+          <p:cNvSpPr>
+            <a:spLocks noGrp="1"/>
+          </p:cNvSpPr>
+          <p:nvPr>
+            <p:ph type="title"/>
+          </p:nvPr>
+        </p:nvSpPr>
+        <p:spPr/>
+        <p:txBody>
+          <a:bodyPr>
+            <a:normAutofit/>
+          </a:bodyPr>
+          <a:lstStyle/>
+          <a:p>
+            <a:r>
+              <a:rPr lang="en-US" dirty="0"/>
+              <a:t>Idempotent	</a:t>
+            </a:r>
+          </a:p>
+        </p:txBody>
+      </p:sp>
+      <p:sp>
+        <p:nvSpPr>
+          <p:cNvPr id="3" name="Content Placeholder 2">
+            <a:extLst>
+              <a:ext uri="{FF2B5EF4-FFF2-40B4-BE49-F238E27FC236}">
+                <a16:creationId xmlns:a16="http://schemas.microsoft.com/office/drawing/2014/main" id="{1CBA1C16-A4D9-4D92-9419-FC8A5E7E3A5D}"/>
+              </a:ext>
+            </a:extLst>
+          </p:cNvPr>
+          <p:cNvSpPr>
+            <a:spLocks noGrp="1"/>
+          </p:cNvSpPr>
+          <p:nvPr>
+            <p:ph idx="1"/>
+          </p:nvPr>
+        </p:nvSpPr>
+        <p:spPr/>
+        <p:txBody>
+          <a:bodyPr anchor="ctr"/>
+          <a:lstStyle/>
+          <a:p>
+            <a:pPr marL="0" indent="0">
+              <a:buNone/>
+            </a:pPr>
+            <a:r>
+              <a:rPr lang="en-US" i="1" dirty="0"/>
+              <a:t>“Idempotence is the property of certain operations in mathematics and computer science whereby they can be applied multiple times without changing the result beyond the initial application.”</a:t>
+            </a:r>
+          </a:p>
+          <a:p>
+            <a:pPr marL="0" indent="0">
+              <a:buNone/>
+            </a:pPr>
+            <a:r>
+              <a:rPr lang="en-US" i="1" dirty="0"/>
+              <a:t>	- Wikipedia</a:t>
+            </a:r>
+          </a:p>
+        </p:txBody>
+      </p:sp>
+    </p:spTree>
+    <p:extLst>
+      <p:ext uri="{BB962C8B-B14F-4D97-AF65-F5344CB8AC3E}">
+        <p14:creationId xmlns:p14="http://schemas.microsoft.com/office/powerpoint/2010/main" val="1097641107"/>
+      </p:ext>
+    </p:extLst>
+  </p:cSld>
+  <p:clrMapOvr>
+    <a:masterClrMapping/>
+  </p:clrMapOvr>
+</p:sld>
+</file>
+
+<file path=ppt/slides/slide11.xml><?xml version="1.0" encoding="utf-8"?>
 <p:sld xmlns:a="http://schemas.openxmlformats.org/drawingml/2006/main" xmlns:r="http://schemas.openxmlformats.org/officeDocument/2006/relationships" xmlns:p="http://schemas.openxmlformats.org/presentationml/2006/main">
   <p:cSld>
     <p:spTree>
@@ -24013,7 +24352,7 @@
 </p:sld>
 </file>
 
-<file path=ppt/slides/slide11.xml><?xml version="1.0" encoding="utf-8"?>
+<file path=ppt/slides/slide12.xml><?xml version="1.0" encoding="utf-8"?>
 <p:sld xmlns:a="http://schemas.openxmlformats.org/drawingml/2006/main" xmlns:r="http://schemas.openxmlformats.org/officeDocument/2006/relationships" xmlns:p="http://schemas.openxmlformats.org/presentationml/2006/main">
   <p:cSld>
     <p:spTree>
@@ -24138,7 +24477,7 @@
 </p:sld>
 </file>
 
-<file path=ppt/slides/slide12.xml><?xml version="1.0" encoding="utf-8"?>
+<file path=ppt/slides/slide13.xml><?xml version="1.0" encoding="utf-8"?>
 <p:sld xmlns:a="http://schemas.openxmlformats.org/drawingml/2006/main" xmlns:r="http://schemas.openxmlformats.org/officeDocument/2006/relationships" xmlns:p="http://schemas.openxmlformats.org/presentationml/2006/main">
   <p:cSld>
     <p:spTree>
@@ -25152,7 +25491,7 @@
 </p:sld>
 </file>
 
-<file path=ppt/slides/slide13.xml><?xml version="1.0" encoding="utf-8"?>
+<file path=ppt/slides/slide14.xml><?xml version="1.0" encoding="utf-8"?>
 <p:sld xmlns:a="http://schemas.openxmlformats.org/drawingml/2006/main" xmlns:r="http://schemas.openxmlformats.org/officeDocument/2006/relationships" xmlns:p="http://schemas.openxmlformats.org/presentationml/2006/main">
   <p:cSld>
     <p:spTree>
@@ -25258,7 +25597,7 @@
 </p:sld>
 </file>
 
-<file path=ppt/slides/slide14.xml><?xml version="1.0" encoding="utf-8"?>
+<file path=ppt/slides/slide15.xml><?xml version="1.0" encoding="utf-8"?>
 <p:sld xmlns:a="http://schemas.openxmlformats.org/drawingml/2006/main" xmlns:r="http://schemas.openxmlformats.org/officeDocument/2006/relationships" xmlns:p="http://schemas.openxmlformats.org/presentationml/2006/main">
   <p:cSld>
     <p:spTree>
@@ -25357,7 +25696,7 @@
 </p:sld>
 </file>
 
-<file path=ppt/slides/slide15.xml><?xml version="1.0" encoding="utf-8"?>
+<file path=ppt/slides/slide16.xml><?xml version="1.0" encoding="utf-8"?>
 <p:sld xmlns:a="http://schemas.openxmlformats.org/drawingml/2006/main" xmlns:r="http://schemas.openxmlformats.org/officeDocument/2006/relationships" xmlns:p="http://schemas.openxmlformats.org/presentationml/2006/main">
   <p:cSld>
     <p:spTree>
@@ -25596,7 +25935,7 @@
 </p:sld>
 </file>
 
-<file path=ppt/slides/slide16.xml><?xml version="1.0" encoding="utf-8"?>
+<file path=ppt/slides/slide17.xml><?xml version="1.0" encoding="utf-8"?>
 <p:sld xmlns:a="http://schemas.openxmlformats.org/drawingml/2006/main" xmlns:r="http://schemas.openxmlformats.org/officeDocument/2006/relationships" xmlns:p="http://schemas.openxmlformats.org/presentationml/2006/main">
   <p:cSld>
     <p:spTree>
@@ -25710,7 +26049,7 @@
 </p:sld>
 </file>
 
-<file path=ppt/slides/slide17.xml><?xml version="1.0" encoding="utf-8"?>
+<file path=ppt/slides/slide18.xml><?xml version="1.0" encoding="utf-8"?>
 <p:sld xmlns:a="http://schemas.openxmlformats.org/drawingml/2006/main" xmlns:r="http://schemas.openxmlformats.org/officeDocument/2006/relationships" xmlns:p="http://schemas.openxmlformats.org/presentationml/2006/main">
   <p:cSld>
     <p:spTree>
@@ -25793,7 +26132,7 @@
 </p:sld>
 </file>
 
-<file path=ppt/slides/slide18.xml><?xml version="1.0" encoding="utf-8"?>
+<file path=ppt/slides/slide19.xml><?xml version="1.0" encoding="utf-8"?>
 <p:sld xmlns:a="http://schemas.openxmlformats.org/drawingml/2006/main" xmlns:r="http://schemas.openxmlformats.org/officeDocument/2006/relationships" xmlns:p="http://schemas.openxmlformats.org/presentationml/2006/main">
   <p:cSld>
     <p:spTree>
@@ -25879,7 +26218,93 @@
 </p:sld>
 </file>
 
-<file path=ppt/slides/slide19.xml><?xml version="1.0" encoding="utf-8"?>
+<file path=ppt/slides/slide2.xml><?xml version="1.0" encoding="utf-8"?>
+<p:sld xmlns:a="http://schemas.openxmlformats.org/drawingml/2006/main" xmlns:r="http://schemas.openxmlformats.org/officeDocument/2006/relationships" xmlns:p="http://schemas.openxmlformats.org/presentationml/2006/main">
+  <p:cSld>
+    <p:spTree>
+      <p:nvGrpSpPr>
+        <p:cNvPr id="1" name=""/>
+        <p:cNvGrpSpPr/>
+        <p:nvPr/>
+      </p:nvGrpSpPr>
+      <p:grpSpPr>
+        <a:xfrm>
+          <a:off x="0" y="0"/>
+          <a:ext cx="0" cy="0"/>
+          <a:chOff x="0" y="0"/>
+          <a:chExt cx="0" cy="0"/>
+        </a:xfrm>
+      </p:grpSpPr>
+      <p:sp>
+        <p:nvSpPr>
+          <p:cNvPr id="2" name="Title 1">
+            <a:extLst>
+              <a:ext uri="{FF2B5EF4-FFF2-40B4-BE49-F238E27FC236}">
+                <a16:creationId xmlns:a16="http://schemas.microsoft.com/office/drawing/2014/main" id="{29634585-F674-436A-AA9D-FE1C183DEF18}"/>
+              </a:ext>
+            </a:extLst>
+          </p:cNvPr>
+          <p:cNvSpPr>
+            <a:spLocks noGrp="1"/>
+          </p:cNvSpPr>
+          <p:nvPr>
+            <p:ph type="ctrTitle"/>
+          </p:nvPr>
+        </p:nvSpPr>
+        <p:spPr/>
+        <p:txBody>
+          <a:bodyPr/>
+          <a:lstStyle/>
+          <a:p>
+            <a:r>
+              <a:rPr lang="en-US" dirty="0"/>
+              <a:t>Desired State Configuration</a:t>
+            </a:r>
+          </a:p>
+        </p:txBody>
+      </p:sp>
+      <p:sp>
+        <p:nvSpPr>
+          <p:cNvPr id="3" name="Subtitle 2">
+            <a:extLst>
+              <a:ext uri="{FF2B5EF4-FFF2-40B4-BE49-F238E27FC236}">
+                <a16:creationId xmlns:a16="http://schemas.microsoft.com/office/drawing/2014/main" id="{76CDF0B3-8FEA-41F6-AB97-484CBA624A1A}"/>
+              </a:ext>
+            </a:extLst>
+          </p:cNvPr>
+          <p:cNvSpPr>
+            <a:spLocks noGrp="1"/>
+          </p:cNvSpPr>
+          <p:nvPr>
+            <p:ph type="subTitle" idx="1"/>
+          </p:nvPr>
+        </p:nvSpPr>
+        <p:spPr/>
+        <p:txBody>
+          <a:bodyPr/>
+          <a:lstStyle/>
+          <a:p>
+            <a:r>
+              <a:rPr lang="en-US" dirty="0"/>
+              <a:t>Install &amp; Configure SQL Server</a:t>
+            </a:r>
+          </a:p>
+        </p:txBody>
+      </p:sp>
+    </p:spTree>
+    <p:extLst>
+      <p:ext uri="{BB962C8B-B14F-4D97-AF65-F5344CB8AC3E}">
+        <p14:creationId xmlns:p14="http://schemas.microsoft.com/office/powerpoint/2010/main" val="40951072"/>
+      </p:ext>
+    </p:extLst>
+  </p:cSld>
+  <p:clrMapOvr>
+    <a:masterClrMapping/>
+  </p:clrMapOvr>
+</p:sld>
+</file>
+
+<file path=ppt/slides/slide20.xml><?xml version="1.0" encoding="utf-8"?>
 <p:sld xmlns:a="http://schemas.openxmlformats.org/drawingml/2006/main" xmlns:r="http://schemas.openxmlformats.org/officeDocument/2006/relationships" xmlns:p="http://schemas.openxmlformats.org/presentationml/2006/main">
   <p:cSld>
     <p:spTree>
@@ -26070,7 +26495,1403 @@
 </p:sld>
 </file>
 
-<file path=ppt/slides/slide2.xml><?xml version="1.0" encoding="utf-8"?>
+<file path=ppt/slides/slide21.xml><?xml version="1.0" encoding="utf-8"?>
+<p:sld xmlns:a="http://schemas.openxmlformats.org/drawingml/2006/main" xmlns:r="http://schemas.openxmlformats.org/officeDocument/2006/relationships" xmlns:p="http://schemas.openxmlformats.org/presentationml/2006/main">
+  <p:cSld>
+    <p:spTree>
+      <p:nvGrpSpPr>
+        <p:cNvPr id="1" name=""/>
+        <p:cNvGrpSpPr/>
+        <p:nvPr/>
+      </p:nvGrpSpPr>
+      <p:grpSpPr>
+        <a:xfrm>
+          <a:off x="0" y="0"/>
+          <a:ext cx="0" cy="0"/>
+          <a:chOff x="0" y="0"/>
+          <a:chExt cx="0" cy="0"/>
+        </a:xfrm>
+      </p:grpSpPr>
+      <p:sp>
+        <p:nvSpPr>
+          <p:cNvPr id="2" name="Title 1">
+            <a:extLst>
+              <a:ext uri="{FF2B5EF4-FFF2-40B4-BE49-F238E27FC236}">
+                <a16:creationId xmlns:a16="http://schemas.microsoft.com/office/drawing/2014/main" id="{BA42216C-DB92-44BC-B6DA-7177316C7B7A}"/>
+              </a:ext>
+            </a:extLst>
+          </p:cNvPr>
+          <p:cNvSpPr>
+            <a:spLocks noGrp="1"/>
+          </p:cNvSpPr>
+          <p:nvPr>
+            <p:ph type="title"/>
+          </p:nvPr>
+        </p:nvSpPr>
+        <p:spPr/>
+        <p:txBody>
+          <a:bodyPr/>
+          <a:lstStyle/>
+          <a:p>
+            <a:r>
+              <a:rPr lang="en-US" dirty="0"/>
+              <a:t>Publish-</a:t>
+            </a:r>
+            <a:r>
+              <a:rPr lang="en-US" dirty="0" err="1"/>
+              <a:t>DscConfiguration</a:t>
+            </a:r>
+            <a:endParaRPr lang="en-US" dirty="0"/>
+          </a:p>
+        </p:txBody>
+      </p:sp>
+      <p:sp>
+        <p:nvSpPr>
+          <p:cNvPr id="3" name="Content Placeholder 2">
+            <a:extLst>
+              <a:ext uri="{FF2B5EF4-FFF2-40B4-BE49-F238E27FC236}">
+                <a16:creationId xmlns:a16="http://schemas.microsoft.com/office/drawing/2014/main" id="{527FB6E9-2A71-4EEB-B8A2-EE9D31070C9B}"/>
+              </a:ext>
+            </a:extLst>
+          </p:cNvPr>
+          <p:cNvSpPr>
+            <a:spLocks noGrp="1"/>
+          </p:cNvSpPr>
+          <p:nvPr>
+            <p:ph idx="1"/>
+          </p:nvPr>
+        </p:nvSpPr>
+        <p:spPr>
+          <a:xfrm>
+            <a:off x="838200" y="1003852"/>
+            <a:ext cx="10515600" cy="5173111"/>
+          </a:xfrm>
+        </p:spPr>
+        <p:txBody>
+          <a:bodyPr/>
+          <a:lstStyle/>
+          <a:p>
+            <a:r>
+              <a:rPr lang="en-US" dirty="0"/>
+              <a:t>Delivers Configuration to node(s)</a:t>
+            </a:r>
+          </a:p>
+          <a:p>
+            <a:r>
+              <a:rPr lang="en-US" dirty="0"/>
+              <a:t>Doesn’t apply the configuration</a:t>
+            </a:r>
+          </a:p>
+          <a:p>
+            <a:pPr lvl="1"/>
+            <a:endParaRPr lang="en-US" dirty="0"/>
+          </a:p>
+          <a:p>
+            <a:pPr marL="0" indent="0">
+              <a:buNone/>
+            </a:pPr>
+            <a:r>
+              <a:rPr lang="en-US" sz="2600" dirty="0">
+                <a:solidFill>
+                  <a:srgbClr val="795E26"/>
+                </a:solidFill>
+                <a:latin typeface="Consolas" panose="020B0609020204030204" pitchFamily="49" charset="0"/>
+              </a:rPr>
+              <a:t>Publish-</a:t>
+            </a:r>
+            <a:r>
+              <a:rPr lang="en-US" sz="2600" dirty="0" err="1">
+                <a:solidFill>
+                  <a:srgbClr val="795E26"/>
+                </a:solidFill>
+                <a:latin typeface="Consolas" panose="020B0609020204030204" pitchFamily="49" charset="0"/>
+              </a:rPr>
+              <a:t>DscConfiguration</a:t>
+            </a:r>
+            <a:r>
+              <a:rPr lang="en-US" sz="2600" dirty="0">
+                <a:latin typeface="Consolas" panose="020B0609020204030204" pitchFamily="49" charset="0"/>
+              </a:rPr>
+              <a:t> -Path .\output\ `</a:t>
+            </a:r>
+          </a:p>
+          <a:p>
+            <a:pPr marL="457200" lvl="1" indent="0">
+              <a:buNone/>
+            </a:pPr>
+            <a:r>
+              <a:rPr lang="en-US" sz="2600" dirty="0">
+                <a:latin typeface="Consolas" panose="020B0609020204030204" pitchFamily="49" charset="0"/>
+              </a:rPr>
+              <a:t>-</a:t>
+            </a:r>
+            <a:r>
+              <a:rPr lang="en-US" sz="2600" dirty="0" err="1">
+                <a:latin typeface="Consolas" panose="020B0609020204030204" pitchFamily="49" charset="0"/>
+              </a:rPr>
+              <a:t>ComputerName</a:t>
+            </a:r>
+            <a:r>
+              <a:rPr lang="en-US" sz="2600" dirty="0">
+                <a:latin typeface="Consolas" panose="020B0609020204030204" pitchFamily="49" charset="0"/>
+              </a:rPr>
+              <a:t> dscsvr2 `</a:t>
+            </a:r>
+          </a:p>
+          <a:p>
+            <a:pPr marL="457200" lvl="1" indent="0">
+              <a:buNone/>
+            </a:pPr>
+            <a:r>
+              <a:rPr lang="en-US" sz="2600" dirty="0">
+                <a:latin typeface="Consolas" panose="020B0609020204030204" pitchFamily="49" charset="0"/>
+              </a:rPr>
+              <a:t>-Verbose</a:t>
+            </a:r>
+          </a:p>
+          <a:p>
+            <a:pPr marL="0" indent="0">
+              <a:buNone/>
+            </a:pPr>
+            <a:endParaRPr lang="en-US" dirty="0"/>
+          </a:p>
+        </p:txBody>
+      </p:sp>
+    </p:spTree>
+    <p:extLst>
+      <p:ext uri="{BB962C8B-B14F-4D97-AF65-F5344CB8AC3E}">
+        <p14:creationId xmlns:p14="http://schemas.microsoft.com/office/powerpoint/2010/main" val="2905766203"/>
+      </p:ext>
+    </p:extLst>
+  </p:cSld>
+  <p:clrMapOvr>
+    <a:masterClrMapping/>
+  </p:clrMapOvr>
+</p:sld>
+</file>
+
+<file path=ppt/slides/slide22.xml><?xml version="1.0" encoding="utf-8"?>
+<p:sld xmlns:a="http://schemas.openxmlformats.org/drawingml/2006/main" xmlns:r="http://schemas.openxmlformats.org/officeDocument/2006/relationships" xmlns:p="http://schemas.openxmlformats.org/presentationml/2006/main">
+  <p:cSld>
+    <p:spTree>
+      <p:nvGrpSpPr>
+        <p:cNvPr id="1" name=""/>
+        <p:cNvGrpSpPr/>
+        <p:nvPr/>
+      </p:nvGrpSpPr>
+      <p:grpSpPr>
+        <a:xfrm>
+          <a:off x="0" y="0"/>
+          <a:ext cx="0" cy="0"/>
+          <a:chOff x="0" y="0"/>
+          <a:chExt cx="0" cy="0"/>
+        </a:xfrm>
+      </p:grpSpPr>
+      <p:sp>
+        <p:nvSpPr>
+          <p:cNvPr id="2" name="Title 1">
+            <a:extLst>
+              <a:ext uri="{FF2B5EF4-FFF2-40B4-BE49-F238E27FC236}">
+                <a16:creationId xmlns:a16="http://schemas.microsoft.com/office/drawing/2014/main" id="{99496A41-30EF-4452-B279-B6016BD1EA30}"/>
+              </a:ext>
+            </a:extLst>
+          </p:cNvPr>
+          <p:cNvSpPr>
+            <a:spLocks noGrp="1"/>
+          </p:cNvSpPr>
+          <p:nvPr>
+            <p:ph type="title"/>
+          </p:nvPr>
+        </p:nvSpPr>
+        <p:spPr/>
+        <p:txBody>
+          <a:bodyPr/>
+          <a:lstStyle/>
+          <a:p>
+            <a:r>
+              <a:rPr lang="en-US" dirty="0"/>
+              <a:t>Step 3: Enact</a:t>
+            </a:r>
+          </a:p>
+        </p:txBody>
+      </p:sp>
+      <p:sp>
+        <p:nvSpPr>
+          <p:cNvPr id="3" name="Text Placeholder 2">
+            <a:extLst>
+              <a:ext uri="{FF2B5EF4-FFF2-40B4-BE49-F238E27FC236}">
+                <a16:creationId xmlns:a16="http://schemas.microsoft.com/office/drawing/2014/main" id="{03F4C4C3-4728-4400-823D-4121E84830D3}"/>
+              </a:ext>
+            </a:extLst>
+          </p:cNvPr>
+          <p:cNvSpPr>
+            <a:spLocks noGrp="1"/>
+          </p:cNvSpPr>
+          <p:nvPr>
+            <p:ph type="body" idx="1"/>
+          </p:nvPr>
+        </p:nvSpPr>
+        <p:spPr/>
+        <p:txBody>
+          <a:bodyPr/>
+          <a:lstStyle/>
+          <a:p>
+            <a:endParaRPr lang="en-US"/>
+          </a:p>
+        </p:txBody>
+      </p:sp>
+    </p:spTree>
+    <p:extLst>
+      <p:ext uri="{BB962C8B-B14F-4D97-AF65-F5344CB8AC3E}">
+        <p14:creationId xmlns:p14="http://schemas.microsoft.com/office/powerpoint/2010/main" val="4086139507"/>
+      </p:ext>
+    </p:extLst>
+  </p:cSld>
+  <p:clrMapOvr>
+    <a:masterClrMapping/>
+  </p:clrMapOvr>
+</p:sld>
+</file>
+
+<file path=ppt/slides/slide23.xml><?xml version="1.0" encoding="utf-8"?>
+<p:sld xmlns:a="http://schemas.openxmlformats.org/drawingml/2006/main" xmlns:r="http://schemas.openxmlformats.org/officeDocument/2006/relationships" xmlns:p="http://schemas.openxmlformats.org/presentationml/2006/main">
+  <p:cSld>
+    <p:spTree>
+      <p:nvGrpSpPr>
+        <p:cNvPr id="1" name=""/>
+        <p:cNvGrpSpPr/>
+        <p:nvPr/>
+      </p:nvGrpSpPr>
+      <p:grpSpPr>
+        <a:xfrm>
+          <a:off x="0" y="0"/>
+          <a:ext cx="0" cy="0"/>
+          <a:chOff x="0" y="0"/>
+          <a:chExt cx="0" cy="0"/>
+        </a:xfrm>
+      </p:grpSpPr>
+      <p:sp>
+        <p:nvSpPr>
+          <p:cNvPr id="2" name="Title 1">
+            <a:extLst>
+              <a:ext uri="{FF2B5EF4-FFF2-40B4-BE49-F238E27FC236}">
+                <a16:creationId xmlns:a16="http://schemas.microsoft.com/office/drawing/2014/main" id="{44840601-9EB8-41A8-BB9B-1CF7F45D46C2}"/>
+              </a:ext>
+            </a:extLst>
+          </p:cNvPr>
+          <p:cNvSpPr>
+            <a:spLocks noGrp="1"/>
+          </p:cNvSpPr>
+          <p:nvPr>
+            <p:ph type="title"/>
+          </p:nvPr>
+        </p:nvSpPr>
+        <p:spPr/>
+        <p:txBody>
+          <a:bodyPr/>
+          <a:lstStyle/>
+          <a:p>
+            <a:r>
+              <a:rPr lang="en-US" dirty="0"/>
+              <a:t>Local Configuration Manager</a:t>
+            </a:r>
+          </a:p>
+        </p:txBody>
+      </p:sp>
+      <p:sp>
+        <p:nvSpPr>
+          <p:cNvPr id="3" name="Content Placeholder 2">
+            <a:extLst>
+              <a:ext uri="{FF2B5EF4-FFF2-40B4-BE49-F238E27FC236}">
+                <a16:creationId xmlns:a16="http://schemas.microsoft.com/office/drawing/2014/main" id="{015603FA-3E3A-4450-950C-872034A3E72F}"/>
+              </a:ext>
+            </a:extLst>
+          </p:cNvPr>
+          <p:cNvSpPr>
+            <a:spLocks noGrp="1"/>
+          </p:cNvSpPr>
+          <p:nvPr>
+            <p:ph idx="1"/>
+          </p:nvPr>
+        </p:nvSpPr>
+        <p:spPr/>
+        <p:txBody>
+          <a:bodyPr/>
+          <a:lstStyle/>
+          <a:p>
+            <a:r>
+              <a:rPr lang="en-US" dirty="0"/>
+              <a:t>DSC Engine</a:t>
+            </a:r>
+          </a:p>
+          <a:p>
+            <a:r>
+              <a:rPr lang="en-US" dirty="0"/>
+              <a:t>Runs on target nodes</a:t>
+            </a:r>
+          </a:p>
+          <a:p>
+            <a:r>
+              <a:rPr lang="en-US" dirty="0"/>
+              <a:t>Parses &amp; Enact</a:t>
+            </a:r>
+          </a:p>
+          <a:p>
+            <a:r>
+              <a:rPr lang="en-US" dirty="0"/>
+              <a:t>Determines refresh mode</a:t>
+            </a:r>
+          </a:p>
+          <a:p>
+            <a:r>
+              <a:rPr lang="en-US" dirty="0"/>
+              <a:t>Configure using meta configuration</a:t>
+            </a:r>
+          </a:p>
+          <a:p>
+            <a:endParaRPr lang="en-US" dirty="0"/>
+          </a:p>
+          <a:p>
+            <a:pPr marL="0" indent="0">
+              <a:buNone/>
+            </a:pPr>
+            <a:endParaRPr lang="en-US" dirty="0"/>
+          </a:p>
+        </p:txBody>
+      </p:sp>
+    </p:spTree>
+    <p:extLst>
+      <p:ext uri="{BB962C8B-B14F-4D97-AF65-F5344CB8AC3E}">
+        <p14:creationId xmlns:p14="http://schemas.microsoft.com/office/powerpoint/2010/main" val="252789496"/>
+      </p:ext>
+    </p:extLst>
+  </p:cSld>
+  <p:clrMapOvr>
+    <a:masterClrMapping/>
+  </p:clrMapOvr>
+</p:sld>
+</file>
+
+<file path=ppt/slides/slide24.xml><?xml version="1.0" encoding="utf-8"?>
+<p:sld xmlns:a="http://schemas.openxmlformats.org/drawingml/2006/main" xmlns:r="http://schemas.openxmlformats.org/officeDocument/2006/relationships" xmlns:p="http://schemas.openxmlformats.org/presentationml/2006/main">
+  <p:cSld>
+    <p:spTree>
+      <p:nvGrpSpPr>
+        <p:cNvPr id="1" name=""/>
+        <p:cNvGrpSpPr/>
+        <p:nvPr/>
+      </p:nvGrpSpPr>
+      <p:grpSpPr>
+        <a:xfrm>
+          <a:off x="0" y="0"/>
+          <a:ext cx="0" cy="0"/>
+          <a:chOff x="0" y="0"/>
+          <a:chExt cx="0" cy="0"/>
+        </a:xfrm>
+      </p:grpSpPr>
+      <p:sp>
+        <p:nvSpPr>
+          <p:cNvPr id="2" name="Title 1">
+            <a:extLst>
+              <a:ext uri="{FF2B5EF4-FFF2-40B4-BE49-F238E27FC236}">
+                <a16:creationId xmlns:a16="http://schemas.microsoft.com/office/drawing/2014/main" id="{7CCB7B09-B6D8-4F67-AC35-3C47E21C05AD}"/>
+              </a:ext>
+            </a:extLst>
+          </p:cNvPr>
+          <p:cNvSpPr>
+            <a:spLocks noGrp="1"/>
+          </p:cNvSpPr>
+          <p:nvPr>
+            <p:ph type="title"/>
+          </p:nvPr>
+        </p:nvSpPr>
+        <p:spPr/>
+        <p:txBody>
+          <a:bodyPr/>
+          <a:lstStyle/>
+          <a:p>
+            <a:r>
+              <a:rPr lang="en-US" dirty="0"/>
+              <a:t>LCM Settings</a:t>
+            </a:r>
+          </a:p>
+        </p:txBody>
+      </p:sp>
+      <p:sp>
+        <p:nvSpPr>
+          <p:cNvPr id="3" name="Content Placeholder 2">
+            <a:extLst>
+              <a:ext uri="{FF2B5EF4-FFF2-40B4-BE49-F238E27FC236}">
+                <a16:creationId xmlns:a16="http://schemas.microsoft.com/office/drawing/2014/main" id="{78A57010-626A-433F-A0F2-5762AE85C543}"/>
+              </a:ext>
+            </a:extLst>
+          </p:cNvPr>
+          <p:cNvSpPr>
+            <a:spLocks noGrp="1"/>
+          </p:cNvSpPr>
+          <p:nvPr>
+            <p:ph idx="1"/>
+          </p:nvPr>
+        </p:nvSpPr>
+        <p:spPr/>
+        <p:txBody>
+          <a:bodyPr/>
+          <a:lstStyle/>
+          <a:p>
+            <a:r>
+              <a:rPr lang="en-US" dirty="0" err="1"/>
+              <a:t>ActionAfterReboot</a:t>
+            </a:r>
+            <a:endParaRPr lang="en-US" dirty="0"/>
+          </a:p>
+          <a:p>
+            <a:r>
+              <a:rPr lang="en-US" dirty="0" err="1"/>
+              <a:t>CertificateID</a:t>
+            </a:r>
+            <a:endParaRPr lang="en-US" dirty="0"/>
+          </a:p>
+          <a:p>
+            <a:r>
+              <a:rPr lang="en-US" dirty="0" err="1"/>
+              <a:t>ConfigurationMode</a:t>
+            </a:r>
+            <a:endParaRPr lang="en-US" dirty="0"/>
+          </a:p>
+          <a:p>
+            <a:r>
+              <a:rPr lang="en-US" dirty="0" err="1"/>
+              <a:t>ConfigurationModeFrequencyMins</a:t>
+            </a:r>
+            <a:endParaRPr lang="en-US" dirty="0"/>
+          </a:p>
+          <a:p>
+            <a:r>
+              <a:rPr lang="en-US" dirty="0" err="1"/>
+              <a:t>RebootNodeIfNeeded</a:t>
+            </a:r>
+            <a:r>
+              <a:rPr lang="en-US" dirty="0"/>
+              <a:t> </a:t>
+            </a:r>
+          </a:p>
+          <a:p>
+            <a:r>
+              <a:rPr lang="en-US" dirty="0" err="1"/>
+              <a:t>RefreshMode</a:t>
+            </a:r>
+            <a:endParaRPr lang="en-US" dirty="0"/>
+          </a:p>
+          <a:p>
+            <a:r>
+              <a:rPr lang="en-US" dirty="0" err="1"/>
+              <a:t>RefreshFrequencyMins</a:t>
+            </a:r>
+            <a:endParaRPr lang="en-US" dirty="0"/>
+          </a:p>
+        </p:txBody>
+      </p:sp>
+    </p:spTree>
+    <p:extLst>
+      <p:ext uri="{BB962C8B-B14F-4D97-AF65-F5344CB8AC3E}">
+        <p14:creationId xmlns:p14="http://schemas.microsoft.com/office/powerpoint/2010/main" val="4285730941"/>
+      </p:ext>
+    </p:extLst>
+  </p:cSld>
+  <p:clrMapOvr>
+    <a:masterClrMapping/>
+  </p:clrMapOvr>
+</p:sld>
+</file>
+
+<file path=ppt/slides/slide25.xml><?xml version="1.0" encoding="utf-8"?>
+<p:sld xmlns:a="http://schemas.openxmlformats.org/drawingml/2006/main" xmlns:r="http://schemas.openxmlformats.org/officeDocument/2006/relationships" xmlns:p="http://schemas.openxmlformats.org/presentationml/2006/main">
+  <p:cSld>
+    <p:spTree>
+      <p:nvGrpSpPr>
+        <p:cNvPr id="1" name=""/>
+        <p:cNvGrpSpPr/>
+        <p:nvPr/>
+      </p:nvGrpSpPr>
+      <p:grpSpPr>
+        <a:xfrm>
+          <a:off x="0" y="0"/>
+          <a:ext cx="0" cy="0"/>
+          <a:chOff x="0" y="0"/>
+          <a:chExt cx="0" cy="0"/>
+        </a:xfrm>
+      </p:grpSpPr>
+      <p:sp>
+        <p:nvSpPr>
+          <p:cNvPr id="2" name="Title 1">
+            <a:extLst>
+              <a:ext uri="{FF2B5EF4-FFF2-40B4-BE49-F238E27FC236}">
+                <a16:creationId xmlns:a16="http://schemas.microsoft.com/office/drawing/2014/main" id="{64D1B0B3-2300-4C97-A128-3BB7D2463452}"/>
+              </a:ext>
+            </a:extLst>
+          </p:cNvPr>
+          <p:cNvSpPr>
+            <a:spLocks noGrp="1"/>
+          </p:cNvSpPr>
+          <p:nvPr>
+            <p:ph type="title"/>
+          </p:nvPr>
+        </p:nvSpPr>
+        <p:spPr/>
+        <p:txBody>
+          <a:bodyPr/>
+          <a:lstStyle/>
+          <a:p>
+            <a:r>
+              <a:rPr lang="en-US" dirty="0"/>
+              <a:t>Demo: LCM Meta Configuration</a:t>
+            </a:r>
+          </a:p>
+        </p:txBody>
+      </p:sp>
+      <p:sp>
+        <p:nvSpPr>
+          <p:cNvPr id="3" name="Content Placeholder 2">
+            <a:extLst>
+              <a:ext uri="{FF2B5EF4-FFF2-40B4-BE49-F238E27FC236}">
+                <a16:creationId xmlns:a16="http://schemas.microsoft.com/office/drawing/2014/main" id="{68D35C9E-C62F-4832-893A-1D56B05306F7}"/>
+              </a:ext>
+            </a:extLst>
+          </p:cNvPr>
+          <p:cNvSpPr>
+            <a:spLocks noGrp="1"/>
+          </p:cNvSpPr>
+          <p:nvPr>
+            <p:ph idx="1"/>
+          </p:nvPr>
+        </p:nvSpPr>
+        <p:spPr/>
+        <p:txBody>
+          <a:bodyPr>
+            <a:normAutofit/>
+          </a:bodyPr>
+          <a:lstStyle/>
+          <a:p>
+            <a:pPr marL="0" indent="0">
+              <a:buNone/>
+            </a:pPr>
+            <a:r>
+              <a:rPr lang="en-US" sz="2600" dirty="0">
+                <a:solidFill>
+                  <a:srgbClr val="6A9955"/>
+                </a:solidFill>
+                <a:latin typeface="Consolas" panose="020B0609020204030204" pitchFamily="49" charset="0"/>
+              </a:rPr>
+              <a:t>## Get Current settings</a:t>
+            </a:r>
+            <a:endParaRPr lang="en-US" sz="2600" dirty="0">
+              <a:solidFill>
+                <a:srgbClr val="D4D4D4"/>
+              </a:solidFill>
+              <a:latin typeface="Consolas" panose="020B0609020204030204" pitchFamily="49" charset="0"/>
+            </a:endParaRPr>
+          </a:p>
+          <a:p>
+            <a:pPr marL="0" indent="0">
+              <a:buNone/>
+            </a:pPr>
+            <a:r>
+              <a:rPr lang="en-US" sz="2600" dirty="0">
+                <a:solidFill>
+                  <a:srgbClr val="795E26"/>
+                </a:solidFill>
+                <a:latin typeface="Consolas" panose="020B0609020204030204" pitchFamily="49" charset="0"/>
+              </a:rPr>
+              <a:t>Get-</a:t>
+            </a:r>
+            <a:r>
+              <a:rPr lang="en-US" sz="2600" dirty="0" err="1">
+                <a:solidFill>
+                  <a:srgbClr val="795E26"/>
+                </a:solidFill>
+                <a:latin typeface="Consolas" panose="020B0609020204030204" pitchFamily="49" charset="0"/>
+              </a:rPr>
+              <a:t>DscLocalConfigurationManager</a:t>
+            </a:r>
+            <a:r>
+              <a:rPr lang="en-US" sz="2600" dirty="0">
+                <a:solidFill>
+                  <a:srgbClr val="D4D4D4"/>
+                </a:solidFill>
+                <a:latin typeface="Consolas" panose="020B0609020204030204" pitchFamily="49" charset="0"/>
+              </a:rPr>
+              <a:t> </a:t>
+            </a:r>
+            <a:r>
+              <a:rPr lang="en-US" sz="2600" dirty="0">
+                <a:latin typeface="Consolas" panose="020B0609020204030204" pitchFamily="49" charset="0"/>
+              </a:rPr>
+              <a:t>-</a:t>
+            </a:r>
+            <a:r>
+              <a:rPr lang="en-US" sz="2600" dirty="0" err="1">
+                <a:latin typeface="Consolas" panose="020B0609020204030204" pitchFamily="49" charset="0"/>
+              </a:rPr>
+              <a:t>CimSession</a:t>
+            </a:r>
+            <a:r>
+              <a:rPr lang="en-US" sz="2600" dirty="0">
+                <a:latin typeface="Consolas" panose="020B0609020204030204" pitchFamily="49" charset="0"/>
+              </a:rPr>
+              <a:t> dscsvr2</a:t>
+            </a:r>
+          </a:p>
+          <a:p>
+            <a:pPr marL="0" indent="0">
+              <a:buNone/>
+            </a:pPr>
+            <a:endParaRPr lang="en-US" sz="2600" dirty="0">
+              <a:solidFill>
+                <a:srgbClr val="D4D4D4"/>
+              </a:solidFill>
+              <a:latin typeface="Consolas" panose="020B0609020204030204" pitchFamily="49" charset="0"/>
+            </a:endParaRPr>
+          </a:p>
+          <a:p>
+            <a:pPr marL="0" indent="0">
+              <a:buNone/>
+            </a:pPr>
+            <a:r>
+              <a:rPr lang="en-US" sz="2600" dirty="0">
+                <a:solidFill>
+                  <a:srgbClr val="6A9955"/>
+                </a:solidFill>
+                <a:latin typeface="Consolas" panose="020B0609020204030204" pitchFamily="49" charset="0"/>
+              </a:rPr>
+              <a:t>## Apply configuration </a:t>
+            </a:r>
+            <a:endParaRPr lang="en-US" sz="2600" dirty="0">
+              <a:solidFill>
+                <a:srgbClr val="D4D4D4"/>
+              </a:solidFill>
+              <a:latin typeface="Consolas" panose="020B0609020204030204" pitchFamily="49" charset="0"/>
+            </a:endParaRPr>
+          </a:p>
+          <a:p>
+            <a:pPr marL="0" indent="0">
+              <a:buNone/>
+            </a:pPr>
+            <a:r>
+              <a:rPr lang="en-US" sz="2600" dirty="0">
+                <a:solidFill>
+                  <a:srgbClr val="795E26"/>
+                </a:solidFill>
+                <a:latin typeface="Consolas" panose="020B0609020204030204" pitchFamily="49" charset="0"/>
+              </a:rPr>
+              <a:t>Set-</a:t>
+            </a:r>
+            <a:r>
+              <a:rPr lang="en-US" sz="2600" dirty="0" err="1">
+                <a:solidFill>
+                  <a:srgbClr val="795E26"/>
+                </a:solidFill>
+                <a:latin typeface="Consolas" panose="020B0609020204030204" pitchFamily="49" charset="0"/>
+              </a:rPr>
+              <a:t>DscLocalConfigurationManager</a:t>
+            </a:r>
+            <a:r>
+              <a:rPr lang="en-US" sz="2600" dirty="0">
+                <a:latin typeface="Consolas" panose="020B0609020204030204" pitchFamily="49" charset="0"/>
+              </a:rPr>
+              <a:t> -Path .\output\ </a:t>
+            </a:r>
+          </a:p>
+          <a:p>
+            <a:pPr marL="457200" lvl="1" indent="0">
+              <a:buNone/>
+            </a:pPr>
+            <a:r>
+              <a:rPr lang="en-US" sz="2600" dirty="0">
+                <a:latin typeface="Consolas" panose="020B0609020204030204" pitchFamily="49" charset="0"/>
+              </a:rPr>
+              <a:t>-</a:t>
+            </a:r>
+            <a:r>
+              <a:rPr lang="en-US" sz="2600" dirty="0" err="1">
+                <a:latin typeface="Consolas" panose="020B0609020204030204" pitchFamily="49" charset="0"/>
+              </a:rPr>
+              <a:t>ComputerName</a:t>
+            </a:r>
+            <a:r>
+              <a:rPr lang="en-US" sz="2600" dirty="0">
+                <a:latin typeface="Consolas" panose="020B0609020204030204" pitchFamily="49" charset="0"/>
+              </a:rPr>
+              <a:t> dscsvr2 -Verbose</a:t>
+            </a:r>
+          </a:p>
+          <a:p>
+            <a:pPr marL="0" indent="0">
+              <a:buNone/>
+            </a:pPr>
+            <a:endParaRPr lang="en-US" dirty="0">
+              <a:solidFill>
+                <a:srgbClr val="D4D4D4"/>
+              </a:solidFill>
+              <a:latin typeface="Consolas" panose="020B0609020204030204" pitchFamily="49" charset="0"/>
+            </a:endParaRPr>
+          </a:p>
+          <a:p>
+            <a:endParaRPr lang="en-US" dirty="0">
+              <a:solidFill>
+                <a:srgbClr val="D4D4D4"/>
+              </a:solidFill>
+              <a:latin typeface="Consolas" panose="020B0609020204030204" pitchFamily="49" charset="0"/>
+            </a:endParaRPr>
+          </a:p>
+        </p:txBody>
+      </p:sp>
+    </p:spTree>
+    <p:extLst>
+      <p:ext uri="{BB962C8B-B14F-4D97-AF65-F5344CB8AC3E}">
+        <p14:creationId xmlns:p14="http://schemas.microsoft.com/office/powerpoint/2010/main" val="1694733742"/>
+      </p:ext>
+    </p:extLst>
+  </p:cSld>
+  <p:clrMapOvr>
+    <a:masterClrMapping/>
+  </p:clrMapOvr>
+</p:sld>
+</file>
+
+<file path=ppt/slides/slide26.xml><?xml version="1.0" encoding="utf-8"?>
+<p:sld xmlns:a="http://schemas.openxmlformats.org/drawingml/2006/main" xmlns:r="http://schemas.openxmlformats.org/officeDocument/2006/relationships" xmlns:p="http://schemas.openxmlformats.org/presentationml/2006/main">
+  <p:cSld>
+    <p:spTree>
+      <p:nvGrpSpPr>
+        <p:cNvPr id="1" name=""/>
+        <p:cNvGrpSpPr/>
+        <p:nvPr/>
+      </p:nvGrpSpPr>
+      <p:grpSpPr>
+        <a:xfrm>
+          <a:off x="0" y="0"/>
+          <a:ext cx="0" cy="0"/>
+          <a:chOff x="0" y="0"/>
+          <a:chExt cx="0" cy="0"/>
+        </a:xfrm>
+      </p:grpSpPr>
+      <p:sp>
+        <p:nvSpPr>
+          <p:cNvPr id="4" name="Title 3">
+            <a:extLst>
+              <a:ext uri="{FF2B5EF4-FFF2-40B4-BE49-F238E27FC236}">
+                <a16:creationId xmlns:a16="http://schemas.microsoft.com/office/drawing/2014/main" id="{8C9385C3-99FD-4DDF-B829-724B5244C47F}"/>
+              </a:ext>
+            </a:extLst>
+          </p:cNvPr>
+          <p:cNvSpPr>
+            <a:spLocks noGrp="1"/>
+          </p:cNvSpPr>
+          <p:nvPr>
+            <p:ph type="title"/>
+          </p:nvPr>
+        </p:nvSpPr>
+        <p:spPr/>
+        <p:txBody>
+          <a:bodyPr/>
+          <a:lstStyle/>
+          <a:p>
+            <a:r>
+              <a:rPr lang="en-US" dirty="0"/>
+              <a:t>Step 4: Monitor</a:t>
+            </a:r>
+          </a:p>
+        </p:txBody>
+      </p:sp>
+      <p:sp>
+        <p:nvSpPr>
+          <p:cNvPr id="5" name="Text Placeholder 4">
+            <a:extLst>
+              <a:ext uri="{FF2B5EF4-FFF2-40B4-BE49-F238E27FC236}">
+                <a16:creationId xmlns:a16="http://schemas.microsoft.com/office/drawing/2014/main" id="{5AD001C6-3EFD-4265-90FB-61D66A2C9B6E}"/>
+              </a:ext>
+            </a:extLst>
+          </p:cNvPr>
+          <p:cNvSpPr>
+            <a:spLocks noGrp="1"/>
+          </p:cNvSpPr>
+          <p:nvPr>
+            <p:ph type="body" idx="1"/>
+          </p:nvPr>
+        </p:nvSpPr>
+        <p:spPr/>
+        <p:txBody>
+          <a:bodyPr/>
+          <a:lstStyle/>
+          <a:p>
+            <a:endParaRPr lang="en-US"/>
+          </a:p>
+        </p:txBody>
+      </p:sp>
+    </p:spTree>
+    <p:extLst>
+      <p:ext uri="{BB962C8B-B14F-4D97-AF65-F5344CB8AC3E}">
+        <p14:creationId xmlns:p14="http://schemas.microsoft.com/office/powerpoint/2010/main" val="3028740089"/>
+      </p:ext>
+    </p:extLst>
+  </p:cSld>
+  <p:clrMapOvr>
+    <a:masterClrMapping/>
+  </p:clrMapOvr>
+</p:sld>
+</file>
+
+<file path=ppt/slides/slide27.xml><?xml version="1.0" encoding="utf-8"?>
+<p:sld xmlns:a="http://schemas.openxmlformats.org/drawingml/2006/main" xmlns:r="http://schemas.openxmlformats.org/officeDocument/2006/relationships" xmlns:p="http://schemas.openxmlformats.org/presentationml/2006/main">
+  <p:cSld>
+    <p:spTree>
+      <p:nvGrpSpPr>
+        <p:cNvPr id="1" name=""/>
+        <p:cNvGrpSpPr/>
+        <p:nvPr/>
+      </p:nvGrpSpPr>
+      <p:grpSpPr>
+        <a:xfrm>
+          <a:off x="0" y="0"/>
+          <a:ext cx="0" cy="0"/>
+          <a:chOff x="0" y="0"/>
+          <a:chExt cx="0" cy="0"/>
+        </a:xfrm>
+      </p:grpSpPr>
+      <p:sp>
+        <p:nvSpPr>
+          <p:cNvPr id="2" name="Title 1">
+            <a:extLst>
+              <a:ext uri="{FF2B5EF4-FFF2-40B4-BE49-F238E27FC236}">
+                <a16:creationId xmlns:a16="http://schemas.microsoft.com/office/drawing/2014/main" id="{733BE5C9-E4CE-468E-BF4E-C8FB0CF3C266}"/>
+              </a:ext>
+            </a:extLst>
+          </p:cNvPr>
+          <p:cNvSpPr>
+            <a:spLocks noGrp="1"/>
+          </p:cNvSpPr>
+          <p:nvPr>
+            <p:ph type="title"/>
+          </p:nvPr>
+        </p:nvSpPr>
+        <p:spPr/>
+        <p:txBody>
+          <a:bodyPr/>
+          <a:lstStyle/>
+          <a:p>
+            <a:r>
+              <a:rPr lang="en-US" dirty="0"/>
+              <a:t>Demo: Configuration Reporting</a:t>
+            </a:r>
+          </a:p>
+        </p:txBody>
+      </p:sp>
+      <p:sp>
+        <p:nvSpPr>
+          <p:cNvPr id="3" name="Content Placeholder 2">
+            <a:extLst>
+              <a:ext uri="{FF2B5EF4-FFF2-40B4-BE49-F238E27FC236}">
+                <a16:creationId xmlns:a16="http://schemas.microsoft.com/office/drawing/2014/main" id="{7F204CB2-DF7D-411D-8DBD-6BC86516E25C}"/>
+              </a:ext>
+            </a:extLst>
+          </p:cNvPr>
+          <p:cNvSpPr>
+            <a:spLocks noGrp="1"/>
+          </p:cNvSpPr>
+          <p:nvPr>
+            <p:ph idx="1"/>
+          </p:nvPr>
+        </p:nvSpPr>
+        <p:spPr/>
+        <p:txBody>
+          <a:bodyPr>
+            <a:normAutofit/>
+          </a:bodyPr>
+          <a:lstStyle/>
+          <a:p>
+            <a:pPr marL="0" indent="0">
+              <a:buNone/>
+            </a:pPr>
+            <a:r>
+              <a:rPr lang="en-US" sz="2600" dirty="0">
+                <a:solidFill>
+                  <a:srgbClr val="6A9955"/>
+                </a:solidFill>
+                <a:latin typeface="Consolas" panose="020B0609020204030204" pitchFamily="49" charset="0"/>
+              </a:rPr>
+              <a:t>## Get the current configuration of the nodes</a:t>
+            </a:r>
+            <a:endParaRPr lang="en-US" sz="2600" dirty="0">
+              <a:solidFill>
+                <a:srgbClr val="D4D4D4"/>
+              </a:solidFill>
+              <a:latin typeface="Consolas" panose="020B0609020204030204" pitchFamily="49" charset="0"/>
+            </a:endParaRPr>
+          </a:p>
+          <a:p>
+            <a:pPr marL="0" indent="0">
+              <a:buNone/>
+            </a:pPr>
+            <a:r>
+              <a:rPr lang="en-US" sz="2600" dirty="0">
+                <a:solidFill>
+                  <a:srgbClr val="795E26"/>
+                </a:solidFill>
+                <a:latin typeface="Consolas" panose="020B0609020204030204" pitchFamily="49" charset="0"/>
+              </a:rPr>
+              <a:t>Get-</a:t>
+            </a:r>
+            <a:r>
+              <a:rPr lang="en-US" sz="2600" dirty="0" err="1">
+                <a:solidFill>
+                  <a:srgbClr val="795E26"/>
+                </a:solidFill>
+                <a:latin typeface="Consolas" panose="020B0609020204030204" pitchFamily="49" charset="0"/>
+              </a:rPr>
+              <a:t>DscConfiguration</a:t>
+            </a:r>
+            <a:r>
+              <a:rPr lang="en-US" sz="2600" dirty="0">
+                <a:latin typeface="Consolas" panose="020B0609020204030204" pitchFamily="49" charset="0"/>
+              </a:rPr>
+              <a:t> -</a:t>
+            </a:r>
+            <a:r>
+              <a:rPr lang="en-US" sz="2600" dirty="0" err="1">
+                <a:latin typeface="Consolas" panose="020B0609020204030204" pitchFamily="49" charset="0"/>
+              </a:rPr>
+              <a:t>CimSession</a:t>
+            </a:r>
+            <a:r>
+              <a:rPr lang="en-US" sz="2600" dirty="0">
+                <a:latin typeface="Consolas" panose="020B0609020204030204" pitchFamily="49" charset="0"/>
+              </a:rPr>
+              <a:t> dscsvr2</a:t>
+            </a:r>
+          </a:p>
+          <a:p>
+            <a:pPr marL="0" indent="0">
+              <a:buNone/>
+            </a:pPr>
+            <a:br>
+              <a:rPr lang="en-US" sz="2600" dirty="0">
+                <a:solidFill>
+                  <a:srgbClr val="D4D4D4"/>
+                </a:solidFill>
+                <a:latin typeface="Consolas" panose="020B0609020204030204" pitchFamily="49" charset="0"/>
+              </a:rPr>
+            </a:br>
+            <a:r>
+              <a:rPr lang="en-US" sz="2600" dirty="0">
+                <a:solidFill>
+                  <a:srgbClr val="6A9955"/>
+                </a:solidFill>
+                <a:latin typeface="Consolas" panose="020B0609020204030204" pitchFamily="49" charset="0"/>
+              </a:rPr>
+              <a:t>## Get configuration status for completed runs</a:t>
+            </a:r>
+            <a:endParaRPr lang="en-US" sz="2600" dirty="0">
+              <a:solidFill>
+                <a:srgbClr val="D4D4D4"/>
+              </a:solidFill>
+              <a:latin typeface="Consolas" panose="020B0609020204030204" pitchFamily="49" charset="0"/>
+            </a:endParaRPr>
+          </a:p>
+          <a:p>
+            <a:pPr marL="0" indent="0">
+              <a:buNone/>
+            </a:pPr>
+            <a:r>
+              <a:rPr lang="en-US" sz="2600" dirty="0">
+                <a:solidFill>
+                  <a:srgbClr val="795E26"/>
+                </a:solidFill>
+                <a:latin typeface="Consolas" panose="020B0609020204030204" pitchFamily="49" charset="0"/>
+              </a:rPr>
+              <a:t>Get-</a:t>
+            </a:r>
+            <a:r>
+              <a:rPr lang="en-US" sz="2600" dirty="0" err="1">
+                <a:solidFill>
+                  <a:srgbClr val="795E26"/>
+                </a:solidFill>
+                <a:latin typeface="Consolas" panose="020B0609020204030204" pitchFamily="49" charset="0"/>
+              </a:rPr>
+              <a:t>DscConfigurationStatus</a:t>
+            </a:r>
+            <a:r>
+              <a:rPr lang="en-US" sz="2600" dirty="0">
+                <a:solidFill>
+                  <a:srgbClr val="D4D4D4"/>
+                </a:solidFill>
+                <a:latin typeface="Consolas" panose="020B0609020204030204" pitchFamily="49" charset="0"/>
+              </a:rPr>
+              <a:t> </a:t>
+            </a:r>
+            <a:r>
+              <a:rPr lang="en-US" sz="2600" dirty="0">
+                <a:latin typeface="Consolas" panose="020B0609020204030204" pitchFamily="49" charset="0"/>
+              </a:rPr>
+              <a:t>-</a:t>
+            </a:r>
+            <a:r>
+              <a:rPr lang="en-US" sz="2600" dirty="0" err="1">
+                <a:latin typeface="Consolas" panose="020B0609020204030204" pitchFamily="49" charset="0"/>
+              </a:rPr>
+              <a:t>CimSession</a:t>
+            </a:r>
+            <a:r>
+              <a:rPr lang="en-US" sz="2600" dirty="0">
+                <a:latin typeface="Consolas" panose="020B0609020204030204" pitchFamily="49" charset="0"/>
+              </a:rPr>
+              <a:t> dscsvr2 | </a:t>
+            </a:r>
+          </a:p>
+          <a:p>
+            <a:pPr marL="0" indent="0">
+              <a:buNone/>
+            </a:pPr>
+            <a:r>
+              <a:rPr lang="en-US" sz="2600" dirty="0">
+                <a:solidFill>
+                  <a:srgbClr val="795E26"/>
+                </a:solidFill>
+                <a:latin typeface="Consolas" panose="020B0609020204030204" pitchFamily="49" charset="0"/>
+              </a:rPr>
+              <a:t>Select-Object</a:t>
+            </a:r>
+            <a:r>
+              <a:rPr lang="en-US" sz="2600" dirty="0">
+                <a:latin typeface="Consolas" panose="020B0609020204030204" pitchFamily="49" charset="0"/>
+              </a:rPr>
+              <a:t> *</a:t>
+            </a:r>
+          </a:p>
+          <a:p>
+            <a:pPr marL="0" indent="0">
+              <a:buNone/>
+            </a:pPr>
+            <a:br>
+              <a:rPr lang="en-US" sz="2600" dirty="0">
+                <a:solidFill>
+                  <a:srgbClr val="D4D4D4"/>
+                </a:solidFill>
+                <a:latin typeface="Consolas" panose="020B0609020204030204" pitchFamily="49" charset="0"/>
+              </a:rPr>
+            </a:br>
+            <a:r>
+              <a:rPr lang="en-US" sz="2600" dirty="0">
+                <a:solidFill>
+                  <a:srgbClr val="6A9955"/>
+                </a:solidFill>
+                <a:latin typeface="Consolas" panose="020B0609020204030204" pitchFamily="49" charset="0"/>
+              </a:rPr>
+              <a:t>## Test the current configuration</a:t>
+            </a:r>
+            <a:endParaRPr lang="en-US" sz="2600" dirty="0">
+              <a:solidFill>
+                <a:srgbClr val="D4D4D4"/>
+              </a:solidFill>
+              <a:latin typeface="Consolas" panose="020B0609020204030204" pitchFamily="49" charset="0"/>
+            </a:endParaRPr>
+          </a:p>
+          <a:p>
+            <a:pPr marL="0" indent="0">
+              <a:buNone/>
+            </a:pPr>
+            <a:r>
+              <a:rPr lang="en-US" sz="2600" dirty="0">
+                <a:solidFill>
+                  <a:srgbClr val="795E26"/>
+                </a:solidFill>
+                <a:latin typeface="Consolas" panose="020B0609020204030204" pitchFamily="49" charset="0"/>
+              </a:rPr>
+              <a:t>Test-</a:t>
+            </a:r>
+            <a:r>
+              <a:rPr lang="en-US" sz="2600" dirty="0" err="1">
+                <a:solidFill>
+                  <a:srgbClr val="795E26"/>
+                </a:solidFill>
+                <a:latin typeface="Consolas" panose="020B0609020204030204" pitchFamily="49" charset="0"/>
+              </a:rPr>
+              <a:t>DscConfiguration</a:t>
+            </a:r>
+            <a:r>
+              <a:rPr lang="en-US" sz="2600" dirty="0">
+                <a:solidFill>
+                  <a:srgbClr val="D4D4D4"/>
+                </a:solidFill>
+                <a:latin typeface="Consolas" panose="020B0609020204030204" pitchFamily="49" charset="0"/>
+              </a:rPr>
+              <a:t> </a:t>
+            </a:r>
+            <a:r>
+              <a:rPr lang="en-US" sz="2600" dirty="0">
+                <a:latin typeface="Consolas" panose="020B0609020204030204" pitchFamily="49" charset="0"/>
+              </a:rPr>
+              <a:t>-</a:t>
+            </a:r>
+            <a:r>
+              <a:rPr lang="en-US" sz="2600" dirty="0" err="1">
+                <a:latin typeface="Consolas" panose="020B0609020204030204" pitchFamily="49" charset="0"/>
+              </a:rPr>
+              <a:t>ComputerName</a:t>
+            </a:r>
+            <a:r>
+              <a:rPr lang="en-US" sz="2600" dirty="0">
+                <a:latin typeface="Consolas" panose="020B0609020204030204" pitchFamily="49" charset="0"/>
+              </a:rPr>
+              <a:t> DscSvr2 -Verbose</a:t>
+            </a:r>
+          </a:p>
+          <a:p>
+            <a:endParaRPr lang="en-US" sz="2600" dirty="0">
+              <a:solidFill>
+                <a:srgbClr val="D4D4D4"/>
+              </a:solidFill>
+              <a:latin typeface="Consolas" panose="020B0609020204030204" pitchFamily="49" charset="0"/>
+            </a:endParaRPr>
+          </a:p>
+        </p:txBody>
+      </p:sp>
+    </p:spTree>
+    <p:extLst>
+      <p:ext uri="{BB962C8B-B14F-4D97-AF65-F5344CB8AC3E}">
+        <p14:creationId xmlns:p14="http://schemas.microsoft.com/office/powerpoint/2010/main" val="469693551"/>
+      </p:ext>
+    </p:extLst>
+  </p:cSld>
+  <p:clrMapOvr>
+    <a:masterClrMapping/>
+  </p:clrMapOvr>
+</p:sld>
+</file>
+
+<file path=ppt/slides/slide28.xml><?xml version="1.0" encoding="utf-8"?>
+<p:sld xmlns:a="http://schemas.openxmlformats.org/drawingml/2006/main" xmlns:r="http://schemas.openxmlformats.org/officeDocument/2006/relationships" xmlns:p="http://schemas.openxmlformats.org/presentationml/2006/main">
+  <p:cSld>
+    <p:spTree>
+      <p:nvGrpSpPr>
+        <p:cNvPr id="1" name=""/>
+        <p:cNvGrpSpPr/>
+        <p:nvPr/>
+      </p:nvGrpSpPr>
+      <p:grpSpPr>
+        <a:xfrm>
+          <a:off x="0" y="0"/>
+          <a:ext cx="0" cy="0"/>
+          <a:chOff x="0" y="0"/>
+          <a:chExt cx="0" cy="0"/>
+        </a:xfrm>
+      </p:grpSpPr>
+      <p:sp>
+        <p:nvSpPr>
+          <p:cNvPr id="4" name="Title 3">
+            <a:extLst>
+              <a:ext uri="{FF2B5EF4-FFF2-40B4-BE49-F238E27FC236}">
+                <a16:creationId xmlns:a16="http://schemas.microsoft.com/office/drawing/2014/main" id="{5857C009-4ECE-48E6-A7FB-BBEB82F00A90}"/>
+              </a:ext>
+            </a:extLst>
+          </p:cNvPr>
+          <p:cNvSpPr>
+            <a:spLocks noGrp="1"/>
+          </p:cNvSpPr>
+          <p:nvPr>
+            <p:ph type="title"/>
+          </p:nvPr>
+        </p:nvSpPr>
+        <p:spPr/>
+        <p:txBody>
+          <a:bodyPr>
+            <a:normAutofit/>
+          </a:bodyPr>
+          <a:lstStyle/>
+          <a:p>
+            <a:r>
+              <a:rPr lang="en-US" dirty="0"/>
+              <a:t>DSC Event Logs</a:t>
+            </a:r>
+          </a:p>
+        </p:txBody>
+      </p:sp>
+      <p:sp>
+        <p:nvSpPr>
+          <p:cNvPr id="5" name="Content Placeholder 4">
+            <a:extLst>
+              <a:ext uri="{FF2B5EF4-FFF2-40B4-BE49-F238E27FC236}">
+                <a16:creationId xmlns:a16="http://schemas.microsoft.com/office/drawing/2014/main" id="{E78D7763-F25A-4FFB-919C-71DD0A23F64C}"/>
+              </a:ext>
+            </a:extLst>
+          </p:cNvPr>
+          <p:cNvSpPr>
+            <a:spLocks noGrp="1"/>
+          </p:cNvSpPr>
+          <p:nvPr>
+            <p:ph idx="1"/>
+          </p:nvPr>
+        </p:nvSpPr>
+        <p:spPr/>
+        <p:txBody>
+          <a:bodyPr/>
+          <a:lstStyle/>
+          <a:p>
+            <a:r>
+              <a:rPr lang="en-US" dirty="0"/>
+              <a:t>Event Viewer</a:t>
+            </a:r>
+          </a:p>
+          <a:p>
+            <a:pPr lvl="1"/>
+            <a:r>
+              <a:rPr lang="en-US" dirty="0"/>
+              <a:t>Application and Services Logs &gt; Microsoft &gt; Windows &gt; Desired State Configuration</a:t>
+            </a:r>
+          </a:p>
+          <a:p>
+            <a:pPr marL="457200" lvl="1" indent="0">
+              <a:buNone/>
+            </a:pPr>
+            <a:endParaRPr lang="en-US" dirty="0"/>
+          </a:p>
+          <a:p>
+            <a:pPr lvl="1"/>
+            <a:r>
+              <a:rPr lang="en-US" dirty="0"/>
+              <a:t>Operational </a:t>
+            </a:r>
+          </a:p>
+          <a:p>
+            <a:pPr lvl="1"/>
+            <a:r>
+              <a:rPr lang="en-US" dirty="0"/>
+              <a:t>Admin</a:t>
+            </a:r>
+          </a:p>
+          <a:p>
+            <a:endParaRPr lang="en-US" dirty="0"/>
+          </a:p>
+          <a:p>
+            <a:pPr lvl="1"/>
+            <a:r>
+              <a:rPr lang="en-US" dirty="0"/>
+              <a:t>Analytic</a:t>
+            </a:r>
+          </a:p>
+          <a:p>
+            <a:pPr lvl="1"/>
+            <a:r>
+              <a:rPr lang="en-US" dirty="0"/>
+              <a:t>Debug</a:t>
+            </a:r>
+          </a:p>
+        </p:txBody>
+      </p:sp>
+    </p:spTree>
+    <p:extLst>
+      <p:ext uri="{BB962C8B-B14F-4D97-AF65-F5344CB8AC3E}">
+        <p14:creationId xmlns:p14="http://schemas.microsoft.com/office/powerpoint/2010/main" val="18709099"/>
+      </p:ext>
+    </p:extLst>
+  </p:cSld>
+  <p:clrMapOvr>
+    <a:masterClrMapping/>
+  </p:clrMapOvr>
+</p:sld>
+</file>
+
+<file path=ppt/slides/slide29.xml><?xml version="1.0" encoding="utf-8"?>
+<p:sld xmlns:a="http://schemas.openxmlformats.org/drawingml/2006/main" xmlns:r="http://schemas.openxmlformats.org/officeDocument/2006/relationships" xmlns:p="http://schemas.openxmlformats.org/presentationml/2006/main">
+  <p:cSld>
+    <p:spTree>
+      <p:nvGrpSpPr>
+        <p:cNvPr id="1" name=""/>
+        <p:cNvGrpSpPr/>
+        <p:nvPr/>
+      </p:nvGrpSpPr>
+      <p:grpSpPr>
+        <a:xfrm>
+          <a:off x="0" y="0"/>
+          <a:ext cx="0" cy="0"/>
+          <a:chOff x="0" y="0"/>
+          <a:chExt cx="0" cy="0"/>
+        </a:xfrm>
+      </p:grpSpPr>
+      <p:sp>
+        <p:nvSpPr>
+          <p:cNvPr id="2" name="Title 1">
+            <a:extLst>
+              <a:ext uri="{FF2B5EF4-FFF2-40B4-BE49-F238E27FC236}">
+                <a16:creationId xmlns:a16="http://schemas.microsoft.com/office/drawing/2014/main" id="{754F5C23-E4CC-44F3-88FC-3CB58AFD0FD1}"/>
+              </a:ext>
+            </a:extLst>
+          </p:cNvPr>
+          <p:cNvSpPr>
+            <a:spLocks noGrp="1"/>
+          </p:cNvSpPr>
+          <p:nvPr>
+            <p:ph type="title"/>
+          </p:nvPr>
+        </p:nvSpPr>
+        <p:spPr/>
+        <p:txBody>
+          <a:bodyPr/>
+          <a:lstStyle/>
+          <a:p>
+            <a:r>
+              <a:rPr lang="en-US" dirty="0"/>
+              <a:t>DSC &amp; </a:t>
+            </a:r>
+            <a:r>
+              <a:rPr lang="en-US" dirty="0" err="1"/>
+              <a:t>Sql</a:t>
+            </a:r>
+            <a:r>
+              <a:rPr lang="en-US" dirty="0"/>
+              <a:t> Server</a:t>
+            </a:r>
+          </a:p>
+        </p:txBody>
+      </p:sp>
+      <p:sp>
+        <p:nvSpPr>
+          <p:cNvPr id="3" name="Text Placeholder 2">
+            <a:extLst>
+              <a:ext uri="{FF2B5EF4-FFF2-40B4-BE49-F238E27FC236}">
+                <a16:creationId xmlns:a16="http://schemas.microsoft.com/office/drawing/2014/main" id="{887C5409-3F5B-4B63-B52E-DEC1F01A5B20}"/>
+              </a:ext>
+            </a:extLst>
+          </p:cNvPr>
+          <p:cNvSpPr>
+            <a:spLocks noGrp="1"/>
+          </p:cNvSpPr>
+          <p:nvPr>
+            <p:ph type="body" idx="1"/>
+          </p:nvPr>
+        </p:nvSpPr>
+        <p:spPr/>
+        <p:txBody>
+          <a:bodyPr/>
+          <a:lstStyle/>
+          <a:p>
+            <a:endParaRPr lang="en-US"/>
+          </a:p>
+        </p:txBody>
+      </p:sp>
+    </p:spTree>
+    <p:extLst>
+      <p:ext uri="{BB962C8B-B14F-4D97-AF65-F5344CB8AC3E}">
+        <p14:creationId xmlns:p14="http://schemas.microsoft.com/office/powerpoint/2010/main" val="3593085286"/>
+      </p:ext>
+    </p:extLst>
+  </p:cSld>
+  <p:clrMapOvr>
+    <a:masterClrMapping/>
+  </p:clrMapOvr>
+</p:sld>
+</file>
+
+<file path=ppt/slides/slide3.xml><?xml version="1.0" encoding="utf-8"?>
 <p:sld xmlns:a="http://schemas.openxmlformats.org/drawingml/2006/main" xmlns:r="http://schemas.openxmlformats.org/officeDocument/2006/relationships" xmlns:p="http://schemas.openxmlformats.org/presentationml/2006/main">
   <p:cSld>
     <p:spTree>
@@ -26112,6 +27933,14 @@
               <a:rPr lang="en-US" dirty="0"/>
               <a:t>Jess Pomfret</a:t>
             </a:r>
+            <a:br>
+              <a:rPr lang="en-US" dirty="0"/>
+            </a:br>
+            <a:r>
+              <a:rPr lang="en-US" sz="2400" dirty="0"/>
+              <a:t>(She/Her)</a:t>
+            </a:r>
+            <a:endParaRPr lang="en-US" dirty="0"/>
           </a:p>
         </p:txBody>
       </p:sp>
@@ -26262,1403 +28091,7 @@
 </p:sld>
 </file>
 
-<file path=ppt/slides/slide20.xml><?xml version="1.0" encoding="utf-8"?>
-<p:sld xmlns:a="http://schemas.openxmlformats.org/drawingml/2006/main" xmlns:r="http://schemas.openxmlformats.org/officeDocument/2006/relationships" xmlns:p="http://schemas.openxmlformats.org/presentationml/2006/main">
-  <p:cSld>
-    <p:spTree>
-      <p:nvGrpSpPr>
-        <p:cNvPr id="1" name=""/>
-        <p:cNvGrpSpPr/>
-        <p:nvPr/>
-      </p:nvGrpSpPr>
-      <p:grpSpPr>
-        <a:xfrm>
-          <a:off x="0" y="0"/>
-          <a:ext cx="0" cy="0"/>
-          <a:chOff x="0" y="0"/>
-          <a:chExt cx="0" cy="0"/>
-        </a:xfrm>
-      </p:grpSpPr>
-      <p:sp>
-        <p:nvSpPr>
-          <p:cNvPr id="2" name="Title 1">
-            <a:extLst>
-              <a:ext uri="{FF2B5EF4-FFF2-40B4-BE49-F238E27FC236}">
-                <a16:creationId xmlns:a16="http://schemas.microsoft.com/office/drawing/2014/main" id="{BA42216C-DB92-44BC-B6DA-7177316C7B7A}"/>
-              </a:ext>
-            </a:extLst>
-          </p:cNvPr>
-          <p:cNvSpPr>
-            <a:spLocks noGrp="1"/>
-          </p:cNvSpPr>
-          <p:nvPr>
-            <p:ph type="title"/>
-          </p:nvPr>
-        </p:nvSpPr>
-        <p:spPr/>
-        <p:txBody>
-          <a:bodyPr/>
-          <a:lstStyle/>
-          <a:p>
-            <a:r>
-              <a:rPr lang="en-US" dirty="0"/>
-              <a:t>Publish-</a:t>
-            </a:r>
-            <a:r>
-              <a:rPr lang="en-US" dirty="0" err="1"/>
-              <a:t>DscConfiguration</a:t>
-            </a:r>
-            <a:endParaRPr lang="en-US" dirty="0"/>
-          </a:p>
-        </p:txBody>
-      </p:sp>
-      <p:sp>
-        <p:nvSpPr>
-          <p:cNvPr id="3" name="Content Placeholder 2">
-            <a:extLst>
-              <a:ext uri="{FF2B5EF4-FFF2-40B4-BE49-F238E27FC236}">
-                <a16:creationId xmlns:a16="http://schemas.microsoft.com/office/drawing/2014/main" id="{527FB6E9-2A71-4EEB-B8A2-EE9D31070C9B}"/>
-              </a:ext>
-            </a:extLst>
-          </p:cNvPr>
-          <p:cNvSpPr>
-            <a:spLocks noGrp="1"/>
-          </p:cNvSpPr>
-          <p:nvPr>
-            <p:ph idx="1"/>
-          </p:nvPr>
-        </p:nvSpPr>
-        <p:spPr>
-          <a:xfrm>
-            <a:off x="838200" y="1003852"/>
-            <a:ext cx="10515600" cy="5173111"/>
-          </a:xfrm>
-        </p:spPr>
-        <p:txBody>
-          <a:bodyPr/>
-          <a:lstStyle/>
-          <a:p>
-            <a:r>
-              <a:rPr lang="en-US" dirty="0"/>
-              <a:t>Delivers Configuration to node(s)</a:t>
-            </a:r>
-          </a:p>
-          <a:p>
-            <a:r>
-              <a:rPr lang="en-US" dirty="0"/>
-              <a:t>Doesn’t apply the configuration</a:t>
-            </a:r>
-          </a:p>
-          <a:p>
-            <a:pPr lvl="1"/>
-            <a:endParaRPr lang="en-US" dirty="0"/>
-          </a:p>
-          <a:p>
-            <a:pPr marL="0" indent="0">
-              <a:buNone/>
-            </a:pPr>
-            <a:r>
-              <a:rPr lang="en-US" sz="2600" dirty="0">
-                <a:solidFill>
-                  <a:srgbClr val="795E26"/>
-                </a:solidFill>
-                <a:latin typeface="Consolas" panose="020B0609020204030204" pitchFamily="49" charset="0"/>
-              </a:rPr>
-              <a:t>Publish-</a:t>
-            </a:r>
-            <a:r>
-              <a:rPr lang="en-US" sz="2600" dirty="0" err="1">
-                <a:solidFill>
-                  <a:srgbClr val="795E26"/>
-                </a:solidFill>
-                <a:latin typeface="Consolas" panose="020B0609020204030204" pitchFamily="49" charset="0"/>
-              </a:rPr>
-              <a:t>DscConfiguration</a:t>
-            </a:r>
-            <a:r>
-              <a:rPr lang="en-US" sz="2600" dirty="0">
-                <a:latin typeface="Consolas" panose="020B0609020204030204" pitchFamily="49" charset="0"/>
-              </a:rPr>
-              <a:t> -Path .\output\ `</a:t>
-            </a:r>
-          </a:p>
-          <a:p>
-            <a:pPr marL="457200" lvl="1" indent="0">
-              <a:buNone/>
-            </a:pPr>
-            <a:r>
-              <a:rPr lang="en-US" sz="2600" dirty="0">
-                <a:latin typeface="Consolas" panose="020B0609020204030204" pitchFamily="49" charset="0"/>
-              </a:rPr>
-              <a:t>-</a:t>
-            </a:r>
-            <a:r>
-              <a:rPr lang="en-US" sz="2600" dirty="0" err="1">
-                <a:latin typeface="Consolas" panose="020B0609020204030204" pitchFamily="49" charset="0"/>
-              </a:rPr>
-              <a:t>ComputerName</a:t>
-            </a:r>
-            <a:r>
-              <a:rPr lang="en-US" sz="2600" dirty="0">
-                <a:latin typeface="Consolas" panose="020B0609020204030204" pitchFamily="49" charset="0"/>
-              </a:rPr>
-              <a:t> dscsvr2 `</a:t>
-            </a:r>
-          </a:p>
-          <a:p>
-            <a:pPr marL="457200" lvl="1" indent="0">
-              <a:buNone/>
-            </a:pPr>
-            <a:r>
-              <a:rPr lang="en-US" sz="2600" dirty="0">
-                <a:latin typeface="Consolas" panose="020B0609020204030204" pitchFamily="49" charset="0"/>
-              </a:rPr>
-              <a:t>-Verbose</a:t>
-            </a:r>
-          </a:p>
-          <a:p>
-            <a:pPr marL="0" indent="0">
-              <a:buNone/>
-            </a:pPr>
-            <a:endParaRPr lang="en-US" dirty="0"/>
-          </a:p>
-        </p:txBody>
-      </p:sp>
-    </p:spTree>
-    <p:extLst>
-      <p:ext uri="{BB962C8B-B14F-4D97-AF65-F5344CB8AC3E}">
-        <p14:creationId xmlns:p14="http://schemas.microsoft.com/office/powerpoint/2010/main" val="2905766203"/>
-      </p:ext>
-    </p:extLst>
-  </p:cSld>
-  <p:clrMapOvr>
-    <a:masterClrMapping/>
-  </p:clrMapOvr>
-</p:sld>
-</file>
-
-<file path=ppt/slides/slide21.xml><?xml version="1.0" encoding="utf-8"?>
-<p:sld xmlns:a="http://schemas.openxmlformats.org/drawingml/2006/main" xmlns:r="http://schemas.openxmlformats.org/officeDocument/2006/relationships" xmlns:p="http://schemas.openxmlformats.org/presentationml/2006/main">
-  <p:cSld>
-    <p:spTree>
-      <p:nvGrpSpPr>
-        <p:cNvPr id="1" name=""/>
-        <p:cNvGrpSpPr/>
-        <p:nvPr/>
-      </p:nvGrpSpPr>
-      <p:grpSpPr>
-        <a:xfrm>
-          <a:off x="0" y="0"/>
-          <a:ext cx="0" cy="0"/>
-          <a:chOff x="0" y="0"/>
-          <a:chExt cx="0" cy="0"/>
-        </a:xfrm>
-      </p:grpSpPr>
-      <p:sp>
-        <p:nvSpPr>
-          <p:cNvPr id="2" name="Title 1">
-            <a:extLst>
-              <a:ext uri="{FF2B5EF4-FFF2-40B4-BE49-F238E27FC236}">
-                <a16:creationId xmlns:a16="http://schemas.microsoft.com/office/drawing/2014/main" id="{99496A41-30EF-4452-B279-B6016BD1EA30}"/>
-              </a:ext>
-            </a:extLst>
-          </p:cNvPr>
-          <p:cNvSpPr>
-            <a:spLocks noGrp="1"/>
-          </p:cNvSpPr>
-          <p:nvPr>
-            <p:ph type="title"/>
-          </p:nvPr>
-        </p:nvSpPr>
-        <p:spPr/>
-        <p:txBody>
-          <a:bodyPr/>
-          <a:lstStyle/>
-          <a:p>
-            <a:r>
-              <a:rPr lang="en-US" dirty="0"/>
-              <a:t>Step 3: Enact</a:t>
-            </a:r>
-          </a:p>
-        </p:txBody>
-      </p:sp>
-      <p:sp>
-        <p:nvSpPr>
-          <p:cNvPr id="3" name="Text Placeholder 2">
-            <a:extLst>
-              <a:ext uri="{FF2B5EF4-FFF2-40B4-BE49-F238E27FC236}">
-                <a16:creationId xmlns:a16="http://schemas.microsoft.com/office/drawing/2014/main" id="{03F4C4C3-4728-4400-823D-4121E84830D3}"/>
-              </a:ext>
-            </a:extLst>
-          </p:cNvPr>
-          <p:cNvSpPr>
-            <a:spLocks noGrp="1"/>
-          </p:cNvSpPr>
-          <p:nvPr>
-            <p:ph type="body" idx="1"/>
-          </p:nvPr>
-        </p:nvSpPr>
-        <p:spPr/>
-        <p:txBody>
-          <a:bodyPr/>
-          <a:lstStyle/>
-          <a:p>
-            <a:endParaRPr lang="en-US"/>
-          </a:p>
-        </p:txBody>
-      </p:sp>
-    </p:spTree>
-    <p:extLst>
-      <p:ext uri="{BB962C8B-B14F-4D97-AF65-F5344CB8AC3E}">
-        <p14:creationId xmlns:p14="http://schemas.microsoft.com/office/powerpoint/2010/main" val="4086139507"/>
-      </p:ext>
-    </p:extLst>
-  </p:cSld>
-  <p:clrMapOvr>
-    <a:masterClrMapping/>
-  </p:clrMapOvr>
-</p:sld>
-</file>
-
-<file path=ppt/slides/slide22.xml><?xml version="1.0" encoding="utf-8"?>
-<p:sld xmlns:a="http://schemas.openxmlformats.org/drawingml/2006/main" xmlns:r="http://schemas.openxmlformats.org/officeDocument/2006/relationships" xmlns:p="http://schemas.openxmlformats.org/presentationml/2006/main">
-  <p:cSld>
-    <p:spTree>
-      <p:nvGrpSpPr>
-        <p:cNvPr id="1" name=""/>
-        <p:cNvGrpSpPr/>
-        <p:nvPr/>
-      </p:nvGrpSpPr>
-      <p:grpSpPr>
-        <a:xfrm>
-          <a:off x="0" y="0"/>
-          <a:ext cx="0" cy="0"/>
-          <a:chOff x="0" y="0"/>
-          <a:chExt cx="0" cy="0"/>
-        </a:xfrm>
-      </p:grpSpPr>
-      <p:sp>
-        <p:nvSpPr>
-          <p:cNvPr id="2" name="Title 1">
-            <a:extLst>
-              <a:ext uri="{FF2B5EF4-FFF2-40B4-BE49-F238E27FC236}">
-                <a16:creationId xmlns:a16="http://schemas.microsoft.com/office/drawing/2014/main" id="{44840601-9EB8-41A8-BB9B-1CF7F45D46C2}"/>
-              </a:ext>
-            </a:extLst>
-          </p:cNvPr>
-          <p:cNvSpPr>
-            <a:spLocks noGrp="1"/>
-          </p:cNvSpPr>
-          <p:nvPr>
-            <p:ph type="title"/>
-          </p:nvPr>
-        </p:nvSpPr>
-        <p:spPr/>
-        <p:txBody>
-          <a:bodyPr/>
-          <a:lstStyle/>
-          <a:p>
-            <a:r>
-              <a:rPr lang="en-US" dirty="0"/>
-              <a:t>Local Configuration Manager</a:t>
-            </a:r>
-          </a:p>
-        </p:txBody>
-      </p:sp>
-      <p:sp>
-        <p:nvSpPr>
-          <p:cNvPr id="3" name="Content Placeholder 2">
-            <a:extLst>
-              <a:ext uri="{FF2B5EF4-FFF2-40B4-BE49-F238E27FC236}">
-                <a16:creationId xmlns:a16="http://schemas.microsoft.com/office/drawing/2014/main" id="{015603FA-3E3A-4450-950C-872034A3E72F}"/>
-              </a:ext>
-            </a:extLst>
-          </p:cNvPr>
-          <p:cNvSpPr>
-            <a:spLocks noGrp="1"/>
-          </p:cNvSpPr>
-          <p:nvPr>
-            <p:ph idx="1"/>
-          </p:nvPr>
-        </p:nvSpPr>
-        <p:spPr/>
-        <p:txBody>
-          <a:bodyPr/>
-          <a:lstStyle/>
-          <a:p>
-            <a:r>
-              <a:rPr lang="en-US" dirty="0"/>
-              <a:t>DSC Engine</a:t>
-            </a:r>
-          </a:p>
-          <a:p>
-            <a:r>
-              <a:rPr lang="en-US" dirty="0"/>
-              <a:t>Runs on target nodes</a:t>
-            </a:r>
-          </a:p>
-          <a:p>
-            <a:r>
-              <a:rPr lang="en-US" dirty="0"/>
-              <a:t>Parses &amp; Enact</a:t>
-            </a:r>
-          </a:p>
-          <a:p>
-            <a:r>
-              <a:rPr lang="en-US" dirty="0"/>
-              <a:t>Determines refresh mode</a:t>
-            </a:r>
-          </a:p>
-          <a:p>
-            <a:r>
-              <a:rPr lang="en-US" dirty="0"/>
-              <a:t>Configure using meta configuration</a:t>
-            </a:r>
-          </a:p>
-          <a:p>
-            <a:endParaRPr lang="en-US" dirty="0"/>
-          </a:p>
-          <a:p>
-            <a:pPr marL="0" indent="0">
-              <a:buNone/>
-            </a:pPr>
-            <a:endParaRPr lang="en-US" dirty="0"/>
-          </a:p>
-        </p:txBody>
-      </p:sp>
-    </p:spTree>
-    <p:extLst>
-      <p:ext uri="{BB962C8B-B14F-4D97-AF65-F5344CB8AC3E}">
-        <p14:creationId xmlns:p14="http://schemas.microsoft.com/office/powerpoint/2010/main" val="252789496"/>
-      </p:ext>
-    </p:extLst>
-  </p:cSld>
-  <p:clrMapOvr>
-    <a:masterClrMapping/>
-  </p:clrMapOvr>
-</p:sld>
-</file>
-
-<file path=ppt/slides/slide23.xml><?xml version="1.0" encoding="utf-8"?>
-<p:sld xmlns:a="http://schemas.openxmlformats.org/drawingml/2006/main" xmlns:r="http://schemas.openxmlformats.org/officeDocument/2006/relationships" xmlns:p="http://schemas.openxmlformats.org/presentationml/2006/main">
-  <p:cSld>
-    <p:spTree>
-      <p:nvGrpSpPr>
-        <p:cNvPr id="1" name=""/>
-        <p:cNvGrpSpPr/>
-        <p:nvPr/>
-      </p:nvGrpSpPr>
-      <p:grpSpPr>
-        <a:xfrm>
-          <a:off x="0" y="0"/>
-          <a:ext cx="0" cy="0"/>
-          <a:chOff x="0" y="0"/>
-          <a:chExt cx="0" cy="0"/>
-        </a:xfrm>
-      </p:grpSpPr>
-      <p:sp>
-        <p:nvSpPr>
-          <p:cNvPr id="2" name="Title 1">
-            <a:extLst>
-              <a:ext uri="{FF2B5EF4-FFF2-40B4-BE49-F238E27FC236}">
-                <a16:creationId xmlns:a16="http://schemas.microsoft.com/office/drawing/2014/main" id="{7CCB7B09-B6D8-4F67-AC35-3C47E21C05AD}"/>
-              </a:ext>
-            </a:extLst>
-          </p:cNvPr>
-          <p:cNvSpPr>
-            <a:spLocks noGrp="1"/>
-          </p:cNvSpPr>
-          <p:nvPr>
-            <p:ph type="title"/>
-          </p:nvPr>
-        </p:nvSpPr>
-        <p:spPr/>
-        <p:txBody>
-          <a:bodyPr/>
-          <a:lstStyle/>
-          <a:p>
-            <a:r>
-              <a:rPr lang="en-US" dirty="0"/>
-              <a:t>LCM Settings</a:t>
-            </a:r>
-          </a:p>
-        </p:txBody>
-      </p:sp>
-      <p:sp>
-        <p:nvSpPr>
-          <p:cNvPr id="3" name="Content Placeholder 2">
-            <a:extLst>
-              <a:ext uri="{FF2B5EF4-FFF2-40B4-BE49-F238E27FC236}">
-                <a16:creationId xmlns:a16="http://schemas.microsoft.com/office/drawing/2014/main" id="{78A57010-626A-433F-A0F2-5762AE85C543}"/>
-              </a:ext>
-            </a:extLst>
-          </p:cNvPr>
-          <p:cNvSpPr>
-            <a:spLocks noGrp="1"/>
-          </p:cNvSpPr>
-          <p:nvPr>
-            <p:ph idx="1"/>
-          </p:nvPr>
-        </p:nvSpPr>
-        <p:spPr/>
-        <p:txBody>
-          <a:bodyPr/>
-          <a:lstStyle/>
-          <a:p>
-            <a:r>
-              <a:rPr lang="en-US" dirty="0" err="1"/>
-              <a:t>ActionAfterReboot</a:t>
-            </a:r>
-            <a:endParaRPr lang="en-US" dirty="0"/>
-          </a:p>
-          <a:p>
-            <a:r>
-              <a:rPr lang="en-US" dirty="0" err="1"/>
-              <a:t>CertificateID</a:t>
-            </a:r>
-            <a:endParaRPr lang="en-US" dirty="0"/>
-          </a:p>
-          <a:p>
-            <a:r>
-              <a:rPr lang="en-US" dirty="0" err="1"/>
-              <a:t>ConfigurationMode</a:t>
-            </a:r>
-            <a:endParaRPr lang="en-US" dirty="0"/>
-          </a:p>
-          <a:p>
-            <a:r>
-              <a:rPr lang="en-US" dirty="0" err="1"/>
-              <a:t>ConfigurationModeFrequencyMins</a:t>
-            </a:r>
-            <a:endParaRPr lang="en-US" dirty="0"/>
-          </a:p>
-          <a:p>
-            <a:r>
-              <a:rPr lang="en-US" dirty="0" err="1"/>
-              <a:t>RebootNodeIfNeeded</a:t>
-            </a:r>
-            <a:r>
-              <a:rPr lang="en-US" dirty="0"/>
-              <a:t> </a:t>
-            </a:r>
-          </a:p>
-          <a:p>
-            <a:r>
-              <a:rPr lang="en-US" dirty="0" err="1"/>
-              <a:t>RefreshMode</a:t>
-            </a:r>
-            <a:endParaRPr lang="en-US" dirty="0"/>
-          </a:p>
-          <a:p>
-            <a:r>
-              <a:rPr lang="en-US" dirty="0" err="1"/>
-              <a:t>RefreshFrequencyMins</a:t>
-            </a:r>
-            <a:endParaRPr lang="en-US" dirty="0"/>
-          </a:p>
-        </p:txBody>
-      </p:sp>
-    </p:spTree>
-    <p:extLst>
-      <p:ext uri="{BB962C8B-B14F-4D97-AF65-F5344CB8AC3E}">
-        <p14:creationId xmlns:p14="http://schemas.microsoft.com/office/powerpoint/2010/main" val="4285730941"/>
-      </p:ext>
-    </p:extLst>
-  </p:cSld>
-  <p:clrMapOvr>
-    <a:masterClrMapping/>
-  </p:clrMapOvr>
-</p:sld>
-</file>
-
-<file path=ppt/slides/slide24.xml><?xml version="1.0" encoding="utf-8"?>
-<p:sld xmlns:a="http://schemas.openxmlformats.org/drawingml/2006/main" xmlns:r="http://schemas.openxmlformats.org/officeDocument/2006/relationships" xmlns:p="http://schemas.openxmlformats.org/presentationml/2006/main">
-  <p:cSld>
-    <p:spTree>
-      <p:nvGrpSpPr>
-        <p:cNvPr id="1" name=""/>
-        <p:cNvGrpSpPr/>
-        <p:nvPr/>
-      </p:nvGrpSpPr>
-      <p:grpSpPr>
-        <a:xfrm>
-          <a:off x="0" y="0"/>
-          <a:ext cx="0" cy="0"/>
-          <a:chOff x="0" y="0"/>
-          <a:chExt cx="0" cy="0"/>
-        </a:xfrm>
-      </p:grpSpPr>
-      <p:sp>
-        <p:nvSpPr>
-          <p:cNvPr id="2" name="Title 1">
-            <a:extLst>
-              <a:ext uri="{FF2B5EF4-FFF2-40B4-BE49-F238E27FC236}">
-                <a16:creationId xmlns:a16="http://schemas.microsoft.com/office/drawing/2014/main" id="{64D1B0B3-2300-4C97-A128-3BB7D2463452}"/>
-              </a:ext>
-            </a:extLst>
-          </p:cNvPr>
-          <p:cNvSpPr>
-            <a:spLocks noGrp="1"/>
-          </p:cNvSpPr>
-          <p:nvPr>
-            <p:ph type="title"/>
-          </p:nvPr>
-        </p:nvSpPr>
-        <p:spPr/>
-        <p:txBody>
-          <a:bodyPr/>
-          <a:lstStyle/>
-          <a:p>
-            <a:r>
-              <a:rPr lang="en-US" dirty="0"/>
-              <a:t>Demo: LCM Meta Configuration</a:t>
-            </a:r>
-          </a:p>
-        </p:txBody>
-      </p:sp>
-      <p:sp>
-        <p:nvSpPr>
-          <p:cNvPr id="3" name="Content Placeholder 2">
-            <a:extLst>
-              <a:ext uri="{FF2B5EF4-FFF2-40B4-BE49-F238E27FC236}">
-                <a16:creationId xmlns:a16="http://schemas.microsoft.com/office/drawing/2014/main" id="{68D35C9E-C62F-4832-893A-1D56B05306F7}"/>
-              </a:ext>
-            </a:extLst>
-          </p:cNvPr>
-          <p:cNvSpPr>
-            <a:spLocks noGrp="1"/>
-          </p:cNvSpPr>
-          <p:nvPr>
-            <p:ph idx="1"/>
-          </p:nvPr>
-        </p:nvSpPr>
-        <p:spPr/>
-        <p:txBody>
-          <a:bodyPr>
-            <a:normAutofit/>
-          </a:bodyPr>
-          <a:lstStyle/>
-          <a:p>
-            <a:pPr marL="0" indent="0">
-              <a:buNone/>
-            </a:pPr>
-            <a:r>
-              <a:rPr lang="en-US" sz="2600" dirty="0">
-                <a:solidFill>
-                  <a:srgbClr val="6A9955"/>
-                </a:solidFill>
-                <a:latin typeface="Consolas" panose="020B0609020204030204" pitchFamily="49" charset="0"/>
-              </a:rPr>
-              <a:t>## Get Current settings</a:t>
-            </a:r>
-            <a:endParaRPr lang="en-US" sz="2600" dirty="0">
-              <a:solidFill>
-                <a:srgbClr val="D4D4D4"/>
-              </a:solidFill>
-              <a:latin typeface="Consolas" panose="020B0609020204030204" pitchFamily="49" charset="0"/>
-            </a:endParaRPr>
-          </a:p>
-          <a:p>
-            <a:pPr marL="0" indent="0">
-              <a:buNone/>
-            </a:pPr>
-            <a:r>
-              <a:rPr lang="en-US" sz="2600" dirty="0">
-                <a:solidFill>
-                  <a:srgbClr val="795E26"/>
-                </a:solidFill>
-                <a:latin typeface="Consolas" panose="020B0609020204030204" pitchFamily="49" charset="0"/>
-              </a:rPr>
-              <a:t>Get-</a:t>
-            </a:r>
-            <a:r>
-              <a:rPr lang="en-US" sz="2600" dirty="0" err="1">
-                <a:solidFill>
-                  <a:srgbClr val="795E26"/>
-                </a:solidFill>
-                <a:latin typeface="Consolas" panose="020B0609020204030204" pitchFamily="49" charset="0"/>
-              </a:rPr>
-              <a:t>DscLocalConfigurationManager</a:t>
-            </a:r>
-            <a:r>
-              <a:rPr lang="en-US" sz="2600" dirty="0">
-                <a:solidFill>
-                  <a:srgbClr val="D4D4D4"/>
-                </a:solidFill>
-                <a:latin typeface="Consolas" panose="020B0609020204030204" pitchFamily="49" charset="0"/>
-              </a:rPr>
-              <a:t> </a:t>
-            </a:r>
-            <a:r>
-              <a:rPr lang="en-US" sz="2600" dirty="0">
-                <a:latin typeface="Consolas" panose="020B0609020204030204" pitchFamily="49" charset="0"/>
-              </a:rPr>
-              <a:t>-</a:t>
-            </a:r>
-            <a:r>
-              <a:rPr lang="en-US" sz="2600" dirty="0" err="1">
-                <a:latin typeface="Consolas" panose="020B0609020204030204" pitchFamily="49" charset="0"/>
-              </a:rPr>
-              <a:t>CimSession</a:t>
-            </a:r>
-            <a:r>
-              <a:rPr lang="en-US" sz="2600" dirty="0">
-                <a:latin typeface="Consolas" panose="020B0609020204030204" pitchFamily="49" charset="0"/>
-              </a:rPr>
-              <a:t> dscsvr2</a:t>
-            </a:r>
-          </a:p>
-          <a:p>
-            <a:pPr marL="0" indent="0">
-              <a:buNone/>
-            </a:pPr>
-            <a:endParaRPr lang="en-US" sz="2600" dirty="0">
-              <a:solidFill>
-                <a:srgbClr val="D4D4D4"/>
-              </a:solidFill>
-              <a:latin typeface="Consolas" panose="020B0609020204030204" pitchFamily="49" charset="0"/>
-            </a:endParaRPr>
-          </a:p>
-          <a:p>
-            <a:pPr marL="0" indent="0">
-              <a:buNone/>
-            </a:pPr>
-            <a:r>
-              <a:rPr lang="en-US" sz="2600" dirty="0">
-                <a:solidFill>
-                  <a:srgbClr val="6A9955"/>
-                </a:solidFill>
-                <a:latin typeface="Consolas" panose="020B0609020204030204" pitchFamily="49" charset="0"/>
-              </a:rPr>
-              <a:t>## Apply configuration </a:t>
-            </a:r>
-            <a:endParaRPr lang="en-US" sz="2600" dirty="0">
-              <a:solidFill>
-                <a:srgbClr val="D4D4D4"/>
-              </a:solidFill>
-              <a:latin typeface="Consolas" panose="020B0609020204030204" pitchFamily="49" charset="0"/>
-            </a:endParaRPr>
-          </a:p>
-          <a:p>
-            <a:pPr marL="0" indent="0">
-              <a:buNone/>
-            </a:pPr>
-            <a:r>
-              <a:rPr lang="en-US" sz="2600" dirty="0">
-                <a:solidFill>
-                  <a:srgbClr val="795E26"/>
-                </a:solidFill>
-                <a:latin typeface="Consolas" panose="020B0609020204030204" pitchFamily="49" charset="0"/>
-              </a:rPr>
-              <a:t>Set-</a:t>
-            </a:r>
-            <a:r>
-              <a:rPr lang="en-US" sz="2600" dirty="0" err="1">
-                <a:solidFill>
-                  <a:srgbClr val="795E26"/>
-                </a:solidFill>
-                <a:latin typeface="Consolas" panose="020B0609020204030204" pitchFamily="49" charset="0"/>
-              </a:rPr>
-              <a:t>DscLocalConfigurationManager</a:t>
-            </a:r>
-            <a:r>
-              <a:rPr lang="en-US" sz="2600" dirty="0">
-                <a:latin typeface="Consolas" panose="020B0609020204030204" pitchFamily="49" charset="0"/>
-              </a:rPr>
-              <a:t> -Path .\output\ </a:t>
-            </a:r>
-          </a:p>
-          <a:p>
-            <a:pPr marL="457200" lvl="1" indent="0">
-              <a:buNone/>
-            </a:pPr>
-            <a:r>
-              <a:rPr lang="en-US" sz="2600" dirty="0">
-                <a:latin typeface="Consolas" panose="020B0609020204030204" pitchFamily="49" charset="0"/>
-              </a:rPr>
-              <a:t>-</a:t>
-            </a:r>
-            <a:r>
-              <a:rPr lang="en-US" sz="2600" dirty="0" err="1">
-                <a:latin typeface="Consolas" panose="020B0609020204030204" pitchFamily="49" charset="0"/>
-              </a:rPr>
-              <a:t>ComputerName</a:t>
-            </a:r>
-            <a:r>
-              <a:rPr lang="en-US" sz="2600" dirty="0">
-                <a:latin typeface="Consolas" panose="020B0609020204030204" pitchFamily="49" charset="0"/>
-              </a:rPr>
-              <a:t> dscsvr2 -Verbose</a:t>
-            </a:r>
-          </a:p>
-          <a:p>
-            <a:pPr marL="0" indent="0">
-              <a:buNone/>
-            </a:pPr>
-            <a:endParaRPr lang="en-US" dirty="0">
-              <a:solidFill>
-                <a:srgbClr val="D4D4D4"/>
-              </a:solidFill>
-              <a:latin typeface="Consolas" panose="020B0609020204030204" pitchFamily="49" charset="0"/>
-            </a:endParaRPr>
-          </a:p>
-          <a:p>
-            <a:endParaRPr lang="en-US" dirty="0">
-              <a:solidFill>
-                <a:srgbClr val="D4D4D4"/>
-              </a:solidFill>
-              <a:latin typeface="Consolas" panose="020B0609020204030204" pitchFamily="49" charset="0"/>
-            </a:endParaRPr>
-          </a:p>
-        </p:txBody>
-      </p:sp>
-    </p:spTree>
-    <p:extLst>
-      <p:ext uri="{BB962C8B-B14F-4D97-AF65-F5344CB8AC3E}">
-        <p14:creationId xmlns:p14="http://schemas.microsoft.com/office/powerpoint/2010/main" val="1694733742"/>
-      </p:ext>
-    </p:extLst>
-  </p:cSld>
-  <p:clrMapOvr>
-    <a:masterClrMapping/>
-  </p:clrMapOvr>
-</p:sld>
-</file>
-
-<file path=ppt/slides/slide25.xml><?xml version="1.0" encoding="utf-8"?>
-<p:sld xmlns:a="http://schemas.openxmlformats.org/drawingml/2006/main" xmlns:r="http://schemas.openxmlformats.org/officeDocument/2006/relationships" xmlns:p="http://schemas.openxmlformats.org/presentationml/2006/main">
-  <p:cSld>
-    <p:spTree>
-      <p:nvGrpSpPr>
-        <p:cNvPr id="1" name=""/>
-        <p:cNvGrpSpPr/>
-        <p:nvPr/>
-      </p:nvGrpSpPr>
-      <p:grpSpPr>
-        <a:xfrm>
-          <a:off x="0" y="0"/>
-          <a:ext cx="0" cy="0"/>
-          <a:chOff x="0" y="0"/>
-          <a:chExt cx="0" cy="0"/>
-        </a:xfrm>
-      </p:grpSpPr>
-      <p:sp>
-        <p:nvSpPr>
-          <p:cNvPr id="4" name="Title 3">
-            <a:extLst>
-              <a:ext uri="{FF2B5EF4-FFF2-40B4-BE49-F238E27FC236}">
-                <a16:creationId xmlns:a16="http://schemas.microsoft.com/office/drawing/2014/main" id="{8C9385C3-99FD-4DDF-B829-724B5244C47F}"/>
-              </a:ext>
-            </a:extLst>
-          </p:cNvPr>
-          <p:cNvSpPr>
-            <a:spLocks noGrp="1"/>
-          </p:cNvSpPr>
-          <p:nvPr>
-            <p:ph type="title"/>
-          </p:nvPr>
-        </p:nvSpPr>
-        <p:spPr/>
-        <p:txBody>
-          <a:bodyPr/>
-          <a:lstStyle/>
-          <a:p>
-            <a:r>
-              <a:rPr lang="en-US" dirty="0"/>
-              <a:t>Step 4: Monitor</a:t>
-            </a:r>
-          </a:p>
-        </p:txBody>
-      </p:sp>
-      <p:sp>
-        <p:nvSpPr>
-          <p:cNvPr id="5" name="Text Placeholder 4">
-            <a:extLst>
-              <a:ext uri="{FF2B5EF4-FFF2-40B4-BE49-F238E27FC236}">
-                <a16:creationId xmlns:a16="http://schemas.microsoft.com/office/drawing/2014/main" id="{5AD001C6-3EFD-4265-90FB-61D66A2C9B6E}"/>
-              </a:ext>
-            </a:extLst>
-          </p:cNvPr>
-          <p:cNvSpPr>
-            <a:spLocks noGrp="1"/>
-          </p:cNvSpPr>
-          <p:nvPr>
-            <p:ph type="body" idx="1"/>
-          </p:nvPr>
-        </p:nvSpPr>
-        <p:spPr/>
-        <p:txBody>
-          <a:bodyPr/>
-          <a:lstStyle/>
-          <a:p>
-            <a:endParaRPr lang="en-US"/>
-          </a:p>
-        </p:txBody>
-      </p:sp>
-    </p:spTree>
-    <p:extLst>
-      <p:ext uri="{BB962C8B-B14F-4D97-AF65-F5344CB8AC3E}">
-        <p14:creationId xmlns:p14="http://schemas.microsoft.com/office/powerpoint/2010/main" val="3028740089"/>
-      </p:ext>
-    </p:extLst>
-  </p:cSld>
-  <p:clrMapOvr>
-    <a:masterClrMapping/>
-  </p:clrMapOvr>
-</p:sld>
-</file>
-
-<file path=ppt/slides/slide26.xml><?xml version="1.0" encoding="utf-8"?>
-<p:sld xmlns:a="http://schemas.openxmlformats.org/drawingml/2006/main" xmlns:r="http://schemas.openxmlformats.org/officeDocument/2006/relationships" xmlns:p="http://schemas.openxmlformats.org/presentationml/2006/main">
-  <p:cSld>
-    <p:spTree>
-      <p:nvGrpSpPr>
-        <p:cNvPr id="1" name=""/>
-        <p:cNvGrpSpPr/>
-        <p:nvPr/>
-      </p:nvGrpSpPr>
-      <p:grpSpPr>
-        <a:xfrm>
-          <a:off x="0" y="0"/>
-          <a:ext cx="0" cy="0"/>
-          <a:chOff x="0" y="0"/>
-          <a:chExt cx="0" cy="0"/>
-        </a:xfrm>
-      </p:grpSpPr>
-      <p:sp>
-        <p:nvSpPr>
-          <p:cNvPr id="2" name="Title 1">
-            <a:extLst>
-              <a:ext uri="{FF2B5EF4-FFF2-40B4-BE49-F238E27FC236}">
-                <a16:creationId xmlns:a16="http://schemas.microsoft.com/office/drawing/2014/main" id="{733BE5C9-E4CE-468E-BF4E-C8FB0CF3C266}"/>
-              </a:ext>
-            </a:extLst>
-          </p:cNvPr>
-          <p:cNvSpPr>
-            <a:spLocks noGrp="1"/>
-          </p:cNvSpPr>
-          <p:nvPr>
-            <p:ph type="title"/>
-          </p:nvPr>
-        </p:nvSpPr>
-        <p:spPr/>
-        <p:txBody>
-          <a:bodyPr/>
-          <a:lstStyle/>
-          <a:p>
-            <a:r>
-              <a:rPr lang="en-US" dirty="0"/>
-              <a:t>Demo: Configuration Reporting</a:t>
-            </a:r>
-          </a:p>
-        </p:txBody>
-      </p:sp>
-      <p:sp>
-        <p:nvSpPr>
-          <p:cNvPr id="3" name="Content Placeholder 2">
-            <a:extLst>
-              <a:ext uri="{FF2B5EF4-FFF2-40B4-BE49-F238E27FC236}">
-                <a16:creationId xmlns:a16="http://schemas.microsoft.com/office/drawing/2014/main" id="{7F204CB2-DF7D-411D-8DBD-6BC86516E25C}"/>
-              </a:ext>
-            </a:extLst>
-          </p:cNvPr>
-          <p:cNvSpPr>
-            <a:spLocks noGrp="1"/>
-          </p:cNvSpPr>
-          <p:nvPr>
-            <p:ph idx="1"/>
-          </p:nvPr>
-        </p:nvSpPr>
-        <p:spPr/>
-        <p:txBody>
-          <a:bodyPr>
-            <a:normAutofit/>
-          </a:bodyPr>
-          <a:lstStyle/>
-          <a:p>
-            <a:pPr marL="0" indent="0">
-              <a:buNone/>
-            </a:pPr>
-            <a:r>
-              <a:rPr lang="en-US" sz="2600" dirty="0">
-                <a:solidFill>
-                  <a:srgbClr val="6A9955"/>
-                </a:solidFill>
-                <a:latin typeface="Consolas" panose="020B0609020204030204" pitchFamily="49" charset="0"/>
-              </a:rPr>
-              <a:t>## Get the current configuration of the nodes</a:t>
-            </a:r>
-            <a:endParaRPr lang="en-US" sz="2600" dirty="0">
-              <a:solidFill>
-                <a:srgbClr val="D4D4D4"/>
-              </a:solidFill>
-              <a:latin typeface="Consolas" panose="020B0609020204030204" pitchFamily="49" charset="0"/>
-            </a:endParaRPr>
-          </a:p>
-          <a:p>
-            <a:pPr marL="0" indent="0">
-              <a:buNone/>
-            </a:pPr>
-            <a:r>
-              <a:rPr lang="en-US" sz="2600" dirty="0">
-                <a:solidFill>
-                  <a:srgbClr val="795E26"/>
-                </a:solidFill>
-                <a:latin typeface="Consolas" panose="020B0609020204030204" pitchFamily="49" charset="0"/>
-              </a:rPr>
-              <a:t>Get-</a:t>
-            </a:r>
-            <a:r>
-              <a:rPr lang="en-US" sz="2600" dirty="0" err="1">
-                <a:solidFill>
-                  <a:srgbClr val="795E26"/>
-                </a:solidFill>
-                <a:latin typeface="Consolas" panose="020B0609020204030204" pitchFamily="49" charset="0"/>
-              </a:rPr>
-              <a:t>DscConfiguration</a:t>
-            </a:r>
-            <a:r>
-              <a:rPr lang="en-US" sz="2600" dirty="0">
-                <a:latin typeface="Consolas" panose="020B0609020204030204" pitchFamily="49" charset="0"/>
-              </a:rPr>
-              <a:t> -</a:t>
-            </a:r>
-            <a:r>
-              <a:rPr lang="en-US" sz="2600" dirty="0" err="1">
-                <a:latin typeface="Consolas" panose="020B0609020204030204" pitchFamily="49" charset="0"/>
-              </a:rPr>
-              <a:t>CimSession</a:t>
-            </a:r>
-            <a:r>
-              <a:rPr lang="en-US" sz="2600" dirty="0">
-                <a:latin typeface="Consolas" panose="020B0609020204030204" pitchFamily="49" charset="0"/>
-              </a:rPr>
-              <a:t> dscsvr2</a:t>
-            </a:r>
-          </a:p>
-          <a:p>
-            <a:pPr marL="0" indent="0">
-              <a:buNone/>
-            </a:pPr>
-            <a:br>
-              <a:rPr lang="en-US" sz="2600" dirty="0">
-                <a:solidFill>
-                  <a:srgbClr val="D4D4D4"/>
-                </a:solidFill>
-                <a:latin typeface="Consolas" panose="020B0609020204030204" pitchFamily="49" charset="0"/>
-              </a:rPr>
-            </a:br>
-            <a:r>
-              <a:rPr lang="en-US" sz="2600" dirty="0">
-                <a:solidFill>
-                  <a:srgbClr val="6A9955"/>
-                </a:solidFill>
-                <a:latin typeface="Consolas" panose="020B0609020204030204" pitchFamily="49" charset="0"/>
-              </a:rPr>
-              <a:t>## Get configuration status for completed runs</a:t>
-            </a:r>
-            <a:endParaRPr lang="en-US" sz="2600" dirty="0">
-              <a:solidFill>
-                <a:srgbClr val="D4D4D4"/>
-              </a:solidFill>
-              <a:latin typeface="Consolas" panose="020B0609020204030204" pitchFamily="49" charset="0"/>
-            </a:endParaRPr>
-          </a:p>
-          <a:p>
-            <a:pPr marL="0" indent="0">
-              <a:buNone/>
-            </a:pPr>
-            <a:r>
-              <a:rPr lang="en-US" sz="2600" dirty="0">
-                <a:solidFill>
-                  <a:srgbClr val="795E26"/>
-                </a:solidFill>
-                <a:latin typeface="Consolas" panose="020B0609020204030204" pitchFamily="49" charset="0"/>
-              </a:rPr>
-              <a:t>Get-</a:t>
-            </a:r>
-            <a:r>
-              <a:rPr lang="en-US" sz="2600" dirty="0" err="1">
-                <a:solidFill>
-                  <a:srgbClr val="795E26"/>
-                </a:solidFill>
-                <a:latin typeface="Consolas" panose="020B0609020204030204" pitchFamily="49" charset="0"/>
-              </a:rPr>
-              <a:t>DscConfigurationStatus</a:t>
-            </a:r>
-            <a:r>
-              <a:rPr lang="en-US" sz="2600" dirty="0">
-                <a:solidFill>
-                  <a:srgbClr val="D4D4D4"/>
-                </a:solidFill>
-                <a:latin typeface="Consolas" panose="020B0609020204030204" pitchFamily="49" charset="0"/>
-              </a:rPr>
-              <a:t> </a:t>
-            </a:r>
-            <a:r>
-              <a:rPr lang="en-US" sz="2600" dirty="0">
-                <a:latin typeface="Consolas" panose="020B0609020204030204" pitchFamily="49" charset="0"/>
-              </a:rPr>
-              <a:t>-</a:t>
-            </a:r>
-            <a:r>
-              <a:rPr lang="en-US" sz="2600" dirty="0" err="1">
-                <a:latin typeface="Consolas" panose="020B0609020204030204" pitchFamily="49" charset="0"/>
-              </a:rPr>
-              <a:t>CimSession</a:t>
-            </a:r>
-            <a:r>
-              <a:rPr lang="en-US" sz="2600" dirty="0">
-                <a:latin typeface="Consolas" panose="020B0609020204030204" pitchFamily="49" charset="0"/>
-              </a:rPr>
-              <a:t> dscsvr2 | </a:t>
-            </a:r>
-          </a:p>
-          <a:p>
-            <a:pPr marL="0" indent="0">
-              <a:buNone/>
-            </a:pPr>
-            <a:r>
-              <a:rPr lang="en-US" sz="2600" dirty="0">
-                <a:solidFill>
-                  <a:srgbClr val="795E26"/>
-                </a:solidFill>
-                <a:latin typeface="Consolas" panose="020B0609020204030204" pitchFamily="49" charset="0"/>
-              </a:rPr>
-              <a:t>Select-Object</a:t>
-            </a:r>
-            <a:r>
-              <a:rPr lang="en-US" sz="2600" dirty="0">
-                <a:latin typeface="Consolas" panose="020B0609020204030204" pitchFamily="49" charset="0"/>
-              </a:rPr>
-              <a:t> *</a:t>
-            </a:r>
-          </a:p>
-          <a:p>
-            <a:pPr marL="0" indent="0">
-              <a:buNone/>
-            </a:pPr>
-            <a:br>
-              <a:rPr lang="en-US" sz="2600" dirty="0">
-                <a:solidFill>
-                  <a:srgbClr val="D4D4D4"/>
-                </a:solidFill>
-                <a:latin typeface="Consolas" panose="020B0609020204030204" pitchFamily="49" charset="0"/>
-              </a:rPr>
-            </a:br>
-            <a:r>
-              <a:rPr lang="en-US" sz="2600" dirty="0">
-                <a:solidFill>
-                  <a:srgbClr val="6A9955"/>
-                </a:solidFill>
-                <a:latin typeface="Consolas" panose="020B0609020204030204" pitchFamily="49" charset="0"/>
-              </a:rPr>
-              <a:t>## Test the current configuration</a:t>
-            </a:r>
-            <a:endParaRPr lang="en-US" sz="2600" dirty="0">
-              <a:solidFill>
-                <a:srgbClr val="D4D4D4"/>
-              </a:solidFill>
-              <a:latin typeface="Consolas" panose="020B0609020204030204" pitchFamily="49" charset="0"/>
-            </a:endParaRPr>
-          </a:p>
-          <a:p>
-            <a:pPr marL="0" indent="0">
-              <a:buNone/>
-            </a:pPr>
-            <a:r>
-              <a:rPr lang="en-US" sz="2600" dirty="0">
-                <a:solidFill>
-                  <a:srgbClr val="795E26"/>
-                </a:solidFill>
-                <a:latin typeface="Consolas" panose="020B0609020204030204" pitchFamily="49" charset="0"/>
-              </a:rPr>
-              <a:t>Test-</a:t>
-            </a:r>
-            <a:r>
-              <a:rPr lang="en-US" sz="2600" dirty="0" err="1">
-                <a:solidFill>
-                  <a:srgbClr val="795E26"/>
-                </a:solidFill>
-                <a:latin typeface="Consolas" panose="020B0609020204030204" pitchFamily="49" charset="0"/>
-              </a:rPr>
-              <a:t>DscConfiguration</a:t>
-            </a:r>
-            <a:r>
-              <a:rPr lang="en-US" sz="2600" dirty="0">
-                <a:solidFill>
-                  <a:srgbClr val="D4D4D4"/>
-                </a:solidFill>
-                <a:latin typeface="Consolas" panose="020B0609020204030204" pitchFamily="49" charset="0"/>
-              </a:rPr>
-              <a:t> </a:t>
-            </a:r>
-            <a:r>
-              <a:rPr lang="en-US" sz="2600" dirty="0">
-                <a:latin typeface="Consolas" panose="020B0609020204030204" pitchFamily="49" charset="0"/>
-              </a:rPr>
-              <a:t>-</a:t>
-            </a:r>
-            <a:r>
-              <a:rPr lang="en-US" sz="2600" dirty="0" err="1">
-                <a:latin typeface="Consolas" panose="020B0609020204030204" pitchFamily="49" charset="0"/>
-              </a:rPr>
-              <a:t>ComputerName</a:t>
-            </a:r>
-            <a:r>
-              <a:rPr lang="en-US" sz="2600" dirty="0">
-                <a:latin typeface="Consolas" panose="020B0609020204030204" pitchFamily="49" charset="0"/>
-              </a:rPr>
-              <a:t> DscSvr2 -Verbose</a:t>
-            </a:r>
-          </a:p>
-          <a:p>
-            <a:endParaRPr lang="en-US" sz="2600" dirty="0">
-              <a:solidFill>
-                <a:srgbClr val="D4D4D4"/>
-              </a:solidFill>
-              <a:latin typeface="Consolas" panose="020B0609020204030204" pitchFamily="49" charset="0"/>
-            </a:endParaRPr>
-          </a:p>
-        </p:txBody>
-      </p:sp>
-    </p:spTree>
-    <p:extLst>
-      <p:ext uri="{BB962C8B-B14F-4D97-AF65-F5344CB8AC3E}">
-        <p14:creationId xmlns:p14="http://schemas.microsoft.com/office/powerpoint/2010/main" val="469693551"/>
-      </p:ext>
-    </p:extLst>
-  </p:cSld>
-  <p:clrMapOvr>
-    <a:masterClrMapping/>
-  </p:clrMapOvr>
-</p:sld>
-</file>
-
-<file path=ppt/slides/slide27.xml><?xml version="1.0" encoding="utf-8"?>
-<p:sld xmlns:a="http://schemas.openxmlformats.org/drawingml/2006/main" xmlns:r="http://schemas.openxmlformats.org/officeDocument/2006/relationships" xmlns:p="http://schemas.openxmlformats.org/presentationml/2006/main">
-  <p:cSld>
-    <p:spTree>
-      <p:nvGrpSpPr>
-        <p:cNvPr id="1" name=""/>
-        <p:cNvGrpSpPr/>
-        <p:nvPr/>
-      </p:nvGrpSpPr>
-      <p:grpSpPr>
-        <a:xfrm>
-          <a:off x="0" y="0"/>
-          <a:ext cx="0" cy="0"/>
-          <a:chOff x="0" y="0"/>
-          <a:chExt cx="0" cy="0"/>
-        </a:xfrm>
-      </p:grpSpPr>
-      <p:sp>
-        <p:nvSpPr>
-          <p:cNvPr id="4" name="Title 3">
-            <a:extLst>
-              <a:ext uri="{FF2B5EF4-FFF2-40B4-BE49-F238E27FC236}">
-                <a16:creationId xmlns:a16="http://schemas.microsoft.com/office/drawing/2014/main" id="{5857C009-4ECE-48E6-A7FB-BBEB82F00A90}"/>
-              </a:ext>
-            </a:extLst>
-          </p:cNvPr>
-          <p:cNvSpPr>
-            <a:spLocks noGrp="1"/>
-          </p:cNvSpPr>
-          <p:nvPr>
-            <p:ph type="title"/>
-          </p:nvPr>
-        </p:nvSpPr>
-        <p:spPr/>
-        <p:txBody>
-          <a:bodyPr>
-            <a:normAutofit/>
-          </a:bodyPr>
-          <a:lstStyle/>
-          <a:p>
-            <a:r>
-              <a:rPr lang="en-US" dirty="0"/>
-              <a:t>DSC Event Logs</a:t>
-            </a:r>
-          </a:p>
-        </p:txBody>
-      </p:sp>
-      <p:sp>
-        <p:nvSpPr>
-          <p:cNvPr id="5" name="Content Placeholder 4">
-            <a:extLst>
-              <a:ext uri="{FF2B5EF4-FFF2-40B4-BE49-F238E27FC236}">
-                <a16:creationId xmlns:a16="http://schemas.microsoft.com/office/drawing/2014/main" id="{E78D7763-F25A-4FFB-919C-71DD0A23F64C}"/>
-              </a:ext>
-            </a:extLst>
-          </p:cNvPr>
-          <p:cNvSpPr>
-            <a:spLocks noGrp="1"/>
-          </p:cNvSpPr>
-          <p:nvPr>
-            <p:ph idx="1"/>
-          </p:nvPr>
-        </p:nvSpPr>
-        <p:spPr/>
-        <p:txBody>
-          <a:bodyPr/>
-          <a:lstStyle/>
-          <a:p>
-            <a:r>
-              <a:rPr lang="en-US" dirty="0"/>
-              <a:t>Event Viewer</a:t>
-            </a:r>
-          </a:p>
-          <a:p>
-            <a:pPr lvl="1"/>
-            <a:r>
-              <a:rPr lang="en-US" dirty="0"/>
-              <a:t>Application and Services Logs &gt; Microsoft &gt; Windows &gt; Desired State Configuration</a:t>
-            </a:r>
-          </a:p>
-          <a:p>
-            <a:pPr marL="457200" lvl="1" indent="0">
-              <a:buNone/>
-            </a:pPr>
-            <a:endParaRPr lang="en-US" dirty="0"/>
-          </a:p>
-          <a:p>
-            <a:pPr lvl="1"/>
-            <a:r>
-              <a:rPr lang="en-US" dirty="0"/>
-              <a:t>Operational </a:t>
-            </a:r>
-          </a:p>
-          <a:p>
-            <a:pPr lvl="1"/>
-            <a:r>
-              <a:rPr lang="en-US" dirty="0"/>
-              <a:t>Admin</a:t>
-            </a:r>
-          </a:p>
-          <a:p>
-            <a:endParaRPr lang="en-US" dirty="0"/>
-          </a:p>
-          <a:p>
-            <a:pPr lvl="1"/>
-            <a:r>
-              <a:rPr lang="en-US" dirty="0"/>
-              <a:t>Analytic</a:t>
-            </a:r>
-          </a:p>
-          <a:p>
-            <a:pPr lvl="1"/>
-            <a:r>
-              <a:rPr lang="en-US" dirty="0"/>
-              <a:t>Debug</a:t>
-            </a:r>
-          </a:p>
-        </p:txBody>
-      </p:sp>
-    </p:spTree>
-    <p:extLst>
-      <p:ext uri="{BB962C8B-B14F-4D97-AF65-F5344CB8AC3E}">
-        <p14:creationId xmlns:p14="http://schemas.microsoft.com/office/powerpoint/2010/main" val="18709099"/>
-      </p:ext>
-    </p:extLst>
-  </p:cSld>
-  <p:clrMapOvr>
-    <a:masterClrMapping/>
-  </p:clrMapOvr>
-</p:sld>
-</file>
-
-<file path=ppt/slides/slide28.xml><?xml version="1.0" encoding="utf-8"?>
-<p:sld xmlns:a="http://schemas.openxmlformats.org/drawingml/2006/main" xmlns:r="http://schemas.openxmlformats.org/officeDocument/2006/relationships" xmlns:p="http://schemas.openxmlformats.org/presentationml/2006/main">
-  <p:cSld>
-    <p:spTree>
-      <p:nvGrpSpPr>
-        <p:cNvPr id="1" name=""/>
-        <p:cNvGrpSpPr/>
-        <p:nvPr/>
-      </p:nvGrpSpPr>
-      <p:grpSpPr>
-        <a:xfrm>
-          <a:off x="0" y="0"/>
-          <a:ext cx="0" cy="0"/>
-          <a:chOff x="0" y="0"/>
-          <a:chExt cx="0" cy="0"/>
-        </a:xfrm>
-      </p:grpSpPr>
-      <p:sp>
-        <p:nvSpPr>
-          <p:cNvPr id="2" name="Title 1">
-            <a:extLst>
-              <a:ext uri="{FF2B5EF4-FFF2-40B4-BE49-F238E27FC236}">
-                <a16:creationId xmlns:a16="http://schemas.microsoft.com/office/drawing/2014/main" id="{754F5C23-E4CC-44F3-88FC-3CB58AFD0FD1}"/>
-              </a:ext>
-            </a:extLst>
-          </p:cNvPr>
-          <p:cNvSpPr>
-            <a:spLocks noGrp="1"/>
-          </p:cNvSpPr>
-          <p:nvPr>
-            <p:ph type="title"/>
-          </p:nvPr>
-        </p:nvSpPr>
-        <p:spPr/>
-        <p:txBody>
-          <a:bodyPr/>
-          <a:lstStyle/>
-          <a:p>
-            <a:r>
-              <a:rPr lang="en-US" dirty="0"/>
-              <a:t>DSC &amp; </a:t>
-            </a:r>
-            <a:r>
-              <a:rPr lang="en-US" dirty="0" err="1"/>
-              <a:t>Sql</a:t>
-            </a:r>
-            <a:r>
-              <a:rPr lang="en-US" dirty="0"/>
-              <a:t> Server</a:t>
-            </a:r>
-          </a:p>
-        </p:txBody>
-      </p:sp>
-      <p:sp>
-        <p:nvSpPr>
-          <p:cNvPr id="3" name="Text Placeholder 2">
-            <a:extLst>
-              <a:ext uri="{FF2B5EF4-FFF2-40B4-BE49-F238E27FC236}">
-                <a16:creationId xmlns:a16="http://schemas.microsoft.com/office/drawing/2014/main" id="{887C5409-3F5B-4B63-B52E-DEC1F01A5B20}"/>
-              </a:ext>
-            </a:extLst>
-          </p:cNvPr>
-          <p:cNvSpPr>
-            <a:spLocks noGrp="1"/>
-          </p:cNvSpPr>
-          <p:nvPr>
-            <p:ph type="body" idx="1"/>
-          </p:nvPr>
-        </p:nvSpPr>
-        <p:spPr/>
-        <p:txBody>
-          <a:bodyPr/>
-          <a:lstStyle/>
-          <a:p>
-            <a:endParaRPr lang="en-US"/>
-          </a:p>
-        </p:txBody>
-      </p:sp>
-    </p:spTree>
-    <p:extLst>
-      <p:ext uri="{BB962C8B-B14F-4D97-AF65-F5344CB8AC3E}">
-        <p14:creationId xmlns:p14="http://schemas.microsoft.com/office/powerpoint/2010/main" val="3593085286"/>
-      </p:ext>
-    </p:extLst>
-  </p:cSld>
-  <p:clrMapOvr>
-    <a:masterClrMapping/>
-  </p:clrMapOvr>
-</p:sld>
-</file>
-
-<file path=ppt/slides/slide29.xml><?xml version="1.0" encoding="utf-8"?>
+<file path=ppt/slides/slide30.xml><?xml version="1.0" encoding="utf-8"?>
 <p:sld xmlns:a="http://schemas.openxmlformats.org/drawingml/2006/main" xmlns:r="http://schemas.openxmlformats.org/officeDocument/2006/relationships" xmlns:p="http://schemas.openxmlformats.org/presentationml/2006/main">
   <p:cSld>
     <p:spTree>
@@ -27860,150 +28293,7 @@
 </p:sld>
 </file>
 
-<file path=ppt/slides/slide3.xml><?xml version="1.0" encoding="utf-8"?>
-<p:sld xmlns:a="http://schemas.openxmlformats.org/drawingml/2006/main" xmlns:r="http://schemas.openxmlformats.org/officeDocument/2006/relationships" xmlns:p="http://schemas.openxmlformats.org/presentationml/2006/main">
-  <p:cSld>
-    <p:spTree>
-      <p:nvGrpSpPr>
-        <p:cNvPr id="1" name=""/>
-        <p:cNvGrpSpPr/>
-        <p:nvPr/>
-      </p:nvGrpSpPr>
-      <p:grpSpPr>
-        <a:xfrm>
-          <a:off x="0" y="0"/>
-          <a:ext cx="0" cy="0"/>
-          <a:chOff x="0" y="0"/>
-          <a:chExt cx="0" cy="0"/>
-        </a:xfrm>
-      </p:grpSpPr>
-      <p:sp>
-        <p:nvSpPr>
-          <p:cNvPr id="2" name="Title 1">
-            <a:extLst>
-              <a:ext uri="{FF2B5EF4-FFF2-40B4-BE49-F238E27FC236}">
-                <a16:creationId xmlns:a16="http://schemas.microsoft.com/office/drawing/2014/main" id="{794927B8-3A78-4B9F-B4F8-505299098C04}"/>
-              </a:ext>
-            </a:extLst>
-          </p:cNvPr>
-          <p:cNvSpPr>
-            <a:spLocks noGrp="1"/>
-          </p:cNvSpPr>
-          <p:nvPr>
-            <p:ph type="title"/>
-          </p:nvPr>
-        </p:nvSpPr>
-        <p:spPr/>
-        <p:txBody>
-          <a:bodyPr/>
-          <a:lstStyle/>
-          <a:p>
-            <a:r>
-              <a:rPr lang="en-US" dirty="0"/>
-              <a:t>Agenda</a:t>
-            </a:r>
-          </a:p>
-        </p:txBody>
-      </p:sp>
-      <p:sp>
-        <p:nvSpPr>
-          <p:cNvPr id="3" name="Content Placeholder 2">
-            <a:extLst>
-              <a:ext uri="{FF2B5EF4-FFF2-40B4-BE49-F238E27FC236}">
-                <a16:creationId xmlns:a16="http://schemas.microsoft.com/office/drawing/2014/main" id="{729004DA-0832-4202-B169-FE9120EC45A0}"/>
-              </a:ext>
-            </a:extLst>
-          </p:cNvPr>
-          <p:cNvSpPr>
-            <a:spLocks noGrp="1"/>
-          </p:cNvSpPr>
-          <p:nvPr>
-            <p:ph idx="1"/>
-          </p:nvPr>
-        </p:nvSpPr>
-        <p:spPr>
-          <a:xfrm>
-            <a:off x="838200" y="1003852"/>
-            <a:ext cx="10515600" cy="5173111"/>
-          </a:xfrm>
-        </p:spPr>
-        <p:txBody>
-          <a:bodyPr/>
-          <a:lstStyle/>
-          <a:p>
-            <a:r>
-              <a:rPr lang="en-US" dirty="0"/>
-              <a:t>Desired State Configuration</a:t>
-            </a:r>
-          </a:p>
-          <a:p>
-            <a:pPr lvl="1"/>
-            <a:r>
-              <a:rPr lang="en-US" dirty="0"/>
-              <a:t>What?</a:t>
-            </a:r>
-          </a:p>
-          <a:p>
-            <a:pPr lvl="1"/>
-            <a:r>
-              <a:rPr lang="en-US" dirty="0"/>
-              <a:t>Why?</a:t>
-            </a:r>
-          </a:p>
-          <a:p>
-            <a:pPr lvl="1"/>
-            <a:r>
-              <a:rPr lang="en-US" dirty="0"/>
-              <a:t>How?</a:t>
-            </a:r>
-          </a:p>
-          <a:p>
-            <a:pPr lvl="1"/>
-            <a:endParaRPr lang="en-US" dirty="0"/>
-          </a:p>
-          <a:p>
-            <a:r>
-              <a:rPr lang="en-US" dirty="0"/>
-              <a:t>SQL Server + Desired State Configuration</a:t>
-            </a:r>
-          </a:p>
-          <a:p>
-            <a:pPr lvl="1"/>
-            <a:r>
-              <a:rPr lang="en-US" dirty="0"/>
-              <a:t>Install </a:t>
-            </a:r>
-          </a:p>
-          <a:p>
-            <a:pPr lvl="1"/>
-            <a:r>
-              <a:rPr lang="en-US" dirty="0"/>
-              <a:t>Configure</a:t>
-            </a:r>
-          </a:p>
-          <a:p>
-            <a:pPr lvl="1"/>
-            <a:r>
-              <a:rPr lang="en-US" dirty="0"/>
-              <a:t>Change</a:t>
-            </a:r>
-          </a:p>
-        </p:txBody>
-      </p:sp>
-    </p:spTree>
-    <p:extLst>
-      <p:ext uri="{BB962C8B-B14F-4D97-AF65-F5344CB8AC3E}">
-        <p14:creationId xmlns:p14="http://schemas.microsoft.com/office/powerpoint/2010/main" val="104336367"/>
-      </p:ext>
-    </p:extLst>
-  </p:cSld>
-  <p:clrMapOvr>
-    <a:masterClrMapping/>
-  </p:clrMapOvr>
-</p:sld>
-</file>
-
-<file path=ppt/slides/slide30.xml><?xml version="1.0" encoding="utf-8"?>
+<file path=ppt/slides/slide31.xml><?xml version="1.0" encoding="utf-8"?>
 <p:sld xmlns:a="http://schemas.openxmlformats.org/drawingml/2006/main" xmlns:r="http://schemas.openxmlformats.org/officeDocument/2006/relationships" xmlns:p="http://schemas.openxmlformats.org/presentationml/2006/main">
   <p:cSld>
     <p:spTree>
@@ -28588,7 +28878,7 @@
 </p:sld>
 </file>
 
-<file path=ppt/slides/slide31.xml><?xml version="1.0" encoding="utf-8"?>
+<file path=ppt/slides/slide32.xml><?xml version="1.0" encoding="utf-8"?>
 <p:sld xmlns:a="http://schemas.openxmlformats.org/drawingml/2006/main" xmlns:r="http://schemas.openxmlformats.org/officeDocument/2006/relationships" xmlns:p="http://schemas.openxmlformats.org/presentationml/2006/main">
   <p:cSld>
     <p:spTree>
@@ -28689,7 +28979,7 @@
 </p:sld>
 </file>
 
-<file path=ppt/slides/slide32.xml><?xml version="1.0" encoding="utf-8"?>
+<file path=ppt/slides/slide33.xml><?xml version="1.0" encoding="utf-8"?>
 <p:sld xmlns:a="http://schemas.openxmlformats.org/drawingml/2006/main" xmlns:r="http://schemas.openxmlformats.org/officeDocument/2006/relationships" xmlns:p="http://schemas.openxmlformats.org/presentationml/2006/main">
   <p:cSld>
     <p:spTree>
@@ -28812,7 +29102,7 @@
 </p:sld>
 </file>
 
-<file path=ppt/slides/slide33.xml><?xml version="1.0" encoding="utf-8"?>
+<file path=ppt/slides/slide34.xml><?xml version="1.0" encoding="utf-8"?>
 <p:sld xmlns:a="http://schemas.openxmlformats.org/drawingml/2006/main" xmlns:r="http://schemas.openxmlformats.org/officeDocument/2006/relationships" xmlns:p="http://schemas.openxmlformats.org/presentationml/2006/main">
   <p:cSld>
     <p:spTree>
@@ -28945,7 +29235,265 @@
 </p:sld>
 </file>
 
+<file path=ppt/slides/slide35.xml><?xml version="1.0" encoding="utf-8"?>
+<p:sld xmlns:a="http://schemas.openxmlformats.org/drawingml/2006/main" xmlns:r="http://schemas.openxmlformats.org/officeDocument/2006/relationships" xmlns:p="http://schemas.openxmlformats.org/presentationml/2006/main">
+  <p:cSld>
+    <p:spTree>
+      <p:nvGrpSpPr>
+        <p:cNvPr id="1" name=""/>
+        <p:cNvGrpSpPr/>
+        <p:nvPr/>
+      </p:nvGrpSpPr>
+      <p:grpSpPr>
+        <a:xfrm>
+          <a:off x="0" y="0"/>
+          <a:ext cx="0" cy="0"/>
+          <a:chOff x="0" y="0"/>
+          <a:chExt cx="0" cy="0"/>
+        </a:xfrm>
+      </p:grpSpPr>
+    </p:spTree>
+    <p:extLst>
+      <p:ext uri="{BB962C8B-B14F-4D97-AF65-F5344CB8AC3E}">
+        <p14:creationId xmlns:p14="http://schemas.microsoft.com/office/powerpoint/2010/main" val="4084810999"/>
+      </p:ext>
+    </p:extLst>
+  </p:cSld>
+  <p:clrMapOvr>
+    <a:masterClrMapping/>
+  </p:clrMapOvr>
+</p:sld>
+</file>
+
+<file path=ppt/slides/slide36.xml><?xml version="1.0" encoding="utf-8"?>
+<p:sld xmlns:a="http://schemas.openxmlformats.org/drawingml/2006/main" xmlns:r="http://schemas.openxmlformats.org/officeDocument/2006/relationships" xmlns:p="http://schemas.openxmlformats.org/presentationml/2006/main">
+  <p:cSld>
+    <p:spTree>
+      <p:nvGrpSpPr>
+        <p:cNvPr id="1" name=""/>
+        <p:cNvGrpSpPr/>
+        <p:nvPr/>
+      </p:nvGrpSpPr>
+      <p:grpSpPr>
+        <a:xfrm>
+          <a:off x="0" y="0"/>
+          <a:ext cx="0" cy="0"/>
+          <a:chOff x="0" y="0"/>
+          <a:chExt cx="0" cy="0"/>
+        </a:xfrm>
+      </p:grpSpPr>
+    </p:spTree>
+    <p:extLst>
+      <p:ext uri="{BB962C8B-B14F-4D97-AF65-F5344CB8AC3E}">
+        <p14:creationId xmlns:p14="http://schemas.microsoft.com/office/powerpoint/2010/main" val="3662501019"/>
+      </p:ext>
+    </p:extLst>
+  </p:cSld>
+  <p:clrMapOvr>
+    <a:masterClrMapping/>
+  </p:clrMapOvr>
+</p:sld>
+</file>
+
+<file path=ppt/slides/slide37.xml><?xml version="1.0" encoding="utf-8"?>
+<p:sld xmlns:a="http://schemas.openxmlformats.org/drawingml/2006/main" xmlns:r="http://schemas.openxmlformats.org/officeDocument/2006/relationships" xmlns:p="http://schemas.openxmlformats.org/presentationml/2006/main">
+  <p:cSld>
+    <p:spTree>
+      <p:nvGrpSpPr>
+        <p:cNvPr id="1" name=""/>
+        <p:cNvGrpSpPr/>
+        <p:nvPr/>
+      </p:nvGrpSpPr>
+      <p:grpSpPr>
+        <a:xfrm>
+          <a:off x="0" y="0"/>
+          <a:ext cx="0" cy="0"/>
+          <a:chOff x="0" y="0"/>
+          <a:chExt cx="0" cy="0"/>
+        </a:xfrm>
+      </p:grpSpPr>
+      <p:sp>
+        <p:nvSpPr>
+          <p:cNvPr id="4" name="Title 3">
+            <a:extLst>
+              <a:ext uri="{FF2B5EF4-FFF2-40B4-BE49-F238E27FC236}">
+                <a16:creationId xmlns:a16="http://schemas.microsoft.com/office/drawing/2014/main" id="{02BC5EBB-6DA3-4551-8178-4C166018F840}"/>
+              </a:ext>
+            </a:extLst>
+          </p:cNvPr>
+          <p:cNvSpPr>
+            <a:spLocks noGrp="1"/>
+          </p:cNvSpPr>
+          <p:nvPr>
+            <p:ph type="title"/>
+          </p:nvPr>
+        </p:nvSpPr>
+        <p:spPr/>
+        <p:txBody>
+          <a:bodyPr/>
+          <a:lstStyle/>
+          <a:p>
+            <a:endParaRPr lang="en-GB" dirty="0"/>
+          </a:p>
+        </p:txBody>
+      </p:sp>
+    </p:spTree>
+    <p:extLst>
+      <p:ext uri="{BB962C8B-B14F-4D97-AF65-F5344CB8AC3E}">
+        <p14:creationId xmlns:p14="http://schemas.microsoft.com/office/powerpoint/2010/main" val="1718640468"/>
+      </p:ext>
+    </p:extLst>
+  </p:cSld>
+  <p:clrMapOvr>
+    <a:masterClrMapping/>
+  </p:clrMapOvr>
+</p:sld>
+</file>
+
 <file path=ppt/slides/slide4.xml><?xml version="1.0" encoding="utf-8"?>
+<p:sld xmlns:a="http://schemas.openxmlformats.org/drawingml/2006/main" xmlns:r="http://schemas.openxmlformats.org/officeDocument/2006/relationships" xmlns:p="http://schemas.openxmlformats.org/presentationml/2006/main">
+  <p:cSld>
+    <p:spTree>
+      <p:nvGrpSpPr>
+        <p:cNvPr id="1" name=""/>
+        <p:cNvGrpSpPr/>
+        <p:nvPr/>
+      </p:nvGrpSpPr>
+      <p:grpSpPr>
+        <a:xfrm>
+          <a:off x="0" y="0"/>
+          <a:ext cx="0" cy="0"/>
+          <a:chOff x="0" y="0"/>
+          <a:chExt cx="0" cy="0"/>
+        </a:xfrm>
+      </p:grpSpPr>
+      <p:sp>
+        <p:nvSpPr>
+          <p:cNvPr id="2" name="Title 1">
+            <a:extLst>
+              <a:ext uri="{FF2B5EF4-FFF2-40B4-BE49-F238E27FC236}">
+                <a16:creationId xmlns:a16="http://schemas.microsoft.com/office/drawing/2014/main" id="{794927B8-3A78-4B9F-B4F8-505299098C04}"/>
+              </a:ext>
+            </a:extLst>
+          </p:cNvPr>
+          <p:cNvSpPr>
+            <a:spLocks noGrp="1"/>
+          </p:cNvSpPr>
+          <p:nvPr>
+            <p:ph type="title"/>
+          </p:nvPr>
+        </p:nvSpPr>
+        <p:spPr/>
+        <p:txBody>
+          <a:bodyPr/>
+          <a:lstStyle/>
+          <a:p>
+            <a:r>
+              <a:rPr lang="en-US" dirty="0"/>
+              <a:t>Agenda</a:t>
+            </a:r>
+          </a:p>
+        </p:txBody>
+      </p:sp>
+      <p:sp>
+        <p:nvSpPr>
+          <p:cNvPr id="3" name="Content Placeholder 2">
+            <a:extLst>
+              <a:ext uri="{FF2B5EF4-FFF2-40B4-BE49-F238E27FC236}">
+                <a16:creationId xmlns:a16="http://schemas.microsoft.com/office/drawing/2014/main" id="{729004DA-0832-4202-B169-FE9120EC45A0}"/>
+              </a:ext>
+            </a:extLst>
+          </p:cNvPr>
+          <p:cNvSpPr>
+            <a:spLocks noGrp="1"/>
+          </p:cNvSpPr>
+          <p:nvPr>
+            <p:ph idx="1"/>
+          </p:nvPr>
+        </p:nvSpPr>
+        <p:spPr>
+          <a:xfrm>
+            <a:off x="838200" y="1003852"/>
+            <a:ext cx="10515600" cy="5173111"/>
+          </a:xfrm>
+        </p:spPr>
+        <p:txBody>
+          <a:bodyPr/>
+          <a:lstStyle/>
+          <a:p>
+            <a:r>
+              <a:rPr lang="en-US" dirty="0"/>
+              <a:t>Desired State Configuration</a:t>
+            </a:r>
+          </a:p>
+          <a:p>
+            <a:pPr lvl="1"/>
+            <a:r>
+              <a:rPr lang="en-US" dirty="0"/>
+              <a:t>What?</a:t>
+            </a:r>
+          </a:p>
+          <a:p>
+            <a:pPr lvl="1"/>
+            <a:r>
+              <a:rPr lang="en-US" dirty="0"/>
+              <a:t>Why?</a:t>
+            </a:r>
+          </a:p>
+          <a:p>
+            <a:pPr lvl="1"/>
+            <a:r>
+              <a:rPr lang="en-US" dirty="0"/>
+              <a:t>How?</a:t>
+            </a:r>
+          </a:p>
+          <a:p>
+            <a:pPr lvl="1"/>
+            <a:endParaRPr lang="en-US" dirty="0"/>
+          </a:p>
+          <a:p>
+            <a:r>
+              <a:rPr lang="en-US" dirty="0"/>
+              <a:t>SQL Server + Desired State Configuration</a:t>
+            </a:r>
+          </a:p>
+          <a:p>
+            <a:pPr lvl="1"/>
+            <a:r>
+              <a:rPr lang="en-US" dirty="0"/>
+              <a:t>Install </a:t>
+            </a:r>
+          </a:p>
+          <a:p>
+            <a:pPr lvl="1"/>
+            <a:r>
+              <a:rPr lang="en-US" dirty="0"/>
+              <a:t>Configure</a:t>
+            </a:r>
+          </a:p>
+          <a:p>
+            <a:pPr lvl="1"/>
+            <a:r>
+              <a:rPr lang="en-US" dirty="0"/>
+              <a:t>Change</a:t>
+            </a:r>
+          </a:p>
+        </p:txBody>
+      </p:sp>
+    </p:spTree>
+    <p:extLst>
+      <p:ext uri="{BB962C8B-B14F-4D97-AF65-F5344CB8AC3E}">
+        <p14:creationId xmlns:p14="http://schemas.microsoft.com/office/powerpoint/2010/main" val="104336367"/>
+      </p:ext>
+    </p:extLst>
+  </p:cSld>
+  <p:clrMapOvr>
+    <a:masterClrMapping/>
+  </p:clrMapOvr>
+</p:sld>
+</file>
+
+<file path=ppt/slides/slide5.xml><?xml version="1.0" encoding="utf-8"?>
 <p:sld xmlns:a="http://schemas.openxmlformats.org/drawingml/2006/main" xmlns:r="http://schemas.openxmlformats.org/officeDocument/2006/relationships" xmlns:p="http://schemas.openxmlformats.org/presentationml/2006/main">
   <p:cSld>
     <p:spTree>
@@ -29031,7 +29579,7 @@
 </p:sld>
 </file>
 
-<file path=ppt/slides/slide5.xml><?xml version="1.0" encoding="utf-8"?>
+<file path=ppt/slides/slide6.xml><?xml version="1.0" encoding="utf-8"?>
 <p:sld xmlns:a="http://schemas.openxmlformats.org/drawingml/2006/main" xmlns:r="http://schemas.openxmlformats.org/officeDocument/2006/relationships" xmlns:p="http://schemas.openxmlformats.org/presentationml/2006/main">
   <p:cSld>
     <p:spTree>
@@ -29172,7 +29720,7 @@
 </p:sld>
 </file>
 
-<file path=ppt/slides/slide6.xml><?xml version="1.0" encoding="utf-8"?>
+<file path=ppt/slides/slide7.xml><?xml version="1.0" encoding="utf-8"?>
 <p:sld xmlns:a="http://schemas.openxmlformats.org/drawingml/2006/main" xmlns:r="http://schemas.openxmlformats.org/officeDocument/2006/relationships" xmlns:p="http://schemas.openxmlformats.org/presentationml/2006/main">
   <p:cSld>
     <p:spTree>
@@ -29258,7 +29806,7 @@
 </p:sld>
 </file>
 
-<file path=ppt/slides/slide7.xml><?xml version="1.0" encoding="utf-8"?>
+<file path=ppt/slides/slide8.xml><?xml version="1.0" encoding="utf-8"?>
 <p:sld xmlns:a="http://schemas.openxmlformats.org/drawingml/2006/main" xmlns:r="http://schemas.openxmlformats.org/officeDocument/2006/relationships" xmlns:p="http://schemas.openxmlformats.org/presentationml/2006/main">
   <p:cSld>
     <p:spTree>
@@ -29341,7 +29889,7 @@
 </p:sld>
 </file>
 
-<file path=ppt/slides/slide8.xml><?xml version="1.0" encoding="utf-8"?>
+<file path=ppt/slides/slide9.xml><?xml version="1.0" encoding="utf-8"?>
 <p:sld xmlns:a="http://schemas.openxmlformats.org/drawingml/2006/main" xmlns:r="http://schemas.openxmlformats.org/officeDocument/2006/relationships" xmlns:p="http://schemas.openxmlformats.org/presentationml/2006/main">
   <p:cSld>
     <p:spTree>
@@ -29418,106 +29966,6 @@
     <p:extLst>
       <p:ext uri="{BB962C8B-B14F-4D97-AF65-F5344CB8AC3E}">
         <p14:creationId xmlns:p14="http://schemas.microsoft.com/office/powerpoint/2010/main" val="3925992112"/>
-      </p:ext>
-    </p:extLst>
-  </p:cSld>
-  <p:clrMapOvr>
-    <a:masterClrMapping/>
-  </p:clrMapOvr>
-</p:sld>
-</file>
-
-<file path=ppt/slides/slide9.xml><?xml version="1.0" encoding="utf-8"?>
-<p:sld xmlns:a="http://schemas.openxmlformats.org/drawingml/2006/main" xmlns:r="http://schemas.openxmlformats.org/officeDocument/2006/relationships" xmlns:p="http://schemas.openxmlformats.org/presentationml/2006/main">
-  <p:cSld>
-    <p:spTree>
-      <p:nvGrpSpPr>
-        <p:cNvPr id="1" name=""/>
-        <p:cNvGrpSpPr/>
-        <p:nvPr/>
-      </p:nvGrpSpPr>
-      <p:grpSpPr>
-        <a:xfrm>
-          <a:off x="0" y="0"/>
-          <a:ext cx="0" cy="0"/>
-          <a:chOff x="0" y="0"/>
-          <a:chExt cx="0" cy="0"/>
-        </a:xfrm>
-      </p:grpSpPr>
-      <p:sp>
-        <p:nvSpPr>
-          <p:cNvPr id="2" name="Title 1">
-            <a:extLst>
-              <a:ext uri="{FF2B5EF4-FFF2-40B4-BE49-F238E27FC236}">
-                <a16:creationId xmlns:a16="http://schemas.microsoft.com/office/drawing/2014/main" id="{2A3417D1-9C20-40D9-9698-500F1A6F0D45}"/>
-              </a:ext>
-            </a:extLst>
-          </p:cNvPr>
-          <p:cNvSpPr>
-            <a:spLocks noGrp="1"/>
-          </p:cNvSpPr>
-          <p:nvPr>
-            <p:ph type="title"/>
-          </p:nvPr>
-        </p:nvSpPr>
-        <p:spPr/>
-        <p:txBody>
-          <a:bodyPr>
-            <a:normAutofit/>
-          </a:bodyPr>
-          <a:lstStyle/>
-          <a:p>
-            <a:r>
-              <a:rPr lang="en-US" dirty="0"/>
-              <a:t>Idempotent	</a:t>
-            </a:r>
-          </a:p>
-        </p:txBody>
-      </p:sp>
-      <p:sp>
-        <p:nvSpPr>
-          <p:cNvPr id="3" name="Content Placeholder 2">
-            <a:extLst>
-              <a:ext uri="{FF2B5EF4-FFF2-40B4-BE49-F238E27FC236}">
-                <a16:creationId xmlns:a16="http://schemas.microsoft.com/office/drawing/2014/main" id="{1CBA1C16-A4D9-4D92-9419-FC8A5E7E3A5D}"/>
-              </a:ext>
-            </a:extLst>
-          </p:cNvPr>
-          <p:cNvSpPr>
-            <a:spLocks noGrp="1"/>
-          </p:cNvSpPr>
-          <p:nvPr>
-            <p:ph idx="1"/>
-          </p:nvPr>
-        </p:nvSpPr>
-        <p:spPr/>
-        <p:txBody>
-          <a:bodyPr anchor="ctr"/>
-          <a:lstStyle/>
-          <a:p>
-            <a:pPr marL="0" indent="0">
-              <a:buNone/>
-            </a:pPr>
-            <a:r>
-              <a:rPr lang="en-US" i="1" dirty="0"/>
-              <a:t>“Idempotence is the property of certain operations in mathematics and computer science whereby they can be applied multiple times without changing the result beyond the initial application.”</a:t>
-            </a:r>
-          </a:p>
-          <a:p>
-            <a:pPr marL="0" indent="0">
-              <a:buNone/>
-            </a:pPr>
-            <a:r>
-              <a:rPr lang="en-US" i="1" dirty="0"/>
-              <a:t>	- Wikipedia</a:t>
-            </a:r>
-          </a:p>
-        </p:txBody>
-      </p:sp>
-    </p:spTree>
-    <p:extLst>
-      <p:ext uri="{BB962C8B-B14F-4D97-AF65-F5344CB8AC3E}">
-        <p14:creationId xmlns:p14="http://schemas.microsoft.com/office/powerpoint/2010/main" val="1097641107"/>
       </p:ext>
     </p:extLst>
   </p:cSld>

--- a/DSC_SQLServer/Desired State Configuration.pptx
+++ b/DSC_SQLServer/Desired State Configuration.pptx
@@ -15505,7 +15505,7 @@
           <a:p>
             <a:fld id="{2E00AF48-965F-4E24-958A-22D9B1DB6CCE}" type="datetimeFigureOut">
               <a:rPr lang="en-US" smtClean="0"/>
-              <a:t>3/7/2020</a:t>
+              <a:t>7/16/2020</a:t>
             </a:fld>
             <a:endParaRPr lang="en-US"/>
           </a:p>
@@ -17256,6 +17256,15 @@
           <a:p>
             <a:endParaRPr lang="en-US" dirty="0"/>
           </a:p>
+          <a:p>
+            <a:endParaRPr lang="en-US" dirty="0"/>
+          </a:p>
+          <a:p>
+            <a:r>
+              <a:rPr lang="en-US" dirty="0"/>
+              <a:t>Datum - Composite configurations</a:t>
+            </a:r>
+          </a:p>
         </p:txBody>
       </p:sp>
       <p:sp>
@@ -18056,6 +18065,15 @@
             </a:r>
           </a:p>
           <a:p>
+            <a:r>
+              <a:rPr lang="en-US" dirty="0"/>
+              <a:t>7/16/2020 – 1,753</a:t>
+            </a:r>
+          </a:p>
+          <a:p>
+            <a:endParaRPr lang="en-US" dirty="0"/>
+          </a:p>
+          <a:p>
             <a:endParaRPr lang="en-US" dirty="0"/>
           </a:p>
           <a:p>
@@ -18065,7 +18083,7 @@
             </a:r>
             <a:r>
               <a:rPr lang="en-US" dirty="0"/>
-              <a:t> has 34 resources</a:t>
+              <a:t> has 40 resources</a:t>
             </a:r>
           </a:p>
           <a:p>
@@ -18080,6 +18098,63 @@
               <a:rPr lang="en-US" dirty="0"/>
               <a:t> – Microsoft resources but the x means experimental, so although they are probably ok, you need to be a little more careful.</a:t>
             </a:r>
+          </a:p>
+          <a:p>
+            <a:endParaRPr lang="en-US" dirty="0"/>
+          </a:p>
+          <a:p>
+            <a:r>
+              <a:rPr lang="en-US" dirty="0" err="1"/>
+              <a:t>xAzure</a:t>
+            </a:r>
+            <a:r>
+              <a:rPr lang="en-US" dirty="0"/>
+              <a:t> - </a:t>
+            </a:r>
+            <a:r>
+              <a:rPr lang="en-US" sz="1200" b="0" i="0" kern="1200" dirty="0">
+                <a:solidFill>
+                  <a:schemeClr val="tx1"/>
+                </a:solidFill>
+                <a:effectLst/>
+                <a:latin typeface="+mn-lt"/>
+                <a:ea typeface="+mn-ea"/>
+                <a:cs typeface="+mn-cs"/>
+              </a:rPr>
+              <a:t> </a:t>
+            </a:r>
+            <a:r>
+              <a:rPr lang="en-US" sz="1200" b="0" i="0" kern="1200" dirty="0" err="1">
+                <a:solidFill>
+                  <a:schemeClr val="tx1"/>
+                </a:solidFill>
+                <a:effectLst/>
+                <a:latin typeface="+mn-lt"/>
+                <a:ea typeface="+mn-ea"/>
+                <a:cs typeface="+mn-cs"/>
+              </a:rPr>
+              <a:t>depoying</a:t>
+            </a:r>
+            <a:r>
+              <a:rPr lang="en-US" sz="1200" b="0" i="0" kern="1200" dirty="0">
+                <a:solidFill>
+                  <a:schemeClr val="tx1"/>
+                </a:solidFill>
+                <a:effectLst/>
+                <a:latin typeface="+mn-lt"/>
+                <a:ea typeface="+mn-ea"/>
+                <a:cs typeface="+mn-cs"/>
+              </a:rPr>
+              <a:t> virtual machines in Microsoft Azure</a:t>
+            </a:r>
+            <a:endParaRPr lang="en-US" dirty="0"/>
+          </a:p>
+          <a:p>
+            <a:r>
+              <a:rPr lang="en-US" dirty="0" err="1"/>
+              <a:t>xFailOverCluster</a:t>
+            </a:r>
+            <a:endParaRPr lang="en-US" dirty="0"/>
           </a:p>
           <a:p>
             <a:endParaRPr lang="en-US" dirty="0"/>
@@ -20232,7 +20307,7 @@
           <a:p>
             <a:fld id="{5E8DF979-0883-4463-93EB-16071EEBDB0B}" type="datetimeFigureOut">
               <a:rPr lang="en-US" smtClean="0"/>
-              <a:t>3/7/2020</a:t>
+              <a:t>7/16/2020</a:t>
             </a:fld>
             <a:endParaRPr lang="en-US"/>
           </a:p>
@@ -20744,7 +20819,7 @@
             <a:fld id="{48A87A34-81AB-432B-8DAE-1953F412C126}" type="datetimeFigureOut">
               <a:rPr lang="en-US" smtClean="0"/>
               <a:pPr/>
-              <a:t>3/7/2020</a:t>
+              <a:t>7/16/2020</a:t>
             </a:fld>
             <a:endParaRPr lang="en-US" dirty="0"/>
           </a:p>
@@ -28355,7 +28430,7 @@
             <p:ph idx="1"/>
             <p:extLst>
               <p:ext uri="{D42A27DB-BD31-4B8C-83A1-F6EECF244321}">
-                <p14:modId xmlns:p14="http://schemas.microsoft.com/office/powerpoint/2010/main" val="884062214"/>
+                <p14:modId xmlns:p14="http://schemas.microsoft.com/office/powerpoint/2010/main" val="263180177"/>
               </p:ext>
             </p:extLst>
           </p:nvPr>
@@ -28800,7 +28875,7 @@
                     <a:p>
                       <a:r>
                         <a:rPr lang="en-US" sz="2200" dirty="0" err="1"/>
-                        <a:t>SqlServerConfiguration</a:t>
+                        <a:t>SqlConfiguration</a:t>
                       </a:r>
                       <a:endParaRPr lang="en-US" sz="2200" dirty="0"/>
                     </a:p>

--- a/DSC_SQLServer/Desired State Configuration.pptx
+++ b/DSC_SQLServer/Desired State Configuration.pptx
@@ -8,16 +8,16 @@
     <p:notesMasterId r:id="rId39"/>
   </p:notesMasterIdLst>
   <p:sldIdLst>
-    <p:sldId id="320" r:id="rId2"/>
-    <p:sldId id="256" r:id="rId3"/>
-    <p:sldId id="305" r:id="rId4"/>
-    <p:sldId id="302" r:id="rId5"/>
-    <p:sldId id="306" r:id="rId6"/>
-    <p:sldId id="277" r:id="rId7"/>
-    <p:sldId id="260" r:id="rId8"/>
-    <p:sldId id="269" r:id="rId9"/>
-    <p:sldId id="307" r:id="rId10"/>
-    <p:sldId id="268" r:id="rId11"/>
+    <p:sldId id="256" r:id="rId2"/>
+    <p:sldId id="305" r:id="rId3"/>
+    <p:sldId id="302" r:id="rId4"/>
+    <p:sldId id="306" r:id="rId5"/>
+    <p:sldId id="277" r:id="rId6"/>
+    <p:sldId id="260" r:id="rId7"/>
+    <p:sldId id="269" r:id="rId8"/>
+    <p:sldId id="307" r:id="rId9"/>
+    <p:sldId id="268" r:id="rId10"/>
+    <p:sldId id="320" r:id="rId11"/>
     <p:sldId id="261" r:id="rId12"/>
     <p:sldId id="267" r:id="rId13"/>
     <p:sldId id="259" r:id="rId14"/>
@@ -25,26 +25,26 @@
     <p:sldId id="276" r:id="rId16"/>
     <p:sldId id="278" r:id="rId17"/>
     <p:sldId id="279" r:id="rId18"/>
-    <p:sldId id="270" r:id="rId19"/>
-    <p:sldId id="263" r:id="rId20"/>
-    <p:sldId id="275" r:id="rId21"/>
-    <p:sldId id="274" r:id="rId22"/>
-    <p:sldId id="271" r:id="rId23"/>
-    <p:sldId id="262" r:id="rId24"/>
-    <p:sldId id="265" r:id="rId25"/>
-    <p:sldId id="280" r:id="rId26"/>
-    <p:sldId id="272" r:id="rId27"/>
-    <p:sldId id="282" r:id="rId28"/>
-    <p:sldId id="281" r:id="rId29"/>
-    <p:sldId id="273" r:id="rId30"/>
-    <p:sldId id="284" r:id="rId31"/>
-    <p:sldId id="283" r:id="rId32"/>
-    <p:sldId id="303" r:id="rId33"/>
-    <p:sldId id="285" r:id="rId34"/>
-    <p:sldId id="300" r:id="rId35"/>
-    <p:sldId id="318" r:id="rId36"/>
-    <p:sldId id="319" r:id="rId37"/>
-    <p:sldId id="312" r:id="rId38"/>
+    <p:sldId id="321" r:id="rId19"/>
+    <p:sldId id="322" r:id="rId20"/>
+    <p:sldId id="270" r:id="rId21"/>
+    <p:sldId id="263" r:id="rId22"/>
+    <p:sldId id="275" r:id="rId23"/>
+    <p:sldId id="274" r:id="rId24"/>
+    <p:sldId id="271" r:id="rId25"/>
+    <p:sldId id="262" r:id="rId26"/>
+    <p:sldId id="265" r:id="rId27"/>
+    <p:sldId id="280" r:id="rId28"/>
+    <p:sldId id="272" r:id="rId29"/>
+    <p:sldId id="282" r:id="rId30"/>
+    <p:sldId id="281" r:id="rId31"/>
+    <p:sldId id="273" r:id="rId32"/>
+    <p:sldId id="284" r:id="rId33"/>
+    <p:sldId id="283" r:id="rId34"/>
+    <p:sldId id="303" r:id="rId35"/>
+    <p:sldId id="285" r:id="rId36"/>
+    <p:sldId id="323" r:id="rId37"/>
+    <p:sldId id="300" r:id="rId38"/>
   </p:sldIdLst>
   <p:sldSz cx="12192000" cy="6858000"/>
   <p:notesSz cx="6858000" cy="9144000"/>
@@ -5160,7 +5160,7 @@
         <a:p>
           <a:r>
             <a:rPr lang="en-US" dirty="0" err="1"/>
-            <a:t>xActiveDirectory</a:t>
+            <a:t>SecurityPolicyDsc</a:t>
           </a:r>
           <a:endParaRPr lang="en-US" dirty="0"/>
         </a:p>
@@ -5196,8 +5196,8 @@
         <a:lstStyle/>
         <a:p>
           <a:r>
-            <a:rPr lang="en-US" dirty="0" err="1"/>
-            <a:t>xADComputer</a:t>
+            <a:rPr lang="en-US"/>
+            <a:t>AccountPolicy</a:t>
           </a:r>
           <a:endParaRPr lang="en-US" dirty="0"/>
         </a:p>
@@ -5703,191 +5703,6 @@
         </a:p>
       </dgm:t>
     </dgm:pt>
-    <dgm:pt modelId="{46F57718-11A0-40D2-B8DC-2723FE928CCD}">
-      <dgm:prSet phldrT="[Text]"/>
-      <dgm:spPr/>
-      <dgm:t>
-        <a:bodyPr/>
-        <a:lstStyle/>
-        <a:p>
-          <a:r>
-            <a:rPr lang="en-US" dirty="0" err="1"/>
-            <a:t>xADDomain</a:t>
-          </a:r>
-          <a:endParaRPr lang="en-US" dirty="0"/>
-        </a:p>
-      </dgm:t>
-    </dgm:pt>
-    <dgm:pt modelId="{AC59BC08-BD97-463E-B54A-023D57F0643F}" type="parTrans" cxnId="{A53D11AB-F460-41C5-862A-644501A92117}">
-      <dgm:prSet/>
-      <dgm:spPr/>
-      <dgm:t>
-        <a:bodyPr/>
-        <a:lstStyle/>
-        <a:p>
-          <a:endParaRPr lang="en-US"/>
-        </a:p>
-      </dgm:t>
-    </dgm:pt>
-    <dgm:pt modelId="{FB2F5415-F549-4BE6-8B6C-D2777F04CE12}" type="sibTrans" cxnId="{A53D11AB-F460-41C5-862A-644501A92117}">
-      <dgm:prSet/>
-      <dgm:spPr/>
-      <dgm:t>
-        <a:bodyPr/>
-        <a:lstStyle/>
-        <a:p>
-          <a:endParaRPr lang="en-US"/>
-        </a:p>
-      </dgm:t>
-    </dgm:pt>
-    <dgm:pt modelId="{A8BDDCA6-AE22-4364-923B-C5A53F7068EB}">
-      <dgm:prSet phldrT="[Text]"/>
-      <dgm:spPr/>
-      <dgm:t>
-        <a:bodyPr/>
-        <a:lstStyle/>
-        <a:p>
-          <a:r>
-            <a:rPr lang="en-US" dirty="0" err="1"/>
-            <a:t>xADGroup</a:t>
-          </a:r>
-          <a:endParaRPr lang="en-US" dirty="0"/>
-        </a:p>
-      </dgm:t>
-    </dgm:pt>
-    <dgm:pt modelId="{124C0EA1-BEFE-4C1A-BD6F-BA78D4D89366}" type="parTrans" cxnId="{84BED295-D57F-4BCD-9600-A0F5A3CE279F}">
-      <dgm:prSet/>
-      <dgm:spPr/>
-      <dgm:t>
-        <a:bodyPr/>
-        <a:lstStyle/>
-        <a:p>
-          <a:endParaRPr lang="en-US"/>
-        </a:p>
-      </dgm:t>
-    </dgm:pt>
-    <dgm:pt modelId="{E9FECDA4-FD56-4B48-A77B-917561F681D8}" type="sibTrans" cxnId="{84BED295-D57F-4BCD-9600-A0F5A3CE279F}">
-      <dgm:prSet/>
-      <dgm:spPr/>
-      <dgm:t>
-        <a:bodyPr/>
-        <a:lstStyle/>
-        <a:p>
-          <a:endParaRPr lang="en-US"/>
-        </a:p>
-      </dgm:t>
-    </dgm:pt>
-    <dgm:pt modelId="{6C29DB36-97E6-4920-967D-61B1FE580B65}">
-      <dgm:prSet phldrT="[Text]"/>
-      <dgm:spPr/>
-      <dgm:t>
-        <a:bodyPr/>
-        <a:lstStyle/>
-        <a:p>
-          <a:r>
-            <a:rPr lang="en-US" dirty="0" err="1"/>
-            <a:t>xADUser</a:t>
-          </a:r>
-          <a:endParaRPr lang="en-US" dirty="0"/>
-        </a:p>
-      </dgm:t>
-    </dgm:pt>
-    <dgm:pt modelId="{ACE16C41-681C-4F49-8922-EC94AE1E9C09}" type="parTrans" cxnId="{F2849611-121A-48C8-8CB7-9A4A6DB33F15}">
-      <dgm:prSet/>
-      <dgm:spPr/>
-      <dgm:t>
-        <a:bodyPr/>
-        <a:lstStyle/>
-        <a:p>
-          <a:endParaRPr lang="en-US"/>
-        </a:p>
-      </dgm:t>
-    </dgm:pt>
-    <dgm:pt modelId="{3BC43B73-09A7-42CC-BB46-951CA835288A}" type="sibTrans" cxnId="{F2849611-121A-48C8-8CB7-9A4A6DB33F15}">
-      <dgm:prSet/>
-      <dgm:spPr/>
-      <dgm:t>
-        <a:bodyPr/>
-        <a:lstStyle/>
-        <a:p>
-          <a:endParaRPr lang="en-US"/>
-        </a:p>
-      </dgm:t>
-    </dgm:pt>
-    <dgm:pt modelId="{A6873D1E-6A4B-4CF3-89CC-269D94E7B999}">
-      <dgm:prSet phldrT="[Text]"/>
-      <dgm:spPr/>
-      <dgm:t>
-        <a:bodyPr/>
-        <a:lstStyle/>
-        <a:p>
-          <a:r>
-            <a:rPr lang="en-US" dirty="0" err="1"/>
-            <a:t>xADServicePrincipalName</a:t>
-          </a:r>
-          <a:endParaRPr lang="en-US" dirty="0"/>
-        </a:p>
-      </dgm:t>
-    </dgm:pt>
-    <dgm:pt modelId="{A8295F3B-0ED2-4206-B966-E770F410254B}" type="parTrans" cxnId="{E1FA5C33-B4E4-49C2-A108-E46062477322}">
-      <dgm:prSet/>
-      <dgm:spPr/>
-      <dgm:t>
-        <a:bodyPr/>
-        <a:lstStyle/>
-        <a:p>
-          <a:endParaRPr lang="en-US"/>
-        </a:p>
-      </dgm:t>
-    </dgm:pt>
-    <dgm:pt modelId="{01D6C0E7-94AB-4605-899A-661A25D26285}" type="sibTrans" cxnId="{E1FA5C33-B4E4-49C2-A108-E46062477322}">
-      <dgm:prSet/>
-      <dgm:spPr/>
-      <dgm:t>
-        <a:bodyPr/>
-        <a:lstStyle/>
-        <a:p>
-          <a:endParaRPr lang="en-US"/>
-        </a:p>
-      </dgm:t>
-    </dgm:pt>
-    <dgm:pt modelId="{D6191AB6-DBF4-4A27-8359-0E2E3D66F58E}">
-      <dgm:prSet phldrT="[Text]"/>
-      <dgm:spPr/>
-      <dgm:t>
-        <a:bodyPr/>
-        <a:lstStyle/>
-        <a:p>
-          <a:r>
-            <a:rPr lang="en-US" dirty="0" err="1"/>
-            <a:t>xADOrganizationalUnit</a:t>
-          </a:r>
-          <a:endParaRPr lang="en-US" dirty="0"/>
-        </a:p>
-      </dgm:t>
-    </dgm:pt>
-    <dgm:pt modelId="{A8648976-9EE4-4AEE-8B66-3049239B1677}" type="parTrans" cxnId="{BC077DEC-3517-4389-8ADF-59F96A5FEAB4}">
-      <dgm:prSet/>
-      <dgm:spPr/>
-      <dgm:t>
-        <a:bodyPr/>
-        <a:lstStyle/>
-        <a:p>
-          <a:endParaRPr lang="en-US"/>
-        </a:p>
-      </dgm:t>
-    </dgm:pt>
-    <dgm:pt modelId="{90EE66EF-7F1D-4853-8440-9A2873B67674}" type="sibTrans" cxnId="{BC077DEC-3517-4389-8ADF-59F96A5FEAB4}">
-      <dgm:prSet/>
-      <dgm:spPr/>
-      <dgm:t>
-        <a:bodyPr/>
-        <a:lstStyle/>
-        <a:p>
-          <a:endParaRPr lang="en-US"/>
-        </a:p>
-      </dgm:t>
-    </dgm:pt>
     <dgm:pt modelId="{A3711A8F-378E-4A3D-AEF3-7BFA5417E3FF}">
       <dgm:prSet phldrT="[Text]"/>
       <dgm:spPr/>
@@ -5921,6 +5736,117 @@
         <a:lstStyle/>
         <a:p>
           <a:endParaRPr lang="en-US"/>
+        </a:p>
+      </dgm:t>
+    </dgm:pt>
+    <dgm:pt modelId="{8E706300-A373-4E43-BB2F-C205C272D1C8}">
+      <dgm:prSet/>
+      <dgm:spPr/>
+      <dgm:t>
+        <a:bodyPr/>
+        <a:lstStyle/>
+        <a:p>
+          <a:r>
+            <a:rPr lang="en-US"/>
+            <a:t>SecurityOption</a:t>
+          </a:r>
+          <a:endParaRPr lang="en-US" dirty="0"/>
+        </a:p>
+      </dgm:t>
+    </dgm:pt>
+    <dgm:pt modelId="{B7454AB6-06C3-4BEE-889C-7362360138F4}" type="parTrans" cxnId="{00969C6D-9FDB-4DD7-8CDF-BBF81719C11E}">
+      <dgm:prSet/>
+      <dgm:spPr/>
+      <dgm:t>
+        <a:bodyPr/>
+        <a:lstStyle/>
+        <a:p>
+          <a:endParaRPr lang="en-GB"/>
+        </a:p>
+      </dgm:t>
+    </dgm:pt>
+    <dgm:pt modelId="{7DFBB3DC-4662-4B89-9A64-7BEE688C1741}" type="sibTrans" cxnId="{00969C6D-9FDB-4DD7-8CDF-BBF81719C11E}">
+      <dgm:prSet/>
+      <dgm:spPr/>
+      <dgm:t>
+        <a:bodyPr/>
+        <a:lstStyle/>
+        <a:p>
+          <a:endParaRPr lang="en-GB"/>
+        </a:p>
+      </dgm:t>
+    </dgm:pt>
+    <dgm:pt modelId="{7CF66C4F-53D1-449F-BCF0-D1F94F1DE294}">
+      <dgm:prSet/>
+      <dgm:spPr/>
+      <dgm:t>
+        <a:bodyPr/>
+        <a:lstStyle/>
+        <a:p>
+          <a:r>
+            <a:rPr lang="en-US"/>
+            <a:t>SecurityTemplate</a:t>
+          </a:r>
+          <a:endParaRPr lang="en-US" dirty="0"/>
+        </a:p>
+      </dgm:t>
+    </dgm:pt>
+    <dgm:pt modelId="{682623BC-5223-4AC9-B8D8-E9000109E122}" type="parTrans" cxnId="{3A994DBB-FE5C-445B-850A-9BD6A58583CF}">
+      <dgm:prSet/>
+      <dgm:spPr/>
+      <dgm:t>
+        <a:bodyPr/>
+        <a:lstStyle/>
+        <a:p>
+          <a:endParaRPr lang="en-GB"/>
+        </a:p>
+      </dgm:t>
+    </dgm:pt>
+    <dgm:pt modelId="{BE241FB4-6CF1-4A09-9618-A233DBD884FF}" type="sibTrans" cxnId="{3A994DBB-FE5C-445B-850A-9BD6A58583CF}">
+      <dgm:prSet/>
+      <dgm:spPr/>
+      <dgm:t>
+        <a:bodyPr/>
+        <a:lstStyle/>
+        <a:p>
+          <a:endParaRPr lang="en-GB"/>
+        </a:p>
+      </dgm:t>
+    </dgm:pt>
+    <dgm:pt modelId="{494172A0-508E-4AB2-A996-7554299A768E}">
+      <dgm:prSet/>
+      <dgm:spPr/>
+      <dgm:t>
+        <a:bodyPr/>
+        <a:lstStyle/>
+        <a:p>
+          <a:r>
+            <a:rPr lang="en-US" dirty="0" err="1"/>
+            <a:t>UserRightsAssignment</a:t>
+          </a:r>
+          <a:endParaRPr lang="en-US" dirty="0"/>
+        </a:p>
+      </dgm:t>
+    </dgm:pt>
+    <dgm:pt modelId="{D63D25AE-EA0F-4148-AB40-A93FDE7A11FA}" type="parTrans" cxnId="{D53628F5-2BCF-4A11-8F3F-E2867AE66BC7}">
+      <dgm:prSet/>
+      <dgm:spPr/>
+      <dgm:t>
+        <a:bodyPr/>
+        <a:lstStyle/>
+        <a:p>
+          <a:endParaRPr lang="en-GB"/>
+        </a:p>
+      </dgm:t>
+    </dgm:pt>
+    <dgm:pt modelId="{B9FC3011-7D2F-4EB2-86A4-83F542B2D174}" type="sibTrans" cxnId="{D53628F5-2BCF-4A11-8F3F-E2867AE66BC7}">
+      <dgm:prSet/>
+      <dgm:spPr/>
+      <dgm:t>
+        <a:bodyPr/>
+        <a:lstStyle/>
+        <a:p>
+          <a:endParaRPr lang="en-GB"/>
         </a:p>
       </dgm:t>
     </dgm:pt>
@@ -6012,40 +5938,37 @@
   <dgm:cxnLst>
     <dgm:cxn modelId="{F97CC101-EFB2-4C6C-BE89-0F8071F1824A}" type="presOf" srcId="{F8923D3A-6AE9-4B10-87D4-79CD16778B39}" destId="{4A1A7AD2-FEE1-40F3-B198-8A6A63046FAC}" srcOrd="0" destOrd="2" presId="urn:microsoft.com/office/officeart/2005/8/layout/hList1"/>
     <dgm:cxn modelId="{87042E0D-767B-4DD5-8E1A-B30DE02C11A5}" type="presOf" srcId="{30BB4ACE-7FE7-41E9-B050-1A698A1EE42B}" destId="{D985D2F3-CC04-4BF6-B90F-0DC81AF64081}" srcOrd="0" destOrd="3" presId="urn:microsoft.com/office/officeart/2005/8/layout/hList1"/>
-    <dgm:cxn modelId="{F2849611-121A-48C8-8CB7-9A4A6DB33F15}" srcId="{194C361B-00D8-4850-A2B0-D13E82DBEF3E}" destId="{6C29DB36-97E6-4920-967D-61B1FE580B65}" srcOrd="5" destOrd="0" parTransId="{ACE16C41-681C-4F49-8922-EC94AE1E9C09}" sibTransId="{3BC43B73-09A7-42CC-BB46-951CA835288A}"/>
     <dgm:cxn modelId="{140C0A12-7BA2-4544-ABCA-2FF6BD10091D}" srcId="{A5853751-BF6F-42AF-B3E6-409DB6291370}" destId="{96E3AC61-94D5-4764-9E71-A2201FCB7ABF}" srcOrd="4" destOrd="0" parTransId="{A3AB4B22-87F7-4D6D-90A1-8BF9E94E3599}" sibTransId="{46413E01-8AB9-4981-B662-C2A6325A4E7F}"/>
     <dgm:cxn modelId="{3D909E17-94AA-406C-B981-8718E48E2091}" type="presOf" srcId="{194C361B-00D8-4850-A2B0-D13E82DBEF3E}" destId="{A803A6CB-4ACE-4ED5-A169-CE5708D60913}" srcOrd="0" destOrd="0" presId="urn:microsoft.com/office/officeart/2005/8/layout/hList1"/>
     <dgm:cxn modelId="{6C2D571C-CC0F-4C75-8A09-1191BFC34B12}" type="presOf" srcId="{B16F7569-FB58-4ACE-B904-83D1BCEF5ED4}" destId="{4A1A7AD2-FEE1-40F3-B198-8A6A63046FAC}" srcOrd="0" destOrd="3" presId="urn:microsoft.com/office/officeart/2005/8/layout/hList1"/>
+    <dgm:cxn modelId="{36D1621E-E58B-461D-B1EA-BE6FB76D4C60}" type="presOf" srcId="{7CF66C4F-53D1-449F-BCF0-D1F94F1DE294}" destId="{527BC767-0F5C-4C85-BEF2-AE76972F6B20}" srcOrd="0" destOrd="2" presId="urn:microsoft.com/office/officeart/2005/8/layout/hList1"/>
     <dgm:cxn modelId="{EF7A2C20-B8D5-4589-A10D-1C2BF1F0EB84}" srcId="{A5853751-BF6F-42AF-B3E6-409DB6291370}" destId="{CB3BDD3E-5386-4C81-998D-62B428CA7BEA}" srcOrd="7" destOrd="0" parTransId="{3978CB04-7E87-43C8-A0A2-1A4B598E7BFE}" sibTransId="{8F0DC25D-C41A-4283-B093-8F07BC9E6334}"/>
     <dgm:cxn modelId="{ACE2B520-DE2D-470A-8712-6B62F0A1BC02}" srcId="{A5853751-BF6F-42AF-B3E6-409DB6291370}" destId="{30BB4ACE-7FE7-41E9-B050-1A698A1EE42B}" srcOrd="3" destOrd="0" parTransId="{CF517F0F-7C12-440C-88C9-919569AF80FB}" sibTransId="{F99A7845-1DAA-422E-BC2E-656BBF044F1D}"/>
     <dgm:cxn modelId="{CD770723-48D8-4C4D-962C-4957FF8ECCE9}" srcId="{AA160A58-AC93-4685-9940-6DC86F55C832}" destId="{94AA26F9-BF9B-423B-9C19-D09F9BF9B0C5}" srcOrd="1" destOrd="0" parTransId="{96CA5909-AC6A-4BD6-BC02-0E7E78E1D361}" sibTransId="{E8573808-6959-426E-A445-7659D2BB2976}"/>
     <dgm:cxn modelId="{D9B73D2A-1F8A-4506-9371-4B347FBD363F}" srcId="{3391A03E-DE5B-435C-8CF0-3C872D11D53E}" destId="{AA160A58-AC93-4685-9940-6DC86F55C832}" srcOrd="1" destOrd="0" parTransId="{15C11B09-40E6-466B-B2D5-FB600D160CA1}" sibTransId="{A7EAD7AE-265E-41F8-A1E2-319A4335F546}"/>
     <dgm:cxn modelId="{1A01072D-B25F-4F41-A63B-DFFDFEB150FD}" type="presOf" srcId="{2F04BFCF-B711-4FDE-B76C-16D56D1BBC29}" destId="{D985D2F3-CC04-4BF6-B90F-0DC81AF64081}" srcOrd="0" destOrd="5" presId="urn:microsoft.com/office/officeart/2005/8/layout/hList1"/>
-    <dgm:cxn modelId="{9135BC2F-039A-41F5-9EB1-4754897B843D}" type="presOf" srcId="{46F57718-11A0-40D2-B8DC-2723FE928CCD}" destId="{527BC767-0F5C-4C85-BEF2-AE76972F6B20}" srcOrd="0" destOrd="1" presId="urn:microsoft.com/office/officeart/2005/8/layout/hList1"/>
+    <dgm:cxn modelId="{A05B0730-54AE-4210-8CD7-F44D58DD352C}" type="presOf" srcId="{494172A0-508E-4AB2-A996-7554299A768E}" destId="{527BC767-0F5C-4C85-BEF2-AE76972F6B20}" srcOrd="0" destOrd="3" presId="urn:microsoft.com/office/officeart/2005/8/layout/hList1"/>
     <dgm:cxn modelId="{F9653433-3F7C-4792-BA86-59EDCA304D8D}" type="presOf" srcId="{DDA32F8A-1C1C-44CD-B4AC-5F3CDF71AF7C}" destId="{D985D2F3-CC04-4BF6-B90F-0DC81AF64081}" srcOrd="0" destOrd="0" presId="urn:microsoft.com/office/officeart/2005/8/layout/hList1"/>
-    <dgm:cxn modelId="{E1FA5C33-B4E4-49C2-A108-E46062477322}" srcId="{194C361B-00D8-4850-A2B0-D13E82DBEF3E}" destId="{A6873D1E-6A4B-4CF3-89CC-269D94E7B999}" srcOrd="4" destOrd="0" parTransId="{A8295F3B-0ED2-4206-B966-E770F410254B}" sibTransId="{01D6C0E7-94AB-4605-899A-661A25D26285}"/>
     <dgm:cxn modelId="{A32EB533-39F6-44F8-A748-3680CB3BFE4A}" type="presOf" srcId="{AA160A58-AC93-4685-9940-6DC86F55C832}" destId="{0D600D80-E393-4CFE-9897-B56B0545AAC3}" srcOrd="0" destOrd="0" presId="urn:microsoft.com/office/officeart/2005/8/layout/hList1"/>
-    <dgm:cxn modelId="{A4ABA034-A690-4C82-9C85-36795FAF0122}" type="presOf" srcId="{A6873D1E-6A4B-4CF3-89CC-269D94E7B999}" destId="{527BC767-0F5C-4C85-BEF2-AE76972F6B20}" srcOrd="0" destOrd="4" presId="urn:microsoft.com/office/officeart/2005/8/layout/hList1"/>
     <dgm:cxn modelId="{C8EB463B-1E3E-475E-B98C-12F612FF5315}" srcId="{AA160A58-AC93-4685-9940-6DC86F55C832}" destId="{F8923D3A-6AE9-4B10-87D4-79CD16778B39}" srcOrd="2" destOrd="0" parTransId="{8AD892C4-D315-4C0C-8E49-AEB37B94D54F}" sibTransId="{E73455CA-8E7E-413B-872F-7ED6C9517EA9}"/>
     <dgm:cxn modelId="{70425A5B-A674-46ED-90FB-B5A006AE9D98}" srcId="{AA160A58-AC93-4685-9940-6DC86F55C832}" destId="{B16F7569-FB58-4ACE-B904-83D1BCEF5ED4}" srcOrd="3" destOrd="0" parTransId="{2BF25ED6-3F0B-4532-BE30-605E5FDC52B1}" sibTransId="{65BD340A-0184-485D-BB87-04BB479D2DCB}"/>
     <dgm:cxn modelId="{7FBFB563-2ED9-4160-874A-FFF7D5CF12C6}" type="presOf" srcId="{C156869F-F3DD-4AD3-9132-1163C6E9A3D9}" destId="{4A1A7AD2-FEE1-40F3-B198-8A6A63046FAC}" srcOrd="0" destOrd="5" presId="urn:microsoft.com/office/officeart/2005/8/layout/hList1"/>
     <dgm:cxn modelId="{F7B7FE47-7BB8-46D8-A563-396FB0D59783}" srcId="{AA160A58-AC93-4685-9940-6DC86F55C832}" destId="{74ACE6E1-131F-41F5-9DAA-5B0CA887A0A8}" srcOrd="0" destOrd="0" parTransId="{F4119EBB-6CA4-4543-8147-324C7AF1DFF7}" sibTransId="{57B87380-17B6-4D67-AE76-FBEF02AEE829}"/>
     <dgm:cxn modelId="{1FFD2E68-5B50-467D-AC0B-DD5D1F25A9D3}" srcId="{AA160A58-AC93-4685-9940-6DC86F55C832}" destId="{A6428959-CE88-4844-A15A-66E63CBAF2D4}" srcOrd="4" destOrd="0" parTransId="{59160983-4D15-4A61-855A-907BC90EACBD}" sibTransId="{3D3EF6C7-632F-4E60-B791-74ECC4D465FB}"/>
     <dgm:cxn modelId="{31CB616B-7F2D-4C70-9B9D-BDEAE565D5CE}" srcId="{3391A03E-DE5B-435C-8CF0-3C872D11D53E}" destId="{194C361B-00D8-4850-A2B0-D13E82DBEF3E}" srcOrd="2" destOrd="0" parTransId="{838692DF-C606-485F-AD37-17D41623DA62}" sibTransId="{0A1F75B8-C0C1-420D-9DE0-455F6A6FA580}"/>
-    <dgm:cxn modelId="{F3509A59-19F5-453B-B3A0-036881606BB9}" type="presOf" srcId="{D6191AB6-DBF4-4A27-8359-0E2E3D66F58E}" destId="{527BC767-0F5C-4C85-BEF2-AE76972F6B20}" srcOrd="0" destOrd="3" presId="urn:microsoft.com/office/officeart/2005/8/layout/hList1"/>
+    <dgm:cxn modelId="{00969C6D-9FDB-4DD7-8CDF-BBF81719C11E}" srcId="{194C361B-00D8-4850-A2B0-D13E82DBEF3E}" destId="{8E706300-A373-4E43-BB2F-C205C272D1C8}" srcOrd="1" destOrd="0" parTransId="{B7454AB6-06C3-4BEE-889C-7362360138F4}" sibTransId="{7DFBB3DC-4662-4B89-9A64-7BEE688C1741}"/>
     <dgm:cxn modelId="{C5AB8F81-2F2D-4F29-A5C7-D92D7BE4F5D9}" srcId="{194C361B-00D8-4850-A2B0-D13E82DBEF3E}" destId="{2DF1D044-E39C-4D7B-8A8E-7750948967DD}" srcOrd="0" destOrd="0" parTransId="{BAC009AE-6A59-4CF6-8FD3-A0518FE81DB6}" sibTransId="{B227227F-ACA4-4997-AB46-09183552A804}"/>
+    <dgm:cxn modelId="{BFA8B584-E4AF-451B-87E4-422D7C78B76D}" type="presOf" srcId="{8E706300-A373-4E43-BB2F-C205C272D1C8}" destId="{527BC767-0F5C-4C85-BEF2-AE76972F6B20}" srcOrd="0" destOrd="1" presId="urn:microsoft.com/office/officeart/2005/8/layout/hList1"/>
     <dgm:cxn modelId="{CB652E8B-4AFE-4C7A-B1BD-5C2E4ADB7947}" type="presOf" srcId="{3391A03E-DE5B-435C-8CF0-3C872D11D53E}" destId="{59A883F9-AB24-420D-BA1B-7B090E4EDBA5}" srcOrd="0" destOrd="0" presId="urn:microsoft.com/office/officeart/2005/8/layout/hList1"/>
     <dgm:cxn modelId="{28D54A8C-38AF-4ADA-8A9A-D4111B2D122B}" type="presOf" srcId="{CB3BDD3E-5386-4C81-998D-62B428CA7BEA}" destId="{D985D2F3-CC04-4BF6-B90F-0DC81AF64081}" srcOrd="0" destOrd="7" presId="urn:microsoft.com/office/officeart/2005/8/layout/hList1"/>
     <dgm:cxn modelId="{EC07F18C-A138-4D1D-A07E-94F80D0F1525}" type="presOf" srcId="{D21AF67E-289F-4FAD-B55E-037C1E96E2B6}" destId="{D985D2F3-CC04-4BF6-B90F-0DC81AF64081}" srcOrd="0" destOrd="1" presId="urn:microsoft.com/office/officeart/2005/8/layout/hList1"/>
-    <dgm:cxn modelId="{84BED295-D57F-4BCD-9600-A0F5A3CE279F}" srcId="{194C361B-00D8-4850-A2B0-D13E82DBEF3E}" destId="{A8BDDCA6-AE22-4364-923B-C5A53F7068EB}" srcOrd="2" destOrd="0" parTransId="{124C0EA1-BEFE-4C1A-BD6F-BA78D4D89366}" sibTransId="{E9FECDA4-FD56-4B48-A77B-917561F681D8}"/>
     <dgm:cxn modelId="{B0ADD0A3-BB19-4D03-AA3C-887B93CDB4E5}" srcId="{AA160A58-AC93-4685-9940-6DC86F55C832}" destId="{C156869F-F3DD-4AD3-9132-1163C6E9A3D9}" srcOrd="5" destOrd="0" parTransId="{8C6D88F8-9FB4-420F-A347-49C7244AA9A1}" sibTransId="{0E62EB41-E20B-438E-8020-E9E93BE5CC3C}"/>
     <dgm:cxn modelId="{80601EA5-0D31-4D13-977D-35302FB58EDB}" type="presOf" srcId="{2DF1D044-E39C-4D7B-8A8E-7750948967DD}" destId="{527BC767-0F5C-4C85-BEF2-AE76972F6B20}" srcOrd="0" destOrd="0" presId="urn:microsoft.com/office/officeart/2005/8/layout/hList1"/>
-    <dgm:cxn modelId="{A53D11AB-F460-41C5-862A-644501A92117}" srcId="{194C361B-00D8-4850-A2B0-D13E82DBEF3E}" destId="{46F57718-11A0-40D2-B8DC-2723FE928CCD}" srcOrd="1" destOrd="0" parTransId="{AC59BC08-BD97-463E-B54A-023D57F0643F}" sibTransId="{FB2F5415-F549-4BE6-8B6C-D2777F04CE12}"/>
     <dgm:cxn modelId="{1E6092B0-E932-4A34-AF39-F897654229A1}" type="presOf" srcId="{A3711A8F-378E-4A3D-AEF3-7BFA5417E3FF}" destId="{D985D2F3-CC04-4BF6-B90F-0DC81AF64081}" srcOrd="0" destOrd="2" presId="urn:microsoft.com/office/officeart/2005/8/layout/hList1"/>
     <dgm:cxn modelId="{D8BA9CB0-142F-4F1D-8EA6-5F0FDACAC735}" srcId="{A5853751-BF6F-42AF-B3E6-409DB6291370}" destId="{2F04BFCF-B711-4FDE-B76C-16D56D1BBC29}" srcOrd="5" destOrd="0" parTransId="{DD1A3D70-4D3E-4321-99E6-94D5C5FC0CF4}" sibTransId="{A260D060-16A6-4E86-8728-6B77686E08CE}"/>
     <dgm:cxn modelId="{2AD356B4-834B-4312-9AFE-3795DE0F5C1B}" srcId="{3391A03E-DE5B-435C-8CF0-3C872D11D53E}" destId="{A5853751-BF6F-42AF-B3E6-409DB6291370}" srcOrd="0" destOrd="0" parTransId="{DA0C1B69-BCE6-4D02-B31E-D1A69BDACF81}" sibTransId="{D114790F-8332-441C-BFF5-1AD27893F160}"/>
     <dgm:cxn modelId="{EB2506B6-894E-41A8-9B29-9038CF79E90D}" type="presOf" srcId="{A5853751-BF6F-42AF-B3E6-409DB6291370}" destId="{7E9BC0D6-2D59-4877-826B-FF6838D9D9D3}" srcOrd="0" destOrd="0" presId="urn:microsoft.com/office/officeart/2005/8/layout/hList1"/>
-    <dgm:cxn modelId="{0A2E9ABB-C9F4-403C-9F0A-3EE30B8F8432}" type="presOf" srcId="{A8BDDCA6-AE22-4364-923B-C5A53F7068EB}" destId="{527BC767-0F5C-4C85-BEF2-AE76972F6B20}" srcOrd="0" destOrd="2" presId="urn:microsoft.com/office/officeart/2005/8/layout/hList1"/>
+    <dgm:cxn modelId="{3A994DBB-FE5C-445B-850A-9BD6A58583CF}" srcId="{194C361B-00D8-4850-A2B0-D13E82DBEF3E}" destId="{7CF66C4F-53D1-449F-BCF0-D1F94F1DE294}" srcOrd="2" destOrd="0" parTransId="{682623BC-5223-4AC9-B8D8-E9000109E122}" sibTransId="{BE241FB4-6CF1-4A09-9618-A233DBD884FF}"/>
     <dgm:cxn modelId="{D2D3A6C1-7D46-4B9B-AAA9-80E17E35F429}" type="presOf" srcId="{10E1A1A1-9955-4E9F-8AF0-24C8262916A1}" destId="{4A1A7AD2-FEE1-40F3-B198-8A6A63046FAC}" srcOrd="0" destOrd="7" presId="urn:microsoft.com/office/officeart/2005/8/layout/hList1"/>
     <dgm:cxn modelId="{14E211C5-9425-43A9-8F71-E4166EBB06DC}" type="presOf" srcId="{94AA26F9-BF9B-423B-9C19-D09F9BF9B0C5}" destId="{4A1A7AD2-FEE1-40F3-B198-8A6A63046FAC}" srcOrd="0" destOrd="1" presId="urn:microsoft.com/office/officeart/2005/8/layout/hList1"/>
     <dgm:cxn modelId="{863AA9C9-1254-4B8C-9822-24AC46F5E950}" type="presOf" srcId="{A6428959-CE88-4844-A15A-66E63CBAF2D4}" destId="{4A1A7AD2-FEE1-40F3-B198-8A6A63046FAC}" srcOrd="0" destOrd="4" presId="urn:microsoft.com/office/officeart/2005/8/layout/hList1"/>
@@ -6056,10 +5979,9 @@
     <dgm:cxn modelId="{407537DE-85AA-4B0A-8962-DBE2C8814665}" type="presOf" srcId="{96E3AC61-94D5-4764-9E71-A2201FCB7ABF}" destId="{D985D2F3-CC04-4BF6-B90F-0DC81AF64081}" srcOrd="0" destOrd="4" presId="urn:microsoft.com/office/officeart/2005/8/layout/hList1"/>
     <dgm:cxn modelId="{4824B8E5-D733-4303-B4E6-88842666301E}" srcId="{AA160A58-AC93-4685-9940-6DC86F55C832}" destId="{10E1A1A1-9955-4E9F-8AF0-24C8262916A1}" srcOrd="7" destOrd="0" parTransId="{0FA36991-64B8-4B1D-9777-C920392625C6}" sibTransId="{9FE06444-C715-46B3-8411-FEC0C10BCC3C}"/>
     <dgm:cxn modelId="{FE7C2CE9-B817-47CC-BCB0-FC295542644F}" srcId="{A5853751-BF6F-42AF-B3E6-409DB6291370}" destId="{DDA32F8A-1C1C-44CD-B4AC-5F3CDF71AF7C}" srcOrd="0" destOrd="0" parTransId="{E10403E9-2ADF-4022-BEA1-63D5DFF559EE}" sibTransId="{1CF61FA7-E0BB-4C66-B4C0-921E2B1C9DEE}"/>
-    <dgm:cxn modelId="{6A58B5EA-79FA-4A31-AA6E-86FD6FFB5238}" type="presOf" srcId="{6C29DB36-97E6-4920-967D-61B1FE580B65}" destId="{527BC767-0F5C-4C85-BEF2-AE76972F6B20}" srcOrd="0" destOrd="5" presId="urn:microsoft.com/office/officeart/2005/8/layout/hList1"/>
-    <dgm:cxn modelId="{BC077DEC-3517-4389-8ADF-59F96A5FEAB4}" srcId="{194C361B-00D8-4850-A2B0-D13E82DBEF3E}" destId="{D6191AB6-DBF4-4A27-8359-0E2E3D66F58E}" srcOrd="3" destOrd="0" parTransId="{A8648976-9EE4-4AEE-8B66-3049239B1677}" sibTransId="{90EE66EF-7F1D-4853-8440-9A2873B67674}"/>
     <dgm:cxn modelId="{338BC0ED-7973-4741-A70C-229653C6C901}" type="presOf" srcId="{F1BA2C96-6FCF-4299-AA01-B66CA6FE2C7D}" destId="{D985D2F3-CC04-4BF6-B90F-0DC81AF64081}" srcOrd="0" destOrd="6" presId="urn:microsoft.com/office/officeart/2005/8/layout/hList1"/>
     <dgm:cxn modelId="{3373EEF4-79B9-4A7D-861E-72260E9C77FD}" srcId="{AA160A58-AC93-4685-9940-6DC86F55C832}" destId="{62C2EA05-40FB-4B53-B047-68C834879759}" srcOrd="6" destOrd="0" parTransId="{3B0718B4-13CB-4194-9262-61F4B8F88313}" sibTransId="{87FFD624-DE0E-429B-919F-697BD5694F68}"/>
+    <dgm:cxn modelId="{D53628F5-2BCF-4A11-8F3F-E2867AE66BC7}" srcId="{194C361B-00D8-4850-A2B0-D13E82DBEF3E}" destId="{494172A0-508E-4AB2-A996-7554299A768E}" srcOrd="3" destOrd="0" parTransId="{D63D25AE-EA0F-4148-AB40-A93FDE7A11FA}" sibTransId="{B9FC3011-7D2F-4EB2-86A4-83F542B2D174}"/>
     <dgm:cxn modelId="{F9085AFF-FC5E-476F-A25D-74CF29A630F8}" type="presOf" srcId="{74ACE6E1-131F-41F5-9DAA-5B0CA887A0A8}" destId="{4A1A7AD2-FEE1-40F3-B198-8A6A63046FAC}" srcOrd="0" destOrd="0" presId="urn:microsoft.com/office/officeart/2005/8/layout/hList1"/>
     <dgm:cxn modelId="{D5F4FAB8-10AD-4053-A9EE-F0F52A5E914C}" type="presParOf" srcId="{59A883F9-AB24-420D-BA1B-7B090E4EDBA5}" destId="{3C658929-64A7-4056-BCC8-30032576D0A9}" srcOrd="0" destOrd="0" presId="urn:microsoft.com/office/officeart/2005/8/layout/hList1"/>
     <dgm:cxn modelId="{F0FDCB2C-EB3F-4367-8ADB-0141E5B748DD}" type="presParOf" srcId="{3C658929-64A7-4056-BCC8-30032576D0A9}" destId="{7E9BC0D6-2D59-4877-826B-FF6838D9D9D3}" srcOrd="0" destOrd="0" presId="urn:microsoft.com/office/officeart/2005/8/layout/hList1"/>
@@ -8684,7 +8606,7 @@
           </a:pPr>
           <a:r>
             <a:rPr lang="en-US" sz="1900" kern="1200" dirty="0" err="1"/>
-            <a:t>xActiveDirectory</a:t>
+            <a:t>SecurityPolicyDsc</a:t>
           </a:r>
           <a:endParaRPr lang="en-US" sz="1900" kern="1200" dirty="0"/>
         </a:p>
@@ -8764,8 +8686,46 @@
             <a:buChar char="•"/>
           </a:pPr>
           <a:r>
-            <a:rPr lang="en-US" sz="1900" kern="1200" dirty="0" err="1"/>
-            <a:t>xADComputer</a:t>
+            <a:rPr lang="en-US" sz="1900" kern="1200"/>
+            <a:t>AccountPolicy</a:t>
+          </a:r>
+          <a:endParaRPr lang="en-US" sz="1900" kern="1200" dirty="0"/>
+        </a:p>
+        <a:p>
+          <a:pPr marL="171450" lvl="1" indent="-171450" algn="l" defTabSz="844550">
+            <a:lnSpc>
+              <a:spcPct val="90000"/>
+            </a:lnSpc>
+            <a:spcBef>
+              <a:spcPct val="0"/>
+            </a:spcBef>
+            <a:spcAft>
+              <a:spcPct val="15000"/>
+            </a:spcAft>
+            <a:buChar char="•"/>
+          </a:pPr>
+          <a:r>
+            <a:rPr lang="en-US" sz="1900" kern="1200"/>
+            <a:t>SecurityOption</a:t>
+          </a:r>
+          <a:endParaRPr lang="en-US" sz="1900" kern="1200" dirty="0"/>
+        </a:p>
+        <a:p>
+          <a:pPr marL="171450" lvl="1" indent="-171450" algn="l" defTabSz="844550">
+            <a:lnSpc>
+              <a:spcPct val="90000"/>
+            </a:lnSpc>
+            <a:spcBef>
+              <a:spcPct val="0"/>
+            </a:spcBef>
+            <a:spcAft>
+              <a:spcPct val="15000"/>
+            </a:spcAft>
+            <a:buChar char="•"/>
+          </a:pPr>
+          <a:r>
+            <a:rPr lang="en-US" sz="1900" kern="1200"/>
+            <a:t>SecurityTemplate</a:t>
           </a:r>
           <a:endParaRPr lang="en-US" sz="1900" kern="1200" dirty="0"/>
         </a:p>
@@ -8784,83 +8744,7 @@
           </a:pPr>
           <a:r>
             <a:rPr lang="en-US" sz="1900" kern="1200" dirty="0" err="1"/>
-            <a:t>xADDomain</a:t>
-          </a:r>
-          <a:endParaRPr lang="en-US" sz="1900" kern="1200" dirty="0"/>
-        </a:p>
-        <a:p>
-          <a:pPr marL="171450" lvl="1" indent="-171450" algn="l" defTabSz="844550">
-            <a:lnSpc>
-              <a:spcPct val="90000"/>
-            </a:lnSpc>
-            <a:spcBef>
-              <a:spcPct val="0"/>
-            </a:spcBef>
-            <a:spcAft>
-              <a:spcPct val="15000"/>
-            </a:spcAft>
-            <a:buChar char="•"/>
-          </a:pPr>
-          <a:r>
-            <a:rPr lang="en-US" sz="1900" kern="1200" dirty="0" err="1"/>
-            <a:t>xADGroup</a:t>
-          </a:r>
-          <a:endParaRPr lang="en-US" sz="1900" kern="1200" dirty="0"/>
-        </a:p>
-        <a:p>
-          <a:pPr marL="171450" lvl="1" indent="-171450" algn="l" defTabSz="844550">
-            <a:lnSpc>
-              <a:spcPct val="90000"/>
-            </a:lnSpc>
-            <a:spcBef>
-              <a:spcPct val="0"/>
-            </a:spcBef>
-            <a:spcAft>
-              <a:spcPct val="15000"/>
-            </a:spcAft>
-            <a:buChar char="•"/>
-          </a:pPr>
-          <a:r>
-            <a:rPr lang="en-US" sz="1900" kern="1200" dirty="0" err="1"/>
-            <a:t>xADOrganizationalUnit</a:t>
-          </a:r>
-          <a:endParaRPr lang="en-US" sz="1900" kern="1200" dirty="0"/>
-        </a:p>
-        <a:p>
-          <a:pPr marL="171450" lvl="1" indent="-171450" algn="l" defTabSz="844550">
-            <a:lnSpc>
-              <a:spcPct val="90000"/>
-            </a:lnSpc>
-            <a:spcBef>
-              <a:spcPct val="0"/>
-            </a:spcBef>
-            <a:spcAft>
-              <a:spcPct val="15000"/>
-            </a:spcAft>
-            <a:buChar char="•"/>
-          </a:pPr>
-          <a:r>
-            <a:rPr lang="en-US" sz="1900" kern="1200" dirty="0" err="1"/>
-            <a:t>xADServicePrincipalName</a:t>
-          </a:r>
-          <a:endParaRPr lang="en-US" sz="1900" kern="1200" dirty="0"/>
-        </a:p>
-        <a:p>
-          <a:pPr marL="171450" lvl="1" indent="-171450" algn="l" defTabSz="844550">
-            <a:lnSpc>
-              <a:spcPct val="90000"/>
-            </a:lnSpc>
-            <a:spcBef>
-              <a:spcPct val="0"/>
-            </a:spcBef>
-            <a:spcAft>
-              <a:spcPct val="15000"/>
-            </a:spcAft>
-            <a:buChar char="•"/>
-          </a:pPr>
-          <a:r>
-            <a:rPr lang="en-US" sz="1900" kern="1200" dirty="0" err="1"/>
-            <a:t>xADUser</a:t>
+            <a:t>UserRightsAssignment</a:t>
           </a:r>
           <a:endParaRPr lang="en-US" sz="1900" kern="1200" dirty="0"/>
         </a:p>
@@ -15505,7 +15389,7 @@
           <a:p>
             <a:fld id="{2E00AF48-965F-4E24-958A-22D9B1DB6CCE}" type="datetimeFigureOut">
               <a:rPr lang="en-US" smtClean="0"/>
-              <a:t>7/16/2020</a:t>
+              <a:t>4/15/2021</a:t>
             </a:fld>
             <a:endParaRPr lang="en-US"/>
           </a:p>
@@ -15837,7 +15721,7 @@
           <a:p>
             <a:fld id="{FE065C3E-6590-437D-A330-DEC8E2D2EEDE}" type="slidenum">
               <a:rPr lang="en-US" smtClean="0"/>
-              <a:t>2</a:t>
+              <a:t>1</a:t>
             </a:fld>
             <a:endParaRPr lang="en-US"/>
           </a:p>
@@ -16203,7 +16087,7 @@
           <a:p>
             <a:fld id="{FE065C3E-6590-437D-A330-DEC8E2D2EEDE}" type="slidenum">
               <a:rPr lang="en-US" smtClean="0"/>
-              <a:t>19</a:t>
+              <a:t>21</a:t>
             </a:fld>
             <a:endParaRPr lang="en-US"/>
           </a:p>
@@ -16287,7 +16171,7 @@
           <a:p>
             <a:fld id="{FE065C3E-6590-437D-A330-DEC8E2D2EEDE}" type="slidenum">
               <a:rPr lang="en-US" smtClean="0"/>
-              <a:t>20</a:t>
+              <a:t>22</a:t>
             </a:fld>
             <a:endParaRPr lang="en-US"/>
           </a:p>
@@ -16371,7 +16255,7 @@
           <a:p>
             <a:fld id="{FE065C3E-6590-437D-A330-DEC8E2D2EEDE}" type="slidenum">
               <a:rPr lang="en-US" smtClean="0"/>
-              <a:t>23</a:t>
+              <a:t>25</a:t>
             </a:fld>
             <a:endParaRPr lang="en-US"/>
           </a:p>
@@ -16596,7 +16480,7 @@
           <a:p>
             <a:fld id="{FE065C3E-6590-437D-A330-DEC8E2D2EEDE}" type="slidenum">
               <a:rPr lang="en-US" smtClean="0"/>
-              <a:t>24</a:t>
+              <a:t>26</a:t>
             </a:fld>
             <a:endParaRPr lang="en-US"/>
           </a:p>
@@ -16680,7 +16564,7 @@
           <a:p>
             <a:fld id="{FE065C3E-6590-437D-A330-DEC8E2D2EEDE}" type="slidenum">
               <a:rPr lang="en-US" smtClean="0"/>
-              <a:t>25</a:t>
+              <a:t>27</a:t>
             </a:fld>
             <a:endParaRPr lang="en-US"/>
           </a:p>
@@ -16764,7 +16648,7 @@
           <a:p>
             <a:fld id="{FE065C3E-6590-437D-A330-DEC8E2D2EEDE}" type="slidenum">
               <a:rPr lang="en-US" smtClean="0"/>
-              <a:t>26</a:t>
+              <a:t>28</a:t>
             </a:fld>
             <a:endParaRPr lang="en-US"/>
           </a:p>
@@ -16857,7 +16741,7 @@
           <a:p>
             <a:fld id="{FE065C3E-6590-437D-A330-DEC8E2D2EEDE}" type="slidenum">
               <a:rPr lang="en-US" smtClean="0"/>
-              <a:t>27</a:t>
+              <a:t>29</a:t>
             </a:fld>
             <a:endParaRPr lang="en-US"/>
           </a:p>
@@ -16939,14 +16823,12 @@
           </a:p>
           <a:p>
             <a:r>
+              <a:rPr lang="en-US" dirty="0" err="1"/>
+              <a:t>IaC</a:t>
+            </a:r>
+            <a:r>
               <a:rPr lang="en-US" dirty="0"/>
-              <a:t>Iron age Vs Cloud age</a:t>
-            </a:r>
-          </a:p>
-          <a:p>
-            <a:r>
-              <a:rPr lang="en-US" dirty="0"/>
-              <a:t> - harder to do in Iron ago – physical machines, now with VMs it’s easier</a:t>
+              <a:t> – basically all our infrastructure is described as code – how to build a VM is a file that says VM1 has 2 CPUs, 8GB of RAM, OS, File system layouts, SQL Server is configured with these settings</a:t>
             </a:r>
           </a:p>
           <a:p>
@@ -16961,13 +16843,13 @@
           <a:p>
             <a:r>
               <a:rPr lang="en-US" dirty="0"/>
+              <a:t>  - repeatable</a:t>
+            </a:r>
+          </a:p>
+          <a:p>
+            <a:r>
+              <a:rPr lang="en-US" dirty="0"/>
               <a:t>  - security – minimize permissions needed</a:t>
-            </a:r>
-          </a:p>
-          <a:p>
-            <a:r>
-              <a:rPr lang="en-US" dirty="0"/>
-              <a:t>  - repeatable</a:t>
             </a:r>
           </a:p>
           <a:p>
@@ -17053,7 +16935,7 @@
           <a:p>
             <a:fld id="{FE065C3E-6590-437D-A330-DEC8E2D2EEDE}" type="slidenum">
               <a:rPr lang="en-US" smtClean="0"/>
-              <a:t>5</a:t>
+              <a:t>4</a:t>
             </a:fld>
             <a:endParaRPr lang="en-US"/>
           </a:p>
@@ -17140,7 +17022,7 @@
           <a:p>
             <a:fld id="{FE065C3E-6590-437D-A330-DEC8E2D2EEDE}" type="slidenum">
               <a:rPr lang="en-US" smtClean="0"/>
-              <a:t>28</a:t>
+              <a:t>30</a:t>
             </a:fld>
             <a:endParaRPr lang="en-US"/>
           </a:p>
@@ -17229,6 +17111,28 @@
           <a:p>
             <a:r>
               <a:rPr lang="en-US" dirty="0"/>
+              <a:t>Datum - Composite configurations</a:t>
+            </a:r>
+          </a:p>
+          <a:p>
+            <a:r>
+              <a:rPr lang="en-US" dirty="0" err="1"/>
+              <a:t>DscWorkshop</a:t>
+            </a:r>
+            <a:r>
+              <a:rPr lang="en-US" dirty="0"/>
+              <a:t> – blueprint project using Datum to generate everything you need for push or pull setups</a:t>
+            </a:r>
+          </a:p>
+          <a:p>
+            <a:endParaRPr lang="en-US" dirty="0"/>
+          </a:p>
+          <a:p>
+            <a:endParaRPr lang="en-US" dirty="0"/>
+          </a:p>
+          <a:p>
+            <a:r>
+              <a:rPr lang="en-US" dirty="0"/>
               <a:t>Azure Automation </a:t>
             </a:r>
           </a:p>
@@ -17248,21 +17152,6 @@
             <a:r>
               <a:rPr lang="en-US" dirty="0"/>
               <a:t> - Send reporting data to Azure Monitor Logs</a:t>
-            </a:r>
-          </a:p>
-          <a:p>
-            <a:endParaRPr lang="en-US" dirty="0"/>
-          </a:p>
-          <a:p>
-            <a:endParaRPr lang="en-US" dirty="0"/>
-          </a:p>
-          <a:p>
-            <a:endParaRPr lang="en-US" dirty="0"/>
-          </a:p>
-          <a:p>
-            <a:r>
-              <a:rPr lang="en-US" dirty="0"/>
-              <a:t>Datum - Composite configurations</a:t>
             </a:r>
           </a:p>
         </p:txBody>
@@ -17284,7 +17173,7 @@
           <a:p>
             <a:fld id="{FE065C3E-6590-437D-A330-DEC8E2D2EEDE}" type="slidenum">
               <a:rPr lang="en-US" smtClean="0"/>
-              <a:t>33</a:t>
+              <a:t>35</a:t>
             </a:fld>
             <a:endParaRPr lang="en-US"/>
           </a:p>
@@ -17347,7 +17236,112 @@
           <a:bodyPr/>
           <a:lstStyle/>
           <a:p>
+            <a:r>
+              <a:rPr lang="en-US" dirty="0"/>
+              <a:t>DSC was originally built on top of WMI which means its windows only</a:t>
+            </a:r>
+          </a:p>
+          <a:p>
             <a:endParaRPr lang="en-US" dirty="0"/>
+          </a:p>
+          <a:p>
+            <a:r>
+              <a:rPr lang="en-US" dirty="0"/>
+              <a:t>PowerShell 7.1 – started making it cross platform</a:t>
+            </a:r>
+          </a:p>
+          <a:p>
+            <a:r>
+              <a:rPr lang="en-US" dirty="0"/>
+              <a:t> - Invoke-</a:t>
+            </a:r>
+            <a:r>
+              <a:rPr lang="en-US" dirty="0" err="1"/>
+              <a:t>DscResource</a:t>
+            </a:r>
+            <a:r>
+              <a:rPr lang="en-US" dirty="0"/>
+              <a:t> to directly use resources without the LCM</a:t>
+            </a:r>
+          </a:p>
+          <a:p>
+            <a:r>
+              <a:rPr lang="en-US" dirty="0"/>
+              <a:t> - removing dependency on MOF</a:t>
+            </a:r>
+          </a:p>
+          <a:p>
+            <a:r>
+              <a:rPr lang="en-US" dirty="0"/>
+              <a:t>    - currently there are two </a:t>
+            </a:r>
+            <a:r>
+              <a:rPr lang="en-US" dirty="0" err="1"/>
+              <a:t>dependencys</a:t>
+            </a:r>
+            <a:r>
+              <a:rPr lang="en-US" dirty="0"/>
+              <a:t> </a:t>
+            </a:r>
+          </a:p>
+          <a:p>
+            <a:r>
+              <a:rPr lang="en-US" dirty="0"/>
+              <a:t>        – schema files for script based resources – therefore only will support class based resources</a:t>
+            </a:r>
+          </a:p>
+          <a:p>
+            <a:r>
+              <a:rPr lang="en-US" dirty="0"/>
+              <a:t>        - </a:t>
+            </a:r>
+            <a:r>
+              <a:rPr lang="en-US" dirty="0" err="1"/>
+              <a:t>mof</a:t>
+            </a:r>
+            <a:r>
+              <a:rPr lang="en-US" dirty="0"/>
+              <a:t> file that is delivered to target node and enacted by LCM – no LCM?</a:t>
+            </a:r>
+          </a:p>
+          <a:p>
+            <a:endParaRPr lang="en-US" dirty="0"/>
+          </a:p>
+          <a:p>
+            <a:r>
+              <a:rPr lang="en-US" dirty="0"/>
+              <a:t>Timeline – is listed on the ‘PowerShell Team 2021 Investments’</a:t>
+            </a:r>
+          </a:p>
+          <a:p>
+            <a:r>
+              <a:rPr lang="en-US" dirty="0">
+                <a:hlinkClick r:id="rId3"/>
+              </a:rPr>
+              <a:t>PowerShell Team 2021 Investments | PowerShell Team (microsoft.com)</a:t>
+            </a:r>
+            <a:endParaRPr lang="en-US" dirty="0"/>
+          </a:p>
+          <a:p>
+            <a:endParaRPr lang="en-US" dirty="0"/>
+          </a:p>
+          <a:p>
+            <a:r>
+              <a:rPr lang="en-US" dirty="0"/>
+              <a:t>Windows 2022</a:t>
+            </a:r>
+          </a:p>
+          <a:p>
+            <a:endParaRPr lang="en-US" dirty="0"/>
+          </a:p>
+          <a:p>
+            <a:endParaRPr lang="en-US" dirty="0"/>
+          </a:p>
+          <a:p>
+            <a:endParaRPr lang="en-US" dirty="0"/>
+          </a:p>
+          <a:p>
+            <a:endParaRPr lang="en-GB" dirty="0"/>
           </a:p>
         </p:txBody>
       </p:sp>
@@ -17368,7 +17362,91 @@
           <a:p>
             <a:fld id="{FE065C3E-6590-437D-A330-DEC8E2D2EEDE}" type="slidenum">
               <a:rPr lang="en-US" smtClean="0"/>
-              <a:t>34</a:t>
+              <a:t>36</a:t>
+            </a:fld>
+            <a:endParaRPr lang="en-US"/>
+          </a:p>
+        </p:txBody>
+      </p:sp>
+    </p:spTree>
+    <p:extLst>
+      <p:ext uri="{BB962C8B-B14F-4D97-AF65-F5344CB8AC3E}">
+        <p14:creationId xmlns:p14="http://schemas.microsoft.com/office/powerpoint/2010/main" val="1126441232"/>
+      </p:ext>
+    </p:extLst>
+  </p:cSld>
+  <p:clrMapOvr>
+    <a:masterClrMapping/>
+  </p:clrMapOvr>
+</p:notes>
+</file>
+
+<file path=ppt/notesSlides/notesSlide23.xml><?xml version="1.0" encoding="utf-8"?>
+<p:notes xmlns:a="http://schemas.openxmlformats.org/drawingml/2006/main" xmlns:r="http://schemas.openxmlformats.org/officeDocument/2006/relationships" xmlns:p="http://schemas.openxmlformats.org/presentationml/2006/main">
+  <p:cSld>
+    <p:spTree>
+      <p:nvGrpSpPr>
+        <p:cNvPr id="1" name=""/>
+        <p:cNvGrpSpPr/>
+        <p:nvPr/>
+      </p:nvGrpSpPr>
+      <p:grpSpPr>
+        <a:xfrm>
+          <a:off x="0" y="0"/>
+          <a:ext cx="0" cy="0"/>
+          <a:chOff x="0" y="0"/>
+          <a:chExt cx="0" cy="0"/>
+        </a:xfrm>
+      </p:grpSpPr>
+      <p:sp>
+        <p:nvSpPr>
+          <p:cNvPr id="2" name="Slide Image Placeholder 1"/>
+          <p:cNvSpPr>
+            <a:spLocks noGrp="1" noRot="1" noChangeAspect="1"/>
+          </p:cNvSpPr>
+          <p:nvPr>
+            <p:ph type="sldImg"/>
+          </p:nvPr>
+        </p:nvSpPr>
+        <p:spPr/>
+      </p:sp>
+      <p:sp>
+        <p:nvSpPr>
+          <p:cNvPr id="3" name="Notes Placeholder 2"/>
+          <p:cNvSpPr>
+            <a:spLocks noGrp="1"/>
+          </p:cNvSpPr>
+          <p:nvPr>
+            <p:ph type="body" idx="1"/>
+          </p:nvPr>
+        </p:nvSpPr>
+        <p:spPr/>
+        <p:txBody>
+          <a:bodyPr/>
+          <a:lstStyle/>
+          <a:p>
+            <a:endParaRPr lang="en-US" dirty="0"/>
+          </a:p>
+        </p:txBody>
+      </p:sp>
+      <p:sp>
+        <p:nvSpPr>
+          <p:cNvPr id="4" name="Slide Number Placeholder 3"/>
+          <p:cNvSpPr>
+            <a:spLocks noGrp="1"/>
+          </p:cNvSpPr>
+          <p:nvPr>
+            <p:ph type="sldNum" sz="quarter" idx="5"/>
+          </p:nvPr>
+        </p:nvSpPr>
+        <p:spPr/>
+        <p:txBody>
+          <a:bodyPr/>
+          <a:lstStyle/>
+          <a:p>
+            <a:fld id="{FE065C3E-6590-437D-A330-DEC8E2D2EEDE}" type="slidenum">
+              <a:rPr lang="en-US" smtClean="0"/>
+              <a:t>37</a:t>
             </a:fld>
             <a:endParaRPr lang="en-US"/>
           </a:p>
@@ -17439,7 +17517,7 @@
           <a:p>
             <a:r>
               <a:rPr lang="en-US" dirty="0"/>
-              <a:t>https://docs.microsoft.com/en-us/powershell/wmf/5.1/dsc-improvements</a:t>
+              <a:t>https://docs.microsoft.com/en-us/powershell/scripting/windows-powershell/wmf/whats-new/dsc-improvements?view=powershell-7.1</a:t>
             </a:r>
           </a:p>
           <a:p>
@@ -17448,8 +17526,25 @@
           <a:p>
             <a:r>
               <a:rPr lang="en-US" dirty="0"/>
-              <a:t>Based on industry standards, using MOF and CIM</a:t>
-            </a:r>
+              <a:t>More enhancements coming</a:t>
+            </a:r>
+          </a:p>
+          <a:p>
+            <a:pPr marL="171450" indent="-171450">
+              <a:buFontTx/>
+              <a:buChar char="-"/>
+            </a:pPr>
+            <a:r>
+              <a:rPr lang="en-US" dirty="0"/>
+              <a:t>Goal for DSC to be cross platform</a:t>
+            </a:r>
+          </a:p>
+          <a:p>
+            <a:pPr marL="171450" indent="-171450">
+              <a:buFontTx/>
+              <a:buChar char="-"/>
+            </a:pPr>
+            <a:endParaRPr lang="en-US" dirty="0"/>
           </a:p>
           <a:p>
             <a:endParaRPr lang="en-US" dirty="0">
@@ -17479,7 +17574,21 @@
                 <a:ea typeface="+mn-ea"/>
                 <a:cs typeface="+mn-cs"/>
               </a:rPr>
-              <a:t> - they have their own domain of terminology and patterns</a:t>
+              <a:t> - own domain of terminology and patterns to describe things</a:t>
+            </a:r>
+          </a:p>
+          <a:p>
+            <a:r>
+              <a:rPr lang="en-US" sz="1200" b="0" i="0" kern="1200" dirty="0">
+                <a:solidFill>
+                  <a:schemeClr val="tx1"/>
+                </a:solidFill>
+                <a:effectLst/>
+                <a:latin typeface="+mn-lt"/>
+                <a:ea typeface="+mn-ea"/>
+                <a:cs typeface="+mn-cs"/>
+              </a:rPr>
+              <a:t> - HTML, CSS, Pester</a:t>
             </a:r>
             <a:endParaRPr lang="en-US" dirty="0">
               <a:solidFill>
@@ -17495,6 +17604,21 @@
                 </a:solidFill>
               </a:rPr>
               <a:t>https://powershellexplained.com/2017-02-26-Powershell-DSL-intro-to-domain-specific-languages-part-1/</a:t>
+            </a:r>
+          </a:p>
+          <a:p>
+            <a:endParaRPr lang="en-US" dirty="0"/>
+          </a:p>
+          <a:p>
+            <a:r>
+              <a:rPr lang="en-US" dirty="0"/>
+              <a:t>-- ignore -</a:t>
+            </a:r>
+          </a:p>
+          <a:p>
+            <a:r>
+              <a:rPr lang="en-US" dirty="0"/>
+              <a:t>Based on industry standards, using MOF and CIM</a:t>
             </a:r>
           </a:p>
         </p:txBody>
@@ -17516,7 +17640,7 @@
           <a:p>
             <a:fld id="{FE065C3E-6590-437D-A330-DEC8E2D2EEDE}" type="slidenum">
               <a:rPr lang="en-US" smtClean="0"/>
-              <a:t>6</a:t>
+              <a:t>5</a:t>
             </a:fld>
             <a:endParaRPr lang="en-US"/>
           </a:p>
@@ -17661,7 +17785,7 @@
           <a:p>
             <a:fld id="{FE065C3E-6590-437D-A330-DEC8E2D2EEDE}" type="slidenum">
               <a:rPr lang="en-US" smtClean="0"/>
-              <a:t>7</a:t>
+              <a:t>6</a:t>
             </a:fld>
             <a:endParaRPr lang="en-US"/>
           </a:p>
@@ -17778,7 +17902,7 @@
           <a:p>
             <a:fld id="{FE065C3E-6590-437D-A330-DEC8E2D2EEDE}" type="slidenum">
               <a:rPr lang="en-US" smtClean="0"/>
-              <a:t>9</a:t>
+              <a:t>8</a:t>
             </a:fld>
             <a:endParaRPr lang="en-US"/>
           </a:p>
@@ -17883,7 +18007,7 @@
           <a:p>
             <a:fld id="{FE065C3E-6590-437D-A330-DEC8E2D2EEDE}" type="slidenum">
               <a:rPr lang="en-US" smtClean="0"/>
-              <a:t>10</a:t>
+              <a:t>9</a:t>
             </a:fld>
             <a:endParaRPr lang="en-US"/>
           </a:p>
@@ -18071,7 +18195,66 @@
             </a:r>
           </a:p>
           <a:p>
+            <a:r>
+              <a:rPr lang="en-US" dirty="0"/>
+              <a:t>2/4/2021 – 1,859</a:t>
+            </a:r>
+          </a:p>
+          <a:p>
             <a:endParaRPr lang="en-US" dirty="0"/>
+          </a:p>
+          <a:p>
+            <a:r>
+              <a:rPr lang="en-US" dirty="0" err="1"/>
+              <a:t>PSDscResources</a:t>
+            </a:r>
+            <a:r>
+              <a:rPr lang="en-US" dirty="0"/>
+              <a:t> – combination of the resources within </a:t>
+            </a:r>
+            <a:r>
+              <a:rPr lang="en-US" dirty="0" err="1"/>
+              <a:t>PSDesiredStateConfiguration</a:t>
+            </a:r>
+            <a:r>
+              <a:rPr lang="en-US" dirty="0"/>
+              <a:t> and from experimental module </a:t>
+            </a:r>
+            <a:r>
+              <a:rPr lang="en-US" dirty="0" err="1"/>
+              <a:t>xPSDesiredStateConfiguration</a:t>
+            </a:r>
+            <a:endParaRPr lang="en-US" dirty="0"/>
+          </a:p>
+          <a:p>
+            <a:r>
+              <a:rPr lang="en-US" dirty="0"/>
+              <a:t>- </a:t>
+            </a:r>
+            <a:r>
+              <a:rPr lang="en-US" dirty="0" err="1"/>
+              <a:t>ServiceSet</a:t>
+            </a:r>
+            <a:r>
+              <a:rPr lang="en-US" dirty="0"/>
+              <a:t> &amp; </a:t>
+            </a:r>
+            <a:r>
+              <a:rPr lang="en-US" dirty="0" err="1"/>
+              <a:t>WindowsFeatureSet</a:t>
+            </a:r>
+            <a:r>
+              <a:rPr lang="en-US" dirty="0"/>
+              <a:t> – Composite resources – Pass in multiple features and it translates it to use the </a:t>
+            </a:r>
+            <a:r>
+              <a:rPr lang="en-US" dirty="0" err="1"/>
+              <a:t>WindowsFeature</a:t>
+            </a:r>
+            <a:r>
+              <a:rPr lang="en-US" dirty="0"/>
+              <a:t> resource for each one.</a:t>
+            </a:r>
           </a:p>
           <a:p>
             <a:endParaRPr lang="en-US" dirty="0"/>
@@ -18083,7 +18266,7 @@
             </a:r>
             <a:r>
               <a:rPr lang="en-US" dirty="0"/>
-              <a:t> has 40 resources</a:t>
+              <a:t> has 41 resources</a:t>
             </a:r>
           </a:p>
           <a:p>
@@ -18092,98 +18275,78 @@
           <a:p>
             <a:r>
               <a:rPr lang="en-US" dirty="0" err="1"/>
-              <a:t>xActiveDirectory</a:t>
+              <a:t>SecurityPolicyDsc</a:t>
             </a:r>
             <a:r>
               <a:rPr lang="en-US" dirty="0"/>
-              <a:t> – Microsoft resources but the x means experimental, so although they are probably ok, you need to be a little more careful.</a:t>
-            </a:r>
-          </a:p>
-          <a:p>
-            <a:endParaRPr lang="en-US" dirty="0"/>
-          </a:p>
-          <a:p>
-            <a:r>
-              <a:rPr lang="en-US" dirty="0" err="1"/>
-              <a:t>xAzure</a:t>
-            </a:r>
-            <a:r>
-              <a:rPr lang="en-US" dirty="0"/>
-              <a:t> - </a:t>
-            </a:r>
-            <a:r>
-              <a:rPr lang="en-US" sz="1200" b="0" i="0" kern="1200" dirty="0">
+              <a:t> – wrapper around secedit.exe to configure local security policies</a:t>
+            </a:r>
+          </a:p>
+          <a:p>
+            <a:pPr marL="171450" indent="-171450">
+              <a:buFontTx/>
+              <a:buChar char="-"/>
+            </a:pPr>
+            <a:r>
+              <a:rPr lang="en-GB" b="0" i="0" dirty="0" err="1">
                 <a:solidFill>
-                  <a:schemeClr val="tx1"/>
+                  <a:srgbClr val="24292E"/>
                 </a:solidFill>
                 <a:effectLst/>
-                <a:latin typeface="+mn-lt"/>
-                <a:ea typeface="+mn-ea"/>
-                <a:cs typeface="+mn-cs"/>
+                <a:latin typeface="-apple-system"/>
               </a:rPr>
-              <a:t> </a:t>
-            </a:r>
-            <a:r>
-              <a:rPr lang="en-US" sz="1200" b="0" i="0" kern="1200" dirty="0" err="1">
+              <a:t>Perform_volume_maintenance_tasks</a:t>
+            </a:r>
+            <a:endParaRPr lang="en-US" b="0" i="0" dirty="0">
+              <a:solidFill>
+                <a:srgbClr val="24292E"/>
+              </a:solidFill>
+              <a:effectLst/>
+              <a:latin typeface="-apple-system"/>
+            </a:endParaRPr>
+          </a:p>
+          <a:p>
+            <a:pPr marL="171450" indent="-171450">
+              <a:buFontTx/>
+              <a:buChar char="-"/>
+            </a:pPr>
+            <a:r>
+              <a:rPr lang="en-GB" b="0" i="0" dirty="0" err="1">
                 <a:solidFill>
-                  <a:schemeClr val="tx1"/>
+                  <a:srgbClr val="24292E"/>
                 </a:solidFill>
                 <a:effectLst/>
-                <a:latin typeface="+mn-lt"/>
-                <a:ea typeface="+mn-ea"/>
-                <a:cs typeface="+mn-cs"/>
+                <a:latin typeface="-apple-system"/>
               </a:rPr>
-              <a:t>depoying</a:t>
-            </a:r>
-            <a:r>
-              <a:rPr lang="en-US" sz="1200" b="0" i="0" kern="1200" dirty="0">
+              <a:t>Lock_pages_in_memory</a:t>
+            </a:r>
+            <a:endParaRPr lang="en-US" b="0" i="0" dirty="0">
+              <a:solidFill>
+                <a:srgbClr val="24292E"/>
+              </a:solidFill>
+              <a:effectLst/>
+              <a:latin typeface="-apple-system"/>
+            </a:endParaRPr>
+          </a:p>
+          <a:p>
+            <a:pPr marL="171450" indent="-171450">
+              <a:buFontTx/>
+              <a:buChar char="-"/>
+            </a:pPr>
+            <a:r>
+              <a:rPr lang="en-US" b="0" i="0" dirty="0" err="1">
                 <a:solidFill>
-                  <a:schemeClr val="tx1"/>
+                  <a:srgbClr val="24292E"/>
                 </a:solidFill>
                 <a:effectLst/>
-                <a:latin typeface="+mn-lt"/>
-                <a:ea typeface="+mn-ea"/>
-                <a:cs typeface="+mn-cs"/>
+                <a:latin typeface="-apple-system"/>
               </a:rPr>
-              <a:t> virtual machines in Microsoft Azure</a:t>
+              <a:t>Log_on_as_a_service</a:t>
             </a:r>
             <a:endParaRPr lang="en-US" dirty="0"/>
           </a:p>
           <a:p>
-            <a:r>
-              <a:rPr lang="en-US" dirty="0" err="1"/>
-              <a:t>xFailOverCluster</a:t>
-            </a:r>
             <a:endParaRPr lang="en-US" dirty="0"/>
-          </a:p>
-          <a:p>
-            <a:endParaRPr lang="en-US" dirty="0"/>
-          </a:p>
-          <a:p>
-            <a:r>
-              <a:rPr lang="en-US" dirty="0" err="1"/>
-              <a:t>ServiceSet</a:t>
-            </a:r>
-            <a:r>
-              <a:rPr lang="en-US" dirty="0"/>
-              <a:t> &amp; </a:t>
-            </a:r>
-            <a:r>
-              <a:rPr lang="en-US" dirty="0" err="1"/>
-              <a:t>WindowsFeatureSet</a:t>
-            </a:r>
-            <a:r>
-              <a:rPr lang="en-US" dirty="0"/>
-              <a:t> – Composite resources – Pass in multiple features and it translates it to use the </a:t>
-            </a:r>
-            <a:r>
-              <a:rPr lang="en-US" dirty="0" err="1"/>
-              <a:t>WindowsFeature</a:t>
-            </a:r>
-            <a:r>
-              <a:rPr lang="en-US" dirty="0"/>
-              <a:t> resource for each one.</a:t>
-            </a:r>
           </a:p>
         </p:txBody>
       </p:sp>
@@ -20307,7 +20470,7 @@
           <a:p>
             <a:fld id="{5E8DF979-0883-4463-93EB-16071EEBDB0B}" type="datetimeFigureOut">
               <a:rPr lang="en-US" smtClean="0"/>
-              <a:t>7/16/2020</a:t>
+              <a:t>4/15/2021</a:t>
             </a:fld>
             <a:endParaRPr lang="en-US"/>
           </a:p>
@@ -20819,7 +20982,7 @@
             <a:fld id="{48A87A34-81AB-432B-8DAE-1953F412C126}" type="datetimeFigureOut">
               <a:rPr lang="en-US" smtClean="0"/>
               <a:pPr/>
-              <a:t>7/16/2020</a:t>
+              <a:t>4/15/2021</a:t>
             </a:fld>
             <a:endParaRPr lang="en-US" dirty="0"/>
           </a:p>
@@ -21273,227 +21436,6 @@
 </p:sldLayout>
 </file>
 
-<file path=ppt/slideLayouts/slideLayout17.xml><?xml version="1.0" encoding="utf-8"?>
-<p:sldLayout xmlns:a="http://schemas.openxmlformats.org/drawingml/2006/main" xmlns:r="http://schemas.openxmlformats.org/officeDocument/2006/relationships" xmlns:p="http://schemas.openxmlformats.org/presentationml/2006/main" userDrawn="1">
-  <p:cSld name="SQLBits Party">
-    <p:spTree>
-      <p:nvGrpSpPr>
-        <p:cNvPr id="1" name=""/>
-        <p:cNvGrpSpPr/>
-        <p:nvPr/>
-      </p:nvGrpSpPr>
-      <p:grpSpPr>
-        <a:xfrm>
-          <a:off x="0" y="0"/>
-          <a:ext cx="0" cy="0"/>
-          <a:chOff x="0" y="0"/>
-          <a:chExt cx="0" cy="0"/>
-        </a:xfrm>
-      </p:grpSpPr>
-      <p:pic>
-        <p:nvPicPr>
-          <p:cNvPr id="7" name="Picture 6" descr="SQL_PPT_01-03.jpg">
-            <a:extLst>
-              <a:ext uri="{FF2B5EF4-FFF2-40B4-BE49-F238E27FC236}">
-                <a16:creationId xmlns:a16="http://schemas.microsoft.com/office/drawing/2014/main" id="{1CCF258E-723B-4A88-A90D-C997EEE01553}"/>
-              </a:ext>
-            </a:extLst>
-          </p:cNvPr>
-          <p:cNvPicPr>
-            <a:picLocks noChangeAspect="1"/>
-          </p:cNvPicPr>
-          <p:nvPr userDrawn="1"/>
-        </p:nvPicPr>
-        <p:blipFill>
-          <a:blip r:embed="rId2" cstate="screen">
-            <a:extLst>
-              <a:ext uri="{28A0092B-C50C-407E-A947-70E740481C1C}">
-                <a14:useLocalDpi xmlns:a14="http://schemas.microsoft.com/office/drawing/2010/main"/>
-              </a:ext>
-            </a:extLst>
-          </a:blip>
-          <a:stretch>
-            <a:fillRect/>
-          </a:stretch>
-        </p:blipFill>
-        <p:spPr>
-          <a:xfrm>
-            <a:off x="0" y="0"/>
-            <a:ext cx="12192000" cy="6854573"/>
-          </a:xfrm>
-          <a:prstGeom prst="rect">
-            <a:avLst/>
-          </a:prstGeom>
-        </p:spPr>
-      </p:pic>
-    </p:spTree>
-    <p:extLst>
-      <p:ext uri="{BB962C8B-B14F-4D97-AF65-F5344CB8AC3E}">
-        <p14:creationId xmlns:p14="http://schemas.microsoft.com/office/powerpoint/2010/main" val="304587731"/>
-      </p:ext>
-    </p:extLst>
-  </p:cSld>
-  <p:clrMapOvr>
-    <a:masterClrMapping/>
-  </p:clrMapOvr>
-</p:sldLayout>
-</file>
-
-<file path=ppt/slideLayouts/slideLayout18.xml><?xml version="1.0" encoding="utf-8"?>
-<p:sldLayout xmlns:a="http://schemas.openxmlformats.org/drawingml/2006/main" xmlns:r="http://schemas.openxmlformats.org/officeDocument/2006/relationships" xmlns:p="http://schemas.openxmlformats.org/presentationml/2006/main" userDrawn="1">
-  <p:cSld name="Feedback">
-    <p:spTree>
-      <p:nvGrpSpPr>
-        <p:cNvPr id="1" name=""/>
-        <p:cNvGrpSpPr/>
-        <p:nvPr/>
-      </p:nvGrpSpPr>
-      <p:grpSpPr>
-        <a:xfrm>
-          <a:off x="0" y="0"/>
-          <a:ext cx="0" cy="0"/>
-          <a:chOff x="0" y="0"/>
-          <a:chExt cx="0" cy="0"/>
-        </a:xfrm>
-      </p:grpSpPr>
-      <p:pic>
-        <p:nvPicPr>
-          <p:cNvPr id="7" name="Picture 6" descr="SQL_PPT_01-04.jpg">
-            <a:extLst>
-              <a:ext uri="{FF2B5EF4-FFF2-40B4-BE49-F238E27FC236}">
-                <a16:creationId xmlns:a16="http://schemas.microsoft.com/office/drawing/2014/main" id="{80DAAACE-DC9C-4516-81D4-B84E77737CE8}"/>
-              </a:ext>
-            </a:extLst>
-          </p:cNvPr>
-          <p:cNvPicPr>
-            <a:picLocks noChangeAspect="1"/>
-          </p:cNvPicPr>
-          <p:nvPr userDrawn="1"/>
-        </p:nvPicPr>
-        <p:blipFill>
-          <a:blip r:embed="rId2" cstate="screen">
-            <a:extLst>
-              <a:ext uri="{28A0092B-C50C-407E-A947-70E740481C1C}">
-                <a14:useLocalDpi xmlns:a14="http://schemas.microsoft.com/office/drawing/2010/main"/>
-              </a:ext>
-            </a:extLst>
-          </a:blip>
-          <a:stretch>
-            <a:fillRect/>
-          </a:stretch>
-        </p:blipFill>
-        <p:spPr>
-          <a:xfrm>
-            <a:off x="0" y="0"/>
-            <a:ext cx="12192000" cy="6854573"/>
-          </a:xfrm>
-          <a:prstGeom prst="rect">
-            <a:avLst/>
-          </a:prstGeom>
-        </p:spPr>
-      </p:pic>
-    </p:spTree>
-    <p:extLst>
-      <p:ext uri="{BB962C8B-B14F-4D97-AF65-F5344CB8AC3E}">
-        <p14:creationId xmlns:p14="http://schemas.microsoft.com/office/powerpoint/2010/main" val="4043354805"/>
-      </p:ext>
-    </p:extLst>
-  </p:cSld>
-  <p:clrMapOvr>
-    <a:masterClrMapping/>
-  </p:clrMapOvr>
-</p:sldLayout>
-</file>
-
-<file path=ppt/slideLayouts/slideLayout19.xml><?xml version="1.0" encoding="utf-8"?>
-<p:sldLayout xmlns:a="http://schemas.openxmlformats.org/drawingml/2006/main" xmlns:r="http://schemas.openxmlformats.org/officeDocument/2006/relationships" xmlns:p="http://schemas.openxmlformats.org/presentationml/2006/main" userDrawn="1">
-  <p:cSld name="Custom Layout">
-    <p:spTree>
-      <p:nvGrpSpPr>
-        <p:cNvPr id="1" name=""/>
-        <p:cNvGrpSpPr/>
-        <p:nvPr/>
-      </p:nvGrpSpPr>
-      <p:grpSpPr>
-        <a:xfrm>
-          <a:off x="0" y="0"/>
-          <a:ext cx="0" cy="0"/>
-          <a:chOff x="0" y="0"/>
-          <a:chExt cx="0" cy="0"/>
-        </a:xfrm>
-      </p:grpSpPr>
-      <p:sp>
-        <p:nvSpPr>
-          <p:cNvPr id="2" name="Title 1">
-            <a:extLst>
-              <a:ext uri="{FF2B5EF4-FFF2-40B4-BE49-F238E27FC236}">
-                <a16:creationId xmlns:a16="http://schemas.microsoft.com/office/drawing/2014/main" id="{223091CB-7B16-447A-9747-79A9A6F5E902}"/>
-              </a:ext>
-            </a:extLst>
-          </p:cNvPr>
-          <p:cNvSpPr>
-            <a:spLocks noGrp="1"/>
-          </p:cNvSpPr>
-          <p:nvPr>
-            <p:ph type="title"/>
-          </p:nvPr>
-        </p:nvSpPr>
-        <p:spPr/>
-        <p:txBody>
-          <a:bodyPr/>
-          <a:lstStyle/>
-          <a:p>
-            <a:r>
-              <a:rPr lang="en-US"/>
-              <a:t>Click to edit Master title style</a:t>
-            </a:r>
-            <a:endParaRPr lang="en-GB"/>
-          </a:p>
-        </p:txBody>
-      </p:sp>
-      <p:pic>
-        <p:nvPicPr>
-          <p:cNvPr id="4" name="Picture 3" descr="A picture containing sitting&#10;&#10;Description automatically generated">
-            <a:extLst>
-              <a:ext uri="{FF2B5EF4-FFF2-40B4-BE49-F238E27FC236}">
-                <a16:creationId xmlns:a16="http://schemas.microsoft.com/office/drawing/2014/main" id="{2F883B6E-F27F-4633-AD8E-3C16BDFD6B81}"/>
-              </a:ext>
-            </a:extLst>
-          </p:cNvPr>
-          <p:cNvPicPr>
-            <a:picLocks noChangeAspect="1"/>
-          </p:cNvPicPr>
-          <p:nvPr userDrawn="1"/>
-        </p:nvPicPr>
-        <p:blipFill>
-          <a:blip r:embed="rId2"/>
-          <a:stretch>
-            <a:fillRect/>
-          </a:stretch>
-        </p:blipFill>
-        <p:spPr>
-          <a:xfrm>
-            <a:off x="0" y="0"/>
-            <a:ext cx="12192000" cy="6858000"/>
-          </a:xfrm>
-          <a:prstGeom prst="rect">
-            <a:avLst/>
-          </a:prstGeom>
-        </p:spPr>
-      </p:pic>
-    </p:spTree>
-    <p:extLst>
-      <p:ext uri="{BB962C8B-B14F-4D97-AF65-F5344CB8AC3E}">
-        <p14:creationId xmlns:p14="http://schemas.microsoft.com/office/powerpoint/2010/main" val="2076137219"/>
-      </p:ext>
-    </p:extLst>
-  </p:cSld>
-  <p:clrMapOvr>
-    <a:masterClrMapping/>
-  </p:clrMapOvr>
-</p:sldLayout>
-</file>
-
 <file path=ppt/slideLayouts/slideLayout2.xml><?xml version="1.0" encoding="utf-8"?>
 <p:sldLayout xmlns:a="http://schemas.openxmlformats.org/drawingml/2006/main" xmlns:r="http://schemas.openxmlformats.org/officeDocument/2006/relationships" xmlns:p="http://schemas.openxmlformats.org/presentationml/2006/main" type="obj" preserve="1">
   <p:cSld name="Title and Content">
@@ -21608,72 +21550,6 @@
     <p:extLst>
       <p:ext uri="{BB962C8B-B14F-4D97-AF65-F5344CB8AC3E}">
         <p14:creationId xmlns:p14="http://schemas.microsoft.com/office/powerpoint/2010/main" val="2258797756"/>
-      </p:ext>
-    </p:extLst>
-  </p:cSld>
-  <p:clrMapOvr>
-    <a:masterClrMapping/>
-  </p:clrMapOvr>
-</p:sldLayout>
-</file>
-
-<file path=ppt/slideLayouts/slideLayout20.xml><?xml version="1.0" encoding="utf-8"?>
-<p:sldLayout xmlns:a="http://schemas.openxmlformats.org/drawingml/2006/main" xmlns:r="http://schemas.openxmlformats.org/officeDocument/2006/relationships" xmlns:p="http://schemas.openxmlformats.org/presentationml/2006/main" userDrawn="1">
-  <p:cSld name="Header">
-    <p:spTree>
-      <p:nvGrpSpPr>
-        <p:cNvPr id="1" name=""/>
-        <p:cNvGrpSpPr/>
-        <p:nvPr/>
-      </p:nvGrpSpPr>
-      <p:grpSpPr>
-        <a:xfrm>
-          <a:off x="0" y="0"/>
-          <a:ext cx="0" cy="0"/>
-          <a:chOff x="0" y="0"/>
-          <a:chExt cx="0" cy="0"/>
-        </a:xfrm>
-      </p:grpSpPr>
-      <p:pic>
-        <p:nvPicPr>
-          <p:cNvPr id="8" name="Picture 7" descr="SQL_PPT_01-01.jpg">
-            <a:extLst>
-              <a:ext uri="{FF2B5EF4-FFF2-40B4-BE49-F238E27FC236}">
-                <a16:creationId xmlns:a16="http://schemas.microsoft.com/office/drawing/2014/main" id="{B959C8C0-BA64-40F9-9313-5FB840D8563C}"/>
-              </a:ext>
-            </a:extLst>
-          </p:cNvPr>
-          <p:cNvPicPr>
-            <a:picLocks noChangeAspect="1"/>
-          </p:cNvPicPr>
-          <p:nvPr userDrawn="1"/>
-        </p:nvPicPr>
-        <p:blipFill>
-          <a:blip r:embed="rId2" cstate="screen">
-            <a:extLst>
-              <a:ext uri="{28A0092B-C50C-407E-A947-70E740481C1C}">
-                <a14:useLocalDpi xmlns:a14="http://schemas.microsoft.com/office/drawing/2010/main"/>
-              </a:ext>
-            </a:extLst>
-          </a:blip>
-          <a:stretch>
-            <a:fillRect/>
-          </a:stretch>
-        </p:blipFill>
-        <p:spPr>
-          <a:xfrm>
-            <a:off x="0" y="0"/>
-            <a:ext cx="12192000" cy="6857143"/>
-          </a:xfrm>
-          <a:prstGeom prst="rect">
-            <a:avLst/>
-          </a:prstGeom>
-        </p:spPr>
-      </p:pic>
-    </p:spTree>
-    <p:extLst>
-      <p:ext uri="{BB962C8B-B14F-4D97-AF65-F5344CB8AC3E}">
-        <p14:creationId xmlns:p14="http://schemas.microsoft.com/office/powerpoint/2010/main" val="530418472"/>
       </p:ext>
     </p:extLst>
   </p:cSld>
@@ -23611,7 +23487,7 @@
           <p:nvPr/>
         </p:nvPicPr>
         <p:blipFill>
-          <a:blip r:embed="rId22"/>
+          <a:blip r:embed="rId18"/>
           <a:stretch>
             <a:fillRect/>
           </a:stretch>
@@ -23651,10 +23527,6 @@
     <p:sldLayoutId id="2147483703" r:id="rId14"/>
     <p:sldLayoutId id="2147483704" r:id="rId15"/>
     <p:sldLayoutId id="2147483705" r:id="rId16"/>
-    <p:sldLayoutId id="2147483706" r:id="rId17"/>
-    <p:sldLayoutId id="2147483707" r:id="rId18"/>
-    <p:sldLayoutId id="2147483708" r:id="rId19"/>
-    <p:sldLayoutId id="2147483709" r:id="rId20"/>
   </p:sldLayoutIdLst>
   <p:txStyles>
     <p:titleStyle>
@@ -23956,10 +23828,66 @@
           <a:chExt cx="0" cy="0"/>
         </a:xfrm>
       </p:grpSpPr>
+      <p:sp>
+        <p:nvSpPr>
+          <p:cNvPr id="2" name="Title 1">
+            <a:extLst>
+              <a:ext uri="{FF2B5EF4-FFF2-40B4-BE49-F238E27FC236}">
+                <a16:creationId xmlns:a16="http://schemas.microsoft.com/office/drawing/2014/main" id="{29634585-F674-436A-AA9D-FE1C183DEF18}"/>
+              </a:ext>
+            </a:extLst>
+          </p:cNvPr>
+          <p:cNvSpPr>
+            <a:spLocks noGrp="1"/>
+          </p:cNvSpPr>
+          <p:nvPr>
+            <p:ph type="ctrTitle"/>
+          </p:nvPr>
+        </p:nvSpPr>
+        <p:spPr/>
+        <p:txBody>
+          <a:bodyPr/>
+          <a:lstStyle/>
+          <a:p>
+            <a:r>
+              <a:rPr lang="en-US" dirty="0"/>
+              <a:t>Desired State Configuration</a:t>
+            </a:r>
+          </a:p>
+        </p:txBody>
+      </p:sp>
+      <p:sp>
+        <p:nvSpPr>
+          <p:cNvPr id="3" name="Subtitle 2">
+            <a:extLst>
+              <a:ext uri="{FF2B5EF4-FFF2-40B4-BE49-F238E27FC236}">
+                <a16:creationId xmlns:a16="http://schemas.microsoft.com/office/drawing/2014/main" id="{76CDF0B3-8FEA-41F6-AB97-484CBA624A1A}"/>
+              </a:ext>
+            </a:extLst>
+          </p:cNvPr>
+          <p:cNvSpPr>
+            <a:spLocks noGrp="1"/>
+          </p:cNvSpPr>
+          <p:nvPr>
+            <p:ph type="subTitle" idx="1"/>
+          </p:nvPr>
+        </p:nvSpPr>
+        <p:spPr/>
+        <p:txBody>
+          <a:bodyPr/>
+          <a:lstStyle/>
+          <a:p>
+            <a:r>
+              <a:rPr lang="en-US" dirty="0"/>
+              <a:t>Install &amp; Configure SQL Server</a:t>
+            </a:r>
+          </a:p>
+        </p:txBody>
+      </p:sp>
     </p:spTree>
     <p:extLst>
       <p:ext uri="{BB962C8B-B14F-4D97-AF65-F5344CB8AC3E}">
-        <p14:creationId xmlns:p14="http://schemas.microsoft.com/office/powerpoint/2010/main" val="2600458285"/>
+        <p14:creationId xmlns:p14="http://schemas.microsoft.com/office/powerpoint/2010/main" val="40951072"/>
       </p:ext>
     </p:extLst>
   </p:cSld>
@@ -23991,7 +23919,7 @@
           <p:cNvPr id="2" name="Title 1">
             <a:extLst>
               <a:ext uri="{FF2B5EF4-FFF2-40B4-BE49-F238E27FC236}">
-                <a16:creationId xmlns:a16="http://schemas.microsoft.com/office/drawing/2014/main" id="{2A3417D1-9C20-40D9-9698-500F1A6F0D45}"/>
+                <a16:creationId xmlns:a16="http://schemas.microsoft.com/office/drawing/2014/main" id="{583399F2-E5FB-4C44-9885-0C303715A7F2}"/>
               </a:ext>
             </a:extLst>
           </p:cNvPr>
@@ -24004,15 +23932,14 @@
         </p:nvSpPr>
         <p:spPr/>
         <p:txBody>
-          <a:bodyPr>
-            <a:normAutofit/>
-          </a:bodyPr>
+          <a:bodyPr/>
           <a:lstStyle/>
           <a:p>
             <a:r>
               <a:rPr lang="en-US" dirty="0"/>
-              <a:t>Idempotent	</a:t>
-            </a:r>
+              <a:t>Resources</a:t>
+            </a:r>
+            <a:endParaRPr lang="en-GB" dirty="0"/>
           </a:p>
         </p:txBody>
       </p:sp>
@@ -24021,7 +23948,7 @@
           <p:cNvPr id="3" name="Content Placeholder 2">
             <a:extLst>
               <a:ext uri="{FF2B5EF4-FFF2-40B4-BE49-F238E27FC236}">
-                <a16:creationId xmlns:a16="http://schemas.microsoft.com/office/drawing/2014/main" id="{1CBA1C16-A4D9-4D92-9419-FC8A5E7E3A5D}"/>
+                <a16:creationId xmlns:a16="http://schemas.microsoft.com/office/drawing/2014/main" id="{3699D508-1A1B-41C8-A2E9-37FF8FE32A00}"/>
               </a:ext>
             </a:extLst>
           </p:cNvPr>
@@ -24034,32 +23961,59 @@
         </p:nvSpPr>
         <p:spPr/>
         <p:txBody>
-          <a:bodyPr anchor="ctr"/>
+          <a:bodyPr/>
           <a:lstStyle/>
           <a:p>
-            <a:pPr marL="0" indent="0">
-              <a:buNone/>
-            </a:pPr>
-            <a:r>
-              <a:rPr lang="en-US" i="1" dirty="0"/>
-              <a:t>“Idempotence is the property of certain operations in mathematics and computer science whereby they can be applied multiple times without changing the result beyond the initial application.”</a:t>
-            </a:r>
-          </a:p>
-          <a:p>
-            <a:pPr marL="0" indent="0">
-              <a:buNone/>
-            </a:pPr>
-            <a:r>
-              <a:rPr lang="en-US" i="1" dirty="0"/>
-              <a:t>	- Wikipedia</a:t>
-            </a:r>
+            <a:r>
+              <a:rPr lang="en-US" dirty="0"/>
+              <a:t>Building blocks of our configurations</a:t>
+            </a:r>
+          </a:p>
+          <a:p>
+            <a:endParaRPr lang="en-US" dirty="0"/>
+          </a:p>
+          <a:p>
+            <a:r>
+              <a:rPr lang="en-US" dirty="0"/>
+              <a:t>Types</a:t>
+            </a:r>
+          </a:p>
+          <a:p>
+            <a:pPr lvl="1"/>
+            <a:r>
+              <a:rPr lang="en-US" dirty="0"/>
+              <a:t>Script Based</a:t>
+            </a:r>
+          </a:p>
+          <a:p>
+            <a:pPr lvl="1"/>
+            <a:r>
+              <a:rPr lang="en-US" dirty="0"/>
+              <a:t>Class Based</a:t>
+            </a:r>
+          </a:p>
+          <a:p>
+            <a:pPr lvl="1"/>
+            <a:endParaRPr lang="en-US" dirty="0"/>
+          </a:p>
+          <a:p>
+            <a:r>
+              <a:rPr lang="en-US" dirty="0"/>
+              <a:t>Write your own</a:t>
+            </a:r>
+          </a:p>
+          <a:p>
+            <a:endParaRPr lang="en-US" dirty="0"/>
+          </a:p>
+          <a:p>
+            <a:endParaRPr lang="en-GB" dirty="0"/>
           </a:p>
         </p:txBody>
       </p:sp>
     </p:spTree>
     <p:extLst>
       <p:ext uri="{BB962C8B-B14F-4D97-AF65-F5344CB8AC3E}">
-        <p14:creationId xmlns:p14="http://schemas.microsoft.com/office/powerpoint/2010/main" val="1097641107"/>
+        <p14:creationId xmlns:p14="http://schemas.microsoft.com/office/powerpoint/2010/main" val="3046951343"/>
       </p:ext>
     </p:extLst>
   </p:cSld>
@@ -24488,7 +24442,7 @@
             <p:ph idx="1"/>
             <p:extLst>
               <p:ext uri="{D42A27DB-BD31-4B8C-83A1-F6EECF244321}">
-                <p14:modId xmlns:p14="http://schemas.microsoft.com/office/powerpoint/2010/main" val="1231847342"/>
+                <p14:modId xmlns:p14="http://schemas.microsoft.com/office/powerpoint/2010/main" val="2646857937"/>
               </p:ext>
             </p:extLst>
           </p:nvPr>
@@ -25811,7 +25765,7 @@
           <a:p>
             <a:r>
               <a:rPr lang="en-US" dirty="0"/>
-              <a:t>Configuration data</a:t>
+              <a:t>Enhance #1: Configuration data</a:t>
             </a:r>
           </a:p>
         </p:txBody>
@@ -26143,6 +26097,476 @@
       </p:grpSpPr>
       <p:sp>
         <p:nvSpPr>
+          <p:cNvPr id="2" name="Title 1">
+            <a:extLst>
+              <a:ext uri="{FF2B5EF4-FFF2-40B4-BE49-F238E27FC236}">
+                <a16:creationId xmlns:a16="http://schemas.microsoft.com/office/drawing/2014/main" id="{5B31A0C4-9618-4F30-B636-FDBF3E8C46D8}"/>
+              </a:ext>
+            </a:extLst>
+          </p:cNvPr>
+          <p:cNvSpPr>
+            <a:spLocks noGrp="1"/>
+          </p:cNvSpPr>
+          <p:nvPr>
+            <p:ph type="title"/>
+          </p:nvPr>
+        </p:nvSpPr>
+        <p:spPr/>
+        <p:txBody>
+          <a:bodyPr/>
+          <a:lstStyle/>
+          <a:p>
+            <a:r>
+              <a:rPr lang="en-US" dirty="0"/>
+              <a:t>Enhance #2: Composite Resources</a:t>
+            </a:r>
+            <a:endParaRPr lang="en-GB" dirty="0"/>
+          </a:p>
+        </p:txBody>
+      </p:sp>
+      <p:sp>
+        <p:nvSpPr>
+          <p:cNvPr id="3" name="Content Placeholder 2">
+            <a:extLst>
+              <a:ext uri="{FF2B5EF4-FFF2-40B4-BE49-F238E27FC236}">
+                <a16:creationId xmlns:a16="http://schemas.microsoft.com/office/drawing/2014/main" id="{3557E954-3843-4D89-B00B-3342765F35FB}"/>
+              </a:ext>
+            </a:extLst>
+          </p:cNvPr>
+          <p:cNvSpPr>
+            <a:spLocks noGrp="1"/>
+          </p:cNvSpPr>
+          <p:nvPr>
+            <p:ph idx="1"/>
+          </p:nvPr>
+        </p:nvSpPr>
+        <p:spPr/>
+        <p:txBody>
+          <a:bodyPr>
+            <a:normAutofit/>
+          </a:bodyPr>
+          <a:lstStyle/>
+          <a:p>
+            <a:r>
+              <a:rPr lang="en-US" sz="3200" dirty="0"/>
+              <a:t>Real world configurations can become long and complex</a:t>
+            </a:r>
+          </a:p>
+          <a:p>
+            <a:r>
+              <a:rPr lang="en-GB" sz="3200" dirty="0"/>
+              <a:t>Break configurations into chunks </a:t>
+            </a:r>
+            <a:r>
+              <a:rPr lang="en-GB" sz="3200" dirty="0">
+                <a:sym typeface="Wingdings" panose="05000000000000000000" pitchFamily="2" charset="2"/>
+              </a:rPr>
+              <a:t> composite resources</a:t>
+            </a:r>
+          </a:p>
+          <a:p>
+            <a:endParaRPr lang="en-GB" sz="3200" dirty="0"/>
+          </a:p>
+          <a:p>
+            <a:r>
+              <a:rPr lang="en-GB" sz="3200" dirty="0"/>
+              <a:t>Parameters</a:t>
+            </a:r>
+          </a:p>
+          <a:p>
+            <a:r>
+              <a:rPr lang="en-GB" sz="3200" dirty="0"/>
+              <a:t>Support </a:t>
+            </a:r>
+            <a:r>
+              <a:rPr lang="en-GB" sz="3200" dirty="0" err="1"/>
+              <a:t>PsDscRunAsCredential</a:t>
+            </a:r>
+            <a:endParaRPr lang="en-GB" sz="3200" dirty="0"/>
+          </a:p>
+          <a:p>
+            <a:endParaRPr lang="en-GB" sz="3200" dirty="0"/>
+          </a:p>
+        </p:txBody>
+      </p:sp>
+    </p:spTree>
+    <p:extLst>
+      <p:ext uri="{BB962C8B-B14F-4D97-AF65-F5344CB8AC3E}">
+        <p14:creationId xmlns:p14="http://schemas.microsoft.com/office/powerpoint/2010/main" val="850790918"/>
+      </p:ext>
+    </p:extLst>
+  </p:cSld>
+  <p:clrMapOvr>
+    <a:masterClrMapping/>
+  </p:clrMapOvr>
+</p:sld>
+</file>
+
+<file path=ppt/slides/slide19.xml><?xml version="1.0" encoding="utf-8"?>
+<p:sld xmlns:a="http://schemas.openxmlformats.org/drawingml/2006/main" xmlns:r="http://schemas.openxmlformats.org/officeDocument/2006/relationships" xmlns:p="http://schemas.openxmlformats.org/presentationml/2006/main">
+  <p:cSld>
+    <p:spTree>
+      <p:nvGrpSpPr>
+        <p:cNvPr id="1" name=""/>
+        <p:cNvGrpSpPr/>
+        <p:nvPr/>
+      </p:nvGrpSpPr>
+      <p:grpSpPr>
+        <a:xfrm>
+          <a:off x="0" y="0"/>
+          <a:ext cx="0" cy="0"/>
+          <a:chOff x="0" y="0"/>
+          <a:chExt cx="0" cy="0"/>
+        </a:xfrm>
+      </p:grpSpPr>
+      <p:sp>
+        <p:nvSpPr>
+          <p:cNvPr id="2" name="Title 1">
+            <a:extLst>
+              <a:ext uri="{FF2B5EF4-FFF2-40B4-BE49-F238E27FC236}">
+                <a16:creationId xmlns:a16="http://schemas.microsoft.com/office/drawing/2014/main" id="{1F389F7A-D289-4DDC-AE81-CD26094A7425}"/>
+              </a:ext>
+            </a:extLst>
+          </p:cNvPr>
+          <p:cNvSpPr>
+            <a:spLocks noGrp="1"/>
+          </p:cNvSpPr>
+          <p:nvPr>
+            <p:ph type="title"/>
+          </p:nvPr>
+        </p:nvSpPr>
+        <p:spPr/>
+        <p:txBody>
+          <a:bodyPr/>
+          <a:lstStyle/>
+          <a:p>
+            <a:r>
+              <a:rPr lang="en-US" dirty="0"/>
+              <a:t>Demo: Composite Resources</a:t>
+            </a:r>
+            <a:endParaRPr lang="en-GB" dirty="0"/>
+          </a:p>
+        </p:txBody>
+      </p:sp>
+      <p:sp>
+        <p:nvSpPr>
+          <p:cNvPr id="3" name="Content Placeholder 2">
+            <a:extLst>
+              <a:ext uri="{FF2B5EF4-FFF2-40B4-BE49-F238E27FC236}">
+                <a16:creationId xmlns:a16="http://schemas.microsoft.com/office/drawing/2014/main" id="{30ABC43B-9891-468A-A459-6A0EDB10D9C8}"/>
+              </a:ext>
+            </a:extLst>
+          </p:cNvPr>
+          <p:cNvSpPr>
+            <a:spLocks noGrp="1"/>
+          </p:cNvSpPr>
+          <p:nvPr>
+            <p:ph idx="1"/>
+          </p:nvPr>
+        </p:nvSpPr>
+        <p:spPr/>
+        <p:txBody>
+          <a:bodyPr/>
+          <a:lstStyle/>
+          <a:p>
+            <a:r>
+              <a:rPr lang="en-US" dirty="0"/>
+              <a:t>Enhance our configuration</a:t>
+            </a:r>
+          </a:p>
+          <a:p>
+            <a:pPr lvl="1"/>
+            <a:r>
+              <a:rPr lang="en-GB" dirty="0"/>
+              <a:t>Create composite resources from chunks</a:t>
+            </a:r>
+          </a:p>
+          <a:p>
+            <a:pPr lvl="1"/>
+            <a:r>
+              <a:rPr lang="en-GB" dirty="0"/>
+              <a:t>Main config is simplified by calling composite resources</a:t>
+            </a:r>
+          </a:p>
+          <a:p>
+            <a:pPr lvl="1"/>
+            <a:r>
+              <a:rPr lang="en-GB" dirty="0"/>
+              <a:t>Use parameters to control behaviour of composite resources</a:t>
+            </a:r>
+          </a:p>
+          <a:p>
+            <a:endParaRPr lang="en-GB" dirty="0"/>
+          </a:p>
+        </p:txBody>
+      </p:sp>
+    </p:spTree>
+    <p:extLst>
+      <p:ext uri="{BB962C8B-B14F-4D97-AF65-F5344CB8AC3E}">
+        <p14:creationId xmlns:p14="http://schemas.microsoft.com/office/powerpoint/2010/main" val="3028298401"/>
+      </p:ext>
+    </p:extLst>
+  </p:cSld>
+  <p:clrMapOvr>
+    <a:masterClrMapping/>
+  </p:clrMapOvr>
+</p:sld>
+</file>
+
+<file path=ppt/slides/slide2.xml><?xml version="1.0" encoding="utf-8"?>
+<p:sld xmlns:a="http://schemas.openxmlformats.org/drawingml/2006/main" xmlns:r="http://schemas.openxmlformats.org/officeDocument/2006/relationships" xmlns:p="http://schemas.openxmlformats.org/presentationml/2006/main">
+  <p:cSld>
+    <p:spTree>
+      <p:nvGrpSpPr>
+        <p:cNvPr id="1" name=""/>
+        <p:cNvGrpSpPr/>
+        <p:nvPr/>
+      </p:nvGrpSpPr>
+      <p:grpSpPr>
+        <a:xfrm>
+          <a:off x="0" y="0"/>
+          <a:ext cx="0" cy="0"/>
+          <a:chOff x="0" y="0"/>
+          <a:chExt cx="0" cy="0"/>
+        </a:xfrm>
+      </p:grpSpPr>
+      <p:sp>
+        <p:nvSpPr>
+          <p:cNvPr id="2" name="Title 1">
+            <a:extLst>
+              <a:ext uri="{FF2B5EF4-FFF2-40B4-BE49-F238E27FC236}">
+                <a16:creationId xmlns:a16="http://schemas.microsoft.com/office/drawing/2014/main" id="{23AE9CB3-7382-4630-9D25-124626170B5C}"/>
+              </a:ext>
+            </a:extLst>
+          </p:cNvPr>
+          <p:cNvSpPr>
+            <a:spLocks noGrp="1"/>
+          </p:cNvSpPr>
+          <p:nvPr>
+            <p:ph type="title"/>
+          </p:nvPr>
+        </p:nvSpPr>
+        <p:spPr/>
+        <p:txBody>
+          <a:bodyPr/>
+          <a:lstStyle/>
+          <a:p>
+            <a:r>
+              <a:rPr lang="en-US" dirty="0"/>
+              <a:t>Jess Pomfret</a:t>
+            </a:r>
+            <a:br>
+              <a:rPr lang="en-US" dirty="0"/>
+            </a:br>
+            <a:r>
+              <a:rPr lang="en-US" sz="2400" dirty="0"/>
+              <a:t>(She/Her)</a:t>
+            </a:r>
+            <a:endParaRPr lang="en-US" dirty="0"/>
+          </a:p>
+        </p:txBody>
+      </p:sp>
+      <p:sp>
+        <p:nvSpPr>
+          <p:cNvPr id="3" name="Content Placeholder 2">
+            <a:extLst>
+              <a:ext uri="{FF2B5EF4-FFF2-40B4-BE49-F238E27FC236}">
+                <a16:creationId xmlns:a16="http://schemas.microsoft.com/office/drawing/2014/main" id="{BD9FF4B1-4677-48D0-A0AD-0221FAEEFBA3}"/>
+              </a:ext>
+            </a:extLst>
+          </p:cNvPr>
+          <p:cNvSpPr>
+            <a:spLocks noGrp="1"/>
+          </p:cNvSpPr>
+          <p:nvPr>
+            <p:ph idx="1"/>
+          </p:nvPr>
+        </p:nvSpPr>
+        <p:spPr>
+          <a:xfrm>
+            <a:off x="5183188" y="1"/>
+            <a:ext cx="6690760" cy="6260748"/>
+          </a:xfrm>
+        </p:spPr>
+        <p:txBody>
+          <a:bodyPr anchor="ctr">
+            <a:normAutofit/>
+          </a:bodyPr>
+          <a:lstStyle/>
+          <a:p>
+            <a:r>
+              <a:rPr lang="en-US" dirty="0"/>
+              <a:t>SQL Server DBA</a:t>
+            </a:r>
+          </a:p>
+          <a:p>
+            <a:r>
+              <a:rPr lang="en-US" dirty="0"/>
+              <a:t>Open Source Contributor</a:t>
+            </a:r>
+          </a:p>
+          <a:p>
+            <a:pPr lvl="1"/>
+            <a:r>
+              <a:rPr lang="en-US" dirty="0" err="1"/>
+              <a:t>dbatools</a:t>
+            </a:r>
+            <a:r>
+              <a:rPr lang="en-US" dirty="0"/>
+              <a:t>, </a:t>
+            </a:r>
+            <a:r>
+              <a:rPr lang="en-US" dirty="0" err="1"/>
+              <a:t>dbachecks</a:t>
+            </a:r>
+            <a:r>
+              <a:rPr lang="en-US" dirty="0"/>
+              <a:t>, </a:t>
+            </a:r>
+            <a:r>
+              <a:rPr lang="en-US" dirty="0" err="1"/>
+              <a:t>SqlServerDsc</a:t>
+            </a:r>
+            <a:endParaRPr lang="en-US" dirty="0"/>
+          </a:p>
+          <a:p>
+            <a:r>
+              <a:rPr lang="en-US" dirty="0" err="1"/>
+              <a:t>Crossfit</a:t>
+            </a:r>
+            <a:r>
+              <a:rPr lang="en-US" dirty="0"/>
+              <a:t> &amp; Proper Football</a:t>
+            </a:r>
+          </a:p>
+          <a:p>
+            <a:endParaRPr lang="en-US" dirty="0"/>
+          </a:p>
+          <a:p>
+            <a:r>
+              <a:rPr lang="en-US" dirty="0">
+                <a:hlinkClick r:id="rId2"/>
+              </a:rPr>
+              <a:t>jpomfret7@gmail.com</a:t>
+            </a:r>
+            <a:endParaRPr lang="en-US" dirty="0"/>
+          </a:p>
+          <a:p>
+            <a:r>
+              <a:rPr lang="en-US" dirty="0"/>
+              <a:t>@</a:t>
+            </a:r>
+            <a:r>
+              <a:rPr lang="en-US" dirty="0" err="1"/>
+              <a:t>jpomfret</a:t>
+            </a:r>
+            <a:endParaRPr lang="en-US" dirty="0"/>
+          </a:p>
+        </p:txBody>
+      </p:sp>
+      <p:pic>
+        <p:nvPicPr>
+          <p:cNvPr id="5" name="Picture 4">
+            <a:extLst>
+              <a:ext uri="{FF2B5EF4-FFF2-40B4-BE49-F238E27FC236}">
+                <a16:creationId xmlns:a16="http://schemas.microsoft.com/office/drawing/2014/main" id="{AEE9E61A-CF91-4195-91A8-697BB3649372}"/>
+              </a:ext>
+            </a:extLst>
+          </p:cNvPr>
+          <p:cNvPicPr>
+            <a:picLocks noChangeAspect="1"/>
+          </p:cNvPicPr>
+          <p:nvPr/>
+        </p:nvPicPr>
+        <p:blipFill>
+          <a:blip r:embed="rId3">
+            <a:extLst>
+              <a:ext uri="{28A0092B-C50C-407E-A947-70E740481C1C}">
+                <a14:useLocalDpi xmlns:a14="http://schemas.microsoft.com/office/drawing/2010/main" val="0"/>
+              </a:ext>
+            </a:extLst>
+          </a:blip>
+          <a:srcRect/>
+          <a:stretch/>
+        </p:blipFill>
+        <p:spPr>
+          <a:xfrm>
+            <a:off x="601762" y="2175930"/>
+            <a:ext cx="3886551" cy="4084819"/>
+          </a:xfrm>
+          <a:prstGeom prst="rect">
+            <a:avLst/>
+          </a:prstGeom>
+        </p:spPr>
+      </p:pic>
+      <p:pic>
+        <p:nvPicPr>
+          <p:cNvPr id="6" name="Picture 5" descr="A blue sign with white text&#10;&#10;Description automatically generated with medium confidence">
+            <a:extLst>
+              <a:ext uri="{FF2B5EF4-FFF2-40B4-BE49-F238E27FC236}">
+                <a16:creationId xmlns:a16="http://schemas.microsoft.com/office/drawing/2014/main" id="{4ADA5A8B-BBB1-4439-B72A-31B190C3EEDC}"/>
+              </a:ext>
+            </a:extLst>
+          </p:cNvPr>
+          <p:cNvPicPr>
+            <a:picLocks noChangeAspect="1"/>
+          </p:cNvPicPr>
+          <p:nvPr/>
+        </p:nvPicPr>
+        <p:blipFill>
+          <a:blip r:embed="rId4">
+            <a:extLst>
+              <a:ext uri="{28A0092B-C50C-407E-A947-70E740481C1C}">
+                <a14:useLocalDpi xmlns:a14="http://schemas.microsoft.com/office/drawing/2010/main" val="0"/>
+              </a:ext>
+            </a:extLst>
+          </a:blip>
+          <a:stretch>
+            <a:fillRect/>
+          </a:stretch>
+        </p:blipFill>
+        <p:spPr>
+          <a:xfrm>
+            <a:off x="2907383" y="901976"/>
+            <a:ext cx="1580930" cy="637845"/>
+          </a:xfrm>
+          <a:prstGeom prst="rect">
+            <a:avLst/>
+          </a:prstGeom>
+        </p:spPr>
+      </p:pic>
+    </p:spTree>
+    <p:extLst>
+      <p:ext uri="{BB962C8B-B14F-4D97-AF65-F5344CB8AC3E}">
+        <p14:creationId xmlns:p14="http://schemas.microsoft.com/office/powerpoint/2010/main" val="3367076606"/>
+      </p:ext>
+    </p:extLst>
+  </p:cSld>
+  <p:clrMapOvr>
+    <a:masterClrMapping/>
+  </p:clrMapOvr>
+</p:sld>
+</file>
+
+<file path=ppt/slides/slide20.xml><?xml version="1.0" encoding="utf-8"?>
+<p:sld xmlns:a="http://schemas.openxmlformats.org/drawingml/2006/main" xmlns:r="http://schemas.openxmlformats.org/officeDocument/2006/relationships" xmlns:p="http://schemas.openxmlformats.org/presentationml/2006/main">
+  <p:cSld>
+    <p:spTree>
+      <p:nvGrpSpPr>
+        <p:cNvPr id="1" name=""/>
+        <p:cNvGrpSpPr/>
+        <p:nvPr/>
+      </p:nvGrpSpPr>
+      <p:grpSpPr>
+        <a:xfrm>
+          <a:off x="0" y="0"/>
+          <a:ext cx="0" cy="0"/>
+          <a:chOff x="0" y="0"/>
+          <a:chExt cx="0" cy="0"/>
+        </a:xfrm>
+      </p:grpSpPr>
+      <p:sp>
+        <p:nvSpPr>
           <p:cNvPr id="6" name="Title 5">
             <a:extLst>
               <a:ext uri="{FF2B5EF4-FFF2-40B4-BE49-F238E27FC236}">
@@ -26207,7 +26631,7 @@
 </p:sld>
 </file>
 
-<file path=ppt/slides/slide19.xml><?xml version="1.0" encoding="utf-8"?>
+<file path=ppt/slides/slide21.xml><?xml version="1.0" encoding="utf-8"?>
 <p:sld xmlns:a="http://schemas.openxmlformats.org/drawingml/2006/main" xmlns:r="http://schemas.openxmlformats.org/officeDocument/2006/relationships" xmlns:p="http://schemas.openxmlformats.org/presentationml/2006/main">
   <p:cSld>
     <p:spTree>
@@ -26293,93 +26717,7 @@
 </p:sld>
 </file>
 
-<file path=ppt/slides/slide2.xml><?xml version="1.0" encoding="utf-8"?>
-<p:sld xmlns:a="http://schemas.openxmlformats.org/drawingml/2006/main" xmlns:r="http://schemas.openxmlformats.org/officeDocument/2006/relationships" xmlns:p="http://schemas.openxmlformats.org/presentationml/2006/main">
-  <p:cSld>
-    <p:spTree>
-      <p:nvGrpSpPr>
-        <p:cNvPr id="1" name=""/>
-        <p:cNvGrpSpPr/>
-        <p:nvPr/>
-      </p:nvGrpSpPr>
-      <p:grpSpPr>
-        <a:xfrm>
-          <a:off x="0" y="0"/>
-          <a:ext cx="0" cy="0"/>
-          <a:chOff x="0" y="0"/>
-          <a:chExt cx="0" cy="0"/>
-        </a:xfrm>
-      </p:grpSpPr>
-      <p:sp>
-        <p:nvSpPr>
-          <p:cNvPr id="2" name="Title 1">
-            <a:extLst>
-              <a:ext uri="{FF2B5EF4-FFF2-40B4-BE49-F238E27FC236}">
-                <a16:creationId xmlns:a16="http://schemas.microsoft.com/office/drawing/2014/main" id="{29634585-F674-436A-AA9D-FE1C183DEF18}"/>
-              </a:ext>
-            </a:extLst>
-          </p:cNvPr>
-          <p:cNvSpPr>
-            <a:spLocks noGrp="1"/>
-          </p:cNvSpPr>
-          <p:nvPr>
-            <p:ph type="ctrTitle"/>
-          </p:nvPr>
-        </p:nvSpPr>
-        <p:spPr/>
-        <p:txBody>
-          <a:bodyPr/>
-          <a:lstStyle/>
-          <a:p>
-            <a:r>
-              <a:rPr lang="en-US" dirty="0"/>
-              <a:t>Desired State Configuration</a:t>
-            </a:r>
-          </a:p>
-        </p:txBody>
-      </p:sp>
-      <p:sp>
-        <p:nvSpPr>
-          <p:cNvPr id="3" name="Subtitle 2">
-            <a:extLst>
-              <a:ext uri="{FF2B5EF4-FFF2-40B4-BE49-F238E27FC236}">
-                <a16:creationId xmlns:a16="http://schemas.microsoft.com/office/drawing/2014/main" id="{76CDF0B3-8FEA-41F6-AB97-484CBA624A1A}"/>
-              </a:ext>
-            </a:extLst>
-          </p:cNvPr>
-          <p:cNvSpPr>
-            <a:spLocks noGrp="1"/>
-          </p:cNvSpPr>
-          <p:nvPr>
-            <p:ph type="subTitle" idx="1"/>
-          </p:nvPr>
-        </p:nvSpPr>
-        <p:spPr/>
-        <p:txBody>
-          <a:bodyPr/>
-          <a:lstStyle/>
-          <a:p>
-            <a:r>
-              <a:rPr lang="en-US" dirty="0"/>
-              <a:t>Install &amp; Configure SQL Server</a:t>
-            </a:r>
-          </a:p>
-        </p:txBody>
-      </p:sp>
-    </p:spTree>
-    <p:extLst>
-      <p:ext uri="{BB962C8B-B14F-4D97-AF65-F5344CB8AC3E}">
-        <p14:creationId xmlns:p14="http://schemas.microsoft.com/office/powerpoint/2010/main" val="40951072"/>
-      </p:ext>
-    </p:extLst>
-  </p:cSld>
-  <p:clrMapOvr>
-    <a:masterClrMapping/>
-  </p:clrMapOvr>
-</p:sld>
-</file>
-
-<file path=ppt/slides/slide20.xml><?xml version="1.0" encoding="utf-8"?>
+<file path=ppt/slides/slide22.xml><?xml version="1.0" encoding="utf-8"?>
 <p:sld xmlns:a="http://schemas.openxmlformats.org/drawingml/2006/main" xmlns:r="http://schemas.openxmlformats.org/officeDocument/2006/relationships" xmlns:p="http://schemas.openxmlformats.org/presentationml/2006/main">
   <p:cSld>
     <p:spTree>
@@ -26570,7 +26908,7 @@
 </p:sld>
 </file>
 
-<file path=ppt/slides/slide21.xml><?xml version="1.0" encoding="utf-8"?>
+<file path=ppt/slides/slide23.xml><?xml version="1.0" encoding="utf-8"?>
 <p:sld xmlns:a="http://schemas.openxmlformats.org/drawingml/2006/main" xmlns:r="http://schemas.openxmlformats.org/officeDocument/2006/relationships" xmlns:p="http://schemas.openxmlformats.org/presentationml/2006/main">
   <p:cSld>
     <p:spTree>
@@ -26745,7 +27083,7 @@
 </p:sld>
 </file>
 
-<file path=ppt/slides/slide22.xml><?xml version="1.0" encoding="utf-8"?>
+<file path=ppt/slides/slide24.xml><?xml version="1.0" encoding="utf-8"?>
 <p:sld xmlns:a="http://schemas.openxmlformats.org/drawingml/2006/main" xmlns:r="http://schemas.openxmlformats.org/officeDocument/2006/relationships" xmlns:p="http://schemas.openxmlformats.org/presentationml/2006/main">
   <p:cSld>
     <p:spTree>
@@ -26828,7 +27166,7 @@
 </p:sld>
 </file>
 
-<file path=ppt/slides/slide23.xml><?xml version="1.0" encoding="utf-8"?>
+<file path=ppt/slides/slide25.xml><?xml version="1.0" encoding="utf-8"?>
 <p:sld xmlns:a="http://schemas.openxmlformats.org/drawingml/2006/main" xmlns:r="http://schemas.openxmlformats.org/officeDocument/2006/relationships" xmlns:p="http://schemas.openxmlformats.org/presentationml/2006/main">
   <p:cSld>
     <p:spTree>
@@ -26947,7 +27285,7 @@
 </p:sld>
 </file>
 
-<file path=ppt/slides/slide24.xml><?xml version="1.0" encoding="utf-8"?>
+<file path=ppt/slides/slide26.xml><?xml version="1.0" encoding="utf-8"?>
 <p:sld xmlns:a="http://schemas.openxmlformats.org/drawingml/2006/main" xmlns:r="http://schemas.openxmlformats.org/officeDocument/2006/relationships" xmlns:p="http://schemas.openxmlformats.org/presentationml/2006/main">
   <p:cSld>
     <p:spTree>
@@ -27079,7 +27417,7 @@
 </p:sld>
 </file>
 
-<file path=ppt/slides/slide25.xml><?xml version="1.0" encoding="utf-8"?>
+<file path=ppt/slides/slide27.xml><?xml version="1.0" encoding="utf-8"?>
 <p:sld xmlns:a="http://schemas.openxmlformats.org/drawingml/2006/main" xmlns:r="http://schemas.openxmlformats.org/officeDocument/2006/relationships" xmlns:p="http://schemas.openxmlformats.org/presentationml/2006/main">
   <p:cSld>
     <p:spTree>
@@ -27333,7 +27671,7 @@
 </p:sld>
 </file>
 
-<file path=ppt/slides/slide26.xml><?xml version="1.0" encoding="utf-8"?>
+<file path=ppt/slides/slide28.xml><?xml version="1.0" encoding="utf-8"?>
 <p:sld xmlns:a="http://schemas.openxmlformats.org/drawingml/2006/main" xmlns:r="http://schemas.openxmlformats.org/officeDocument/2006/relationships" xmlns:p="http://schemas.openxmlformats.org/presentationml/2006/main">
   <p:cSld>
     <p:spTree>
@@ -27416,7 +27754,7 @@
 </p:sld>
 </file>
 
-<file path=ppt/slides/slide27.xml><?xml version="1.0" encoding="utf-8"?>
+<file path=ppt/slides/slide29.xml><?xml version="1.0" encoding="utf-8"?>
 <p:sld xmlns:a="http://schemas.openxmlformats.org/drawingml/2006/main" xmlns:r="http://schemas.openxmlformats.org/officeDocument/2006/relationships" xmlns:p="http://schemas.openxmlformats.org/presentationml/2006/main">
   <p:cSld>
     <p:spTree>
@@ -27743,7 +28081,150 @@
 </p:sld>
 </file>
 
-<file path=ppt/slides/slide28.xml><?xml version="1.0" encoding="utf-8"?>
+<file path=ppt/slides/slide3.xml><?xml version="1.0" encoding="utf-8"?>
+<p:sld xmlns:a="http://schemas.openxmlformats.org/drawingml/2006/main" xmlns:r="http://schemas.openxmlformats.org/officeDocument/2006/relationships" xmlns:p="http://schemas.openxmlformats.org/presentationml/2006/main">
+  <p:cSld>
+    <p:spTree>
+      <p:nvGrpSpPr>
+        <p:cNvPr id="1" name=""/>
+        <p:cNvGrpSpPr/>
+        <p:nvPr/>
+      </p:nvGrpSpPr>
+      <p:grpSpPr>
+        <a:xfrm>
+          <a:off x="0" y="0"/>
+          <a:ext cx="0" cy="0"/>
+          <a:chOff x="0" y="0"/>
+          <a:chExt cx="0" cy="0"/>
+        </a:xfrm>
+      </p:grpSpPr>
+      <p:sp>
+        <p:nvSpPr>
+          <p:cNvPr id="2" name="Title 1">
+            <a:extLst>
+              <a:ext uri="{FF2B5EF4-FFF2-40B4-BE49-F238E27FC236}">
+                <a16:creationId xmlns:a16="http://schemas.microsoft.com/office/drawing/2014/main" id="{794927B8-3A78-4B9F-B4F8-505299098C04}"/>
+              </a:ext>
+            </a:extLst>
+          </p:cNvPr>
+          <p:cNvSpPr>
+            <a:spLocks noGrp="1"/>
+          </p:cNvSpPr>
+          <p:nvPr>
+            <p:ph type="title"/>
+          </p:nvPr>
+        </p:nvSpPr>
+        <p:spPr/>
+        <p:txBody>
+          <a:bodyPr/>
+          <a:lstStyle/>
+          <a:p>
+            <a:r>
+              <a:rPr lang="en-US" dirty="0"/>
+              <a:t>Agenda</a:t>
+            </a:r>
+          </a:p>
+        </p:txBody>
+      </p:sp>
+      <p:sp>
+        <p:nvSpPr>
+          <p:cNvPr id="3" name="Content Placeholder 2">
+            <a:extLst>
+              <a:ext uri="{FF2B5EF4-FFF2-40B4-BE49-F238E27FC236}">
+                <a16:creationId xmlns:a16="http://schemas.microsoft.com/office/drawing/2014/main" id="{729004DA-0832-4202-B169-FE9120EC45A0}"/>
+              </a:ext>
+            </a:extLst>
+          </p:cNvPr>
+          <p:cNvSpPr>
+            <a:spLocks noGrp="1"/>
+          </p:cNvSpPr>
+          <p:nvPr>
+            <p:ph idx="1"/>
+          </p:nvPr>
+        </p:nvSpPr>
+        <p:spPr>
+          <a:xfrm>
+            <a:off x="838200" y="1003852"/>
+            <a:ext cx="10515600" cy="5173111"/>
+          </a:xfrm>
+        </p:spPr>
+        <p:txBody>
+          <a:bodyPr/>
+          <a:lstStyle/>
+          <a:p>
+            <a:r>
+              <a:rPr lang="en-US" dirty="0"/>
+              <a:t>Desired State Configuration</a:t>
+            </a:r>
+          </a:p>
+          <a:p>
+            <a:pPr lvl="1"/>
+            <a:r>
+              <a:rPr lang="en-US" dirty="0"/>
+              <a:t>What?</a:t>
+            </a:r>
+          </a:p>
+          <a:p>
+            <a:pPr lvl="1"/>
+            <a:r>
+              <a:rPr lang="en-US" dirty="0"/>
+              <a:t>Why?</a:t>
+            </a:r>
+          </a:p>
+          <a:p>
+            <a:pPr lvl="1"/>
+            <a:r>
+              <a:rPr lang="en-US" dirty="0"/>
+              <a:t>How?</a:t>
+            </a:r>
+          </a:p>
+          <a:p>
+            <a:pPr lvl="1"/>
+            <a:endParaRPr lang="en-US" dirty="0"/>
+          </a:p>
+          <a:p>
+            <a:r>
+              <a:rPr lang="en-US" dirty="0"/>
+              <a:t>SQL Server + Desired State Configuration</a:t>
+            </a:r>
+          </a:p>
+          <a:p>
+            <a:pPr lvl="1"/>
+            <a:r>
+              <a:rPr lang="en-US" dirty="0"/>
+              <a:t>Install </a:t>
+            </a:r>
+          </a:p>
+          <a:p>
+            <a:pPr lvl="1"/>
+            <a:r>
+              <a:rPr lang="en-US" dirty="0"/>
+              <a:t>Configure</a:t>
+            </a:r>
+          </a:p>
+          <a:p>
+            <a:pPr lvl="1"/>
+            <a:r>
+              <a:rPr lang="en-US" dirty="0"/>
+              <a:t>Change</a:t>
+            </a:r>
+          </a:p>
+        </p:txBody>
+      </p:sp>
+    </p:spTree>
+    <p:extLst>
+      <p:ext uri="{BB962C8B-B14F-4D97-AF65-F5344CB8AC3E}">
+        <p14:creationId xmlns:p14="http://schemas.microsoft.com/office/powerpoint/2010/main" val="104336367"/>
+      </p:ext>
+    </p:extLst>
+  </p:cSld>
+  <p:clrMapOvr>
+    <a:masterClrMapping/>
+  </p:clrMapOvr>
+</p:sld>
+</file>
+
+<file path=ppt/slides/slide30.xml><?xml version="1.0" encoding="utf-8"?>
 <p:sld xmlns:a="http://schemas.openxmlformats.org/drawingml/2006/main" xmlns:r="http://schemas.openxmlformats.org/officeDocument/2006/relationships" xmlns:p="http://schemas.openxmlformats.org/presentationml/2006/main">
   <p:cSld>
     <p:spTree>
@@ -27875,7 +28356,7 @@
 </p:sld>
 </file>
 
-<file path=ppt/slides/slide29.xml><?xml version="1.0" encoding="utf-8"?>
+<file path=ppt/slides/slide31.xml><?xml version="1.0" encoding="utf-8"?>
 <p:sld xmlns:a="http://schemas.openxmlformats.org/drawingml/2006/main" xmlns:r="http://schemas.openxmlformats.org/officeDocument/2006/relationships" xmlns:p="http://schemas.openxmlformats.org/presentationml/2006/main">
   <p:cSld>
     <p:spTree>
@@ -27966,207 +28447,7 @@
 </p:sld>
 </file>
 
-<file path=ppt/slides/slide3.xml><?xml version="1.0" encoding="utf-8"?>
-<p:sld xmlns:a="http://schemas.openxmlformats.org/drawingml/2006/main" xmlns:r="http://schemas.openxmlformats.org/officeDocument/2006/relationships" xmlns:p="http://schemas.openxmlformats.org/presentationml/2006/main">
-  <p:cSld>
-    <p:spTree>
-      <p:nvGrpSpPr>
-        <p:cNvPr id="1" name=""/>
-        <p:cNvGrpSpPr/>
-        <p:nvPr/>
-      </p:nvGrpSpPr>
-      <p:grpSpPr>
-        <a:xfrm>
-          <a:off x="0" y="0"/>
-          <a:ext cx="0" cy="0"/>
-          <a:chOff x="0" y="0"/>
-          <a:chExt cx="0" cy="0"/>
-        </a:xfrm>
-      </p:grpSpPr>
-      <p:sp>
-        <p:nvSpPr>
-          <p:cNvPr id="2" name="Title 1">
-            <a:extLst>
-              <a:ext uri="{FF2B5EF4-FFF2-40B4-BE49-F238E27FC236}">
-                <a16:creationId xmlns:a16="http://schemas.microsoft.com/office/drawing/2014/main" id="{23AE9CB3-7382-4630-9D25-124626170B5C}"/>
-              </a:ext>
-            </a:extLst>
-          </p:cNvPr>
-          <p:cNvSpPr>
-            <a:spLocks noGrp="1"/>
-          </p:cNvSpPr>
-          <p:nvPr>
-            <p:ph type="title"/>
-          </p:nvPr>
-        </p:nvSpPr>
-        <p:spPr/>
-        <p:txBody>
-          <a:bodyPr/>
-          <a:lstStyle/>
-          <a:p>
-            <a:r>
-              <a:rPr lang="en-US" dirty="0"/>
-              <a:t>Jess Pomfret</a:t>
-            </a:r>
-            <a:br>
-              <a:rPr lang="en-US" dirty="0"/>
-            </a:br>
-            <a:r>
-              <a:rPr lang="en-US" sz="2400" dirty="0"/>
-              <a:t>(She/Her)</a:t>
-            </a:r>
-            <a:endParaRPr lang="en-US" dirty="0"/>
-          </a:p>
-        </p:txBody>
-      </p:sp>
-      <p:sp>
-        <p:nvSpPr>
-          <p:cNvPr id="3" name="Content Placeholder 2">
-            <a:extLst>
-              <a:ext uri="{FF2B5EF4-FFF2-40B4-BE49-F238E27FC236}">
-                <a16:creationId xmlns:a16="http://schemas.microsoft.com/office/drawing/2014/main" id="{BD9FF4B1-4677-48D0-A0AD-0221FAEEFBA3}"/>
-              </a:ext>
-            </a:extLst>
-          </p:cNvPr>
-          <p:cNvSpPr>
-            <a:spLocks noGrp="1"/>
-          </p:cNvSpPr>
-          <p:nvPr>
-            <p:ph idx="1"/>
-          </p:nvPr>
-        </p:nvSpPr>
-        <p:spPr>
-          <a:xfrm>
-            <a:off x="5183188" y="1"/>
-            <a:ext cx="6690760" cy="6260748"/>
-          </a:xfrm>
-        </p:spPr>
-        <p:txBody>
-          <a:bodyPr anchor="ctr">
-            <a:normAutofit/>
-          </a:bodyPr>
-          <a:lstStyle/>
-          <a:p>
-            <a:r>
-              <a:rPr lang="en-US" dirty="0"/>
-              <a:t>SQL Server DBA</a:t>
-            </a:r>
-          </a:p>
-          <a:p>
-            <a:r>
-              <a:rPr lang="en-US" dirty="0"/>
-              <a:t>Open Source Contributor</a:t>
-            </a:r>
-          </a:p>
-          <a:p>
-            <a:pPr lvl="1"/>
-            <a:r>
-              <a:rPr lang="en-US" dirty="0" err="1"/>
-              <a:t>dbatools</a:t>
-            </a:r>
-            <a:r>
-              <a:rPr lang="en-US" dirty="0"/>
-              <a:t>, </a:t>
-            </a:r>
-            <a:r>
-              <a:rPr lang="en-US" dirty="0" err="1"/>
-              <a:t>dbachecks</a:t>
-            </a:r>
-            <a:r>
-              <a:rPr lang="en-US" dirty="0"/>
-              <a:t>, </a:t>
-            </a:r>
-            <a:r>
-              <a:rPr lang="en-US" dirty="0" err="1"/>
-              <a:t>SqlServerDsc</a:t>
-            </a:r>
-            <a:endParaRPr lang="en-US" dirty="0"/>
-          </a:p>
-          <a:p>
-            <a:r>
-              <a:rPr lang="en-US" dirty="0" err="1"/>
-              <a:t>Crossfit</a:t>
-            </a:r>
-            <a:r>
-              <a:rPr lang="en-US" dirty="0"/>
-              <a:t> &amp; Proper Football</a:t>
-            </a:r>
-          </a:p>
-          <a:p>
-            <a:endParaRPr lang="en-US" dirty="0"/>
-          </a:p>
-          <a:p>
-            <a:r>
-              <a:rPr lang="en-US" dirty="0">
-                <a:hlinkClick r:id="rId2"/>
-              </a:rPr>
-              <a:t>jpomfret7@gmail.com</a:t>
-            </a:r>
-            <a:endParaRPr lang="en-US" dirty="0"/>
-          </a:p>
-          <a:p>
-            <a:r>
-              <a:rPr lang="en-US" dirty="0"/>
-              <a:t>@</a:t>
-            </a:r>
-            <a:r>
-              <a:rPr lang="en-US" dirty="0" err="1"/>
-              <a:t>jpomfret</a:t>
-            </a:r>
-            <a:endParaRPr lang="en-US" dirty="0"/>
-          </a:p>
-        </p:txBody>
-      </p:sp>
-      <p:pic>
-        <p:nvPicPr>
-          <p:cNvPr id="5" name="Picture 4">
-            <a:extLst>
-              <a:ext uri="{FF2B5EF4-FFF2-40B4-BE49-F238E27FC236}">
-                <a16:creationId xmlns:a16="http://schemas.microsoft.com/office/drawing/2014/main" id="{AEE9E61A-CF91-4195-91A8-697BB3649372}"/>
-              </a:ext>
-            </a:extLst>
-          </p:cNvPr>
-          <p:cNvPicPr>
-            <a:picLocks noChangeAspect="1"/>
-          </p:cNvPicPr>
-          <p:nvPr/>
-        </p:nvPicPr>
-        <p:blipFill>
-          <a:blip r:embed="rId3">
-            <a:extLst>
-              <a:ext uri="{28A0092B-C50C-407E-A947-70E740481C1C}">
-                <a14:useLocalDpi xmlns:a14="http://schemas.microsoft.com/office/drawing/2010/main" val="0"/>
-              </a:ext>
-            </a:extLst>
-          </a:blip>
-          <a:stretch>
-            <a:fillRect/>
-          </a:stretch>
-        </p:blipFill>
-        <p:spPr>
-          <a:xfrm>
-            <a:off x="502628" y="2175930"/>
-            <a:ext cx="4084819" cy="4084819"/>
-          </a:xfrm>
-          <a:prstGeom prst="rect">
-            <a:avLst/>
-          </a:prstGeom>
-        </p:spPr>
-      </p:pic>
-    </p:spTree>
-    <p:extLst>
-      <p:ext uri="{BB962C8B-B14F-4D97-AF65-F5344CB8AC3E}">
-        <p14:creationId xmlns:p14="http://schemas.microsoft.com/office/powerpoint/2010/main" val="3367076606"/>
-      </p:ext>
-    </p:extLst>
-  </p:cSld>
-  <p:clrMapOvr>
-    <a:masterClrMapping/>
-  </p:clrMapOvr>
-</p:sld>
-</file>
-
-<file path=ppt/slides/slide30.xml><?xml version="1.0" encoding="utf-8"?>
+<file path=ppt/slides/slide32.xml><?xml version="1.0" encoding="utf-8"?>
 <p:sld xmlns:a="http://schemas.openxmlformats.org/drawingml/2006/main" xmlns:r="http://schemas.openxmlformats.org/officeDocument/2006/relationships" xmlns:p="http://schemas.openxmlformats.org/presentationml/2006/main">
   <p:cSld>
     <p:spTree>
@@ -28368,7 +28649,7 @@
 </p:sld>
 </file>
 
-<file path=ppt/slides/slide31.xml><?xml version="1.0" encoding="utf-8"?>
+<file path=ppt/slides/slide33.xml><?xml version="1.0" encoding="utf-8"?>
 <p:sld xmlns:a="http://schemas.openxmlformats.org/drawingml/2006/main" xmlns:r="http://schemas.openxmlformats.org/officeDocument/2006/relationships" xmlns:p="http://schemas.openxmlformats.org/presentationml/2006/main">
   <p:cSld>
     <p:spTree>
@@ -28953,7 +29234,7 @@
 </p:sld>
 </file>
 
-<file path=ppt/slides/slide32.xml><?xml version="1.0" encoding="utf-8"?>
+<file path=ppt/slides/slide34.xml><?xml version="1.0" encoding="utf-8"?>
 <p:sld xmlns:a="http://schemas.openxmlformats.org/drawingml/2006/main" xmlns:r="http://schemas.openxmlformats.org/officeDocument/2006/relationships" xmlns:p="http://schemas.openxmlformats.org/presentationml/2006/main">
   <p:cSld>
     <p:spTree>
@@ -29054,7 +29335,7 @@
 </p:sld>
 </file>
 
-<file path=ppt/slides/slide33.xml><?xml version="1.0" encoding="utf-8"?>
+<file path=ppt/slides/slide35.xml><?xml version="1.0" encoding="utf-8"?>
 <p:sld xmlns:a="http://schemas.openxmlformats.org/drawingml/2006/main" xmlns:r="http://schemas.openxmlformats.org/officeDocument/2006/relationships" xmlns:p="http://schemas.openxmlformats.org/presentationml/2006/main">
   <p:cSld>
     <p:spTree>
@@ -29132,34 +29413,37 @@
             </a:r>
           </a:p>
           <a:p>
+            <a:r>
+              <a:rPr lang="en-US" dirty="0"/>
+              <a:t>Pull Server\Azure Automation</a:t>
+            </a:r>
+          </a:p>
+          <a:p>
             <a:endParaRPr lang="en-US" dirty="0"/>
           </a:p>
           <a:p>
             <a:r>
               <a:rPr lang="en-US" dirty="0"/>
-              <a:t>Chef/Puppet/Ansible</a:t>
-            </a:r>
-          </a:p>
-          <a:p>
+              <a:t>Third Party Integration (Chef, Puppet, Ansible, etc.)</a:t>
+            </a:r>
+          </a:p>
+          <a:p>
+            <a:r>
+              <a:rPr lang="en-US" dirty="0"/>
+              <a:t>Datum\</a:t>
+            </a:r>
+            <a:r>
+              <a:rPr lang="en-US" dirty="0" err="1">
+                <a:hlinkClick r:id="rId3"/>
+              </a:rPr>
+              <a:t>DscWorkshop</a:t>
+            </a:r>
             <a:endParaRPr lang="en-US" dirty="0"/>
           </a:p>
           <a:p>
-            <a:r>
-              <a:rPr lang="en-US" dirty="0"/>
-              <a:t>Datum</a:t>
-            </a:r>
-          </a:p>
-          <a:p>
-            <a:r>
-              <a:rPr lang="en-US" dirty="0"/>
-              <a:t>Azure automation</a:t>
-            </a:r>
-          </a:p>
-          <a:p>
-            <a:r>
-              <a:rPr lang="en-US" dirty="0" err="1"/>
-              <a:t>ReverseDSC</a:t>
-            </a:r>
+            <a:pPr marL="0" indent="0">
+              <a:buNone/>
+            </a:pPr>
             <a:endParaRPr lang="en-US" dirty="0"/>
           </a:p>
         </p:txBody>
@@ -29177,7 +29461,280 @@
 </p:sld>
 </file>
 
-<file path=ppt/slides/slide34.xml><?xml version="1.0" encoding="utf-8"?>
+<file path=ppt/slides/slide36.xml><?xml version="1.0" encoding="utf-8"?>
+<p:sld xmlns:a="http://schemas.openxmlformats.org/drawingml/2006/main" xmlns:r="http://schemas.openxmlformats.org/officeDocument/2006/relationships" xmlns:p="http://schemas.openxmlformats.org/presentationml/2006/main">
+  <p:cSld>
+    <p:spTree>
+      <p:nvGrpSpPr>
+        <p:cNvPr id="1" name=""/>
+        <p:cNvGrpSpPr/>
+        <p:nvPr/>
+      </p:nvGrpSpPr>
+      <p:grpSpPr>
+        <a:xfrm>
+          <a:off x="0" y="0"/>
+          <a:ext cx="0" cy="0"/>
+          <a:chOff x="0" y="0"/>
+          <a:chExt cx="0" cy="0"/>
+        </a:xfrm>
+      </p:grpSpPr>
+      <p:sp>
+        <p:nvSpPr>
+          <p:cNvPr id="2" name="Title 1">
+            <a:extLst>
+              <a:ext uri="{FF2B5EF4-FFF2-40B4-BE49-F238E27FC236}">
+                <a16:creationId xmlns:a16="http://schemas.microsoft.com/office/drawing/2014/main" id="{EE33BCD1-F797-4B1B-8020-098D75355C63}"/>
+              </a:ext>
+            </a:extLst>
+          </p:cNvPr>
+          <p:cNvSpPr>
+            <a:spLocks noGrp="1"/>
+          </p:cNvSpPr>
+          <p:nvPr>
+            <p:ph type="title"/>
+          </p:nvPr>
+        </p:nvSpPr>
+        <p:spPr/>
+        <p:txBody>
+          <a:bodyPr/>
+          <a:lstStyle/>
+          <a:p>
+            <a:endParaRPr lang="en-GB" u="sng" dirty="0"/>
+          </a:p>
+        </p:txBody>
+      </p:sp>
+      <p:sp>
+        <p:nvSpPr>
+          <p:cNvPr id="3" name="Content Placeholder 2">
+            <a:extLst>
+              <a:ext uri="{FF2B5EF4-FFF2-40B4-BE49-F238E27FC236}">
+                <a16:creationId xmlns:a16="http://schemas.microsoft.com/office/drawing/2014/main" id="{8F502231-DD43-45D7-BAF6-EDA28CB03964}"/>
+              </a:ext>
+            </a:extLst>
+          </p:cNvPr>
+          <p:cNvSpPr>
+            <a:spLocks noGrp="1"/>
+          </p:cNvSpPr>
+          <p:nvPr>
+            <p:ph idx="1"/>
+          </p:nvPr>
+        </p:nvSpPr>
+        <p:spPr/>
+        <p:txBody>
+          <a:bodyPr>
+            <a:normAutofit/>
+          </a:bodyPr>
+          <a:lstStyle/>
+          <a:p>
+            <a:r>
+              <a:rPr lang="en-US" sz="3200" dirty="0"/>
+              <a:t>PowerShell 7 \ DSC V3</a:t>
+            </a:r>
+          </a:p>
+          <a:p>
+            <a:pPr lvl="1"/>
+            <a:r>
+              <a:rPr lang="en-US" sz="2800" dirty="0"/>
+              <a:t>Invoke-</a:t>
+            </a:r>
+            <a:r>
+              <a:rPr lang="en-US" sz="2800" dirty="0" err="1"/>
+              <a:t>DscResource</a:t>
+            </a:r>
+            <a:endParaRPr lang="en-US" sz="2800" dirty="0"/>
+          </a:p>
+          <a:p>
+            <a:pPr lvl="1"/>
+            <a:r>
+              <a:rPr lang="en-US" sz="2800" dirty="0"/>
+              <a:t>Remove dependency on MOF</a:t>
+            </a:r>
+          </a:p>
+          <a:p>
+            <a:pPr lvl="2"/>
+            <a:r>
+              <a:rPr lang="en-US" sz="2400" dirty="0"/>
+              <a:t>Class based resources</a:t>
+            </a:r>
+          </a:p>
+          <a:p>
+            <a:pPr lvl="2"/>
+            <a:r>
+              <a:rPr lang="en-US" sz="2400" dirty="0"/>
+              <a:t>No LCM?</a:t>
+            </a:r>
+          </a:p>
+          <a:p>
+            <a:pPr lvl="2"/>
+            <a:endParaRPr lang="en-US" sz="2400" dirty="0"/>
+          </a:p>
+          <a:p>
+            <a:r>
+              <a:rPr lang="en-US" sz="3200" dirty="0"/>
+              <a:t>Timeline?</a:t>
+            </a:r>
+          </a:p>
+          <a:p>
+            <a:endParaRPr lang="en-US" sz="3200" dirty="0"/>
+          </a:p>
+          <a:p>
+            <a:endParaRPr lang="en-GB" sz="3200" dirty="0"/>
+          </a:p>
+        </p:txBody>
+      </p:sp>
+      <p:pic>
+        <p:nvPicPr>
+          <p:cNvPr id="6" name="Picture 2">
+            <a:extLst>
+              <a:ext uri="{FF2B5EF4-FFF2-40B4-BE49-F238E27FC236}">
+                <a16:creationId xmlns:a16="http://schemas.microsoft.com/office/drawing/2014/main" id="{D577C082-9241-4FAB-B034-A637752B7B98}"/>
+              </a:ext>
+            </a:extLst>
+          </p:cNvPr>
+          <p:cNvPicPr>
+            <a:picLocks noChangeAspect="1" noChangeArrowheads="1"/>
+          </p:cNvPicPr>
+          <p:nvPr/>
+        </p:nvPicPr>
+        <p:blipFill>
+          <a:blip r:embed="rId3">
+            <a:extLst>
+              <a:ext uri="{28A0092B-C50C-407E-A947-70E740481C1C}">
+                <a14:useLocalDpi xmlns:a14="http://schemas.microsoft.com/office/drawing/2010/main" val="0"/>
+              </a:ext>
+            </a:extLst>
+          </a:blip>
+          <a:srcRect/>
+          <a:stretch>
+            <a:fillRect/>
+          </a:stretch>
+        </p:blipFill>
+        <p:spPr bwMode="auto">
+          <a:xfrm>
+            <a:off x="6133139" y="2098623"/>
+            <a:ext cx="5964255" cy="3954858"/>
+          </a:xfrm>
+          <a:prstGeom prst="rect">
+            <a:avLst/>
+          </a:prstGeom>
+          <a:ln>
+            <a:noFill/>
+          </a:ln>
+          <a:effectLst>
+            <a:outerShdw blurRad="190500" algn="tl" rotWithShape="0">
+              <a:srgbClr val="000000">
+                <a:alpha val="70000"/>
+              </a:srgbClr>
+            </a:outerShdw>
+          </a:effectLst>
+          <a:extLst>
+            <a:ext uri="{909E8E84-426E-40DD-AFC4-6F175D3DCCD1}">
+              <a14:hiddenFill xmlns:a14="http://schemas.microsoft.com/office/drawing/2010/main">
+                <a:solidFill>
+                  <a:srgbClr val="FFFFFF"/>
+                </a:solidFill>
+              </a14:hiddenFill>
+            </a:ext>
+          </a:extLst>
+        </p:spPr>
+      </p:pic>
+    </p:spTree>
+    <p:extLst>
+      <p:ext uri="{BB962C8B-B14F-4D97-AF65-F5344CB8AC3E}">
+        <p14:creationId xmlns:p14="http://schemas.microsoft.com/office/powerpoint/2010/main" val="3110661401"/>
+      </p:ext>
+    </p:extLst>
+  </p:cSld>
+  <p:clrMapOvr>
+    <a:masterClrMapping/>
+  </p:clrMapOvr>
+  <p:timing>
+    <p:tnLst>
+      <p:par>
+        <p:cTn id="1" dur="indefinite" restart="never" nodeType="tmRoot">
+          <p:childTnLst>
+            <p:seq concurrent="1" nextAc="seek">
+              <p:cTn id="2" dur="indefinite" nodeType="mainSeq">
+                <p:childTnLst>
+                  <p:par>
+                    <p:cTn id="3" fill="hold">
+                      <p:stCondLst>
+                        <p:cond delay="indefinite"/>
+                      </p:stCondLst>
+                      <p:childTnLst>
+                        <p:par>
+                          <p:cTn id="4" fill="hold">
+                            <p:stCondLst>
+                              <p:cond delay="0"/>
+                            </p:stCondLst>
+                            <p:childTnLst>
+                              <p:par>
+                                <p:cTn id="5" presetID="10" presetClass="entr" presetSubtype="0" fill="hold" nodeType="clickEffect">
+                                  <p:stCondLst>
+                                    <p:cond delay="0"/>
+                                  </p:stCondLst>
+                                  <p:childTnLst>
+                                    <p:set>
+                                      <p:cBhvr>
+                                        <p:cTn id="6" dur="1" fill="hold">
+                                          <p:stCondLst>
+                                            <p:cond delay="0"/>
+                                          </p:stCondLst>
+                                        </p:cTn>
+                                        <p:tgtEl>
+                                          <p:spTgt spid="6"/>
+                                        </p:tgtEl>
+                                        <p:attrNameLst>
+                                          <p:attrName>style.visibility</p:attrName>
+                                        </p:attrNameLst>
+                                      </p:cBhvr>
+                                      <p:to>
+                                        <p:strVal val="visible"/>
+                                      </p:to>
+                                    </p:set>
+                                    <p:animEffect transition="in" filter="fade">
+                                      <p:cBhvr>
+                                        <p:cTn id="7" dur="500"/>
+                                        <p:tgtEl>
+                                          <p:spTgt spid="6"/>
+                                        </p:tgtEl>
+                                      </p:cBhvr>
+                                    </p:animEffect>
+                                  </p:childTnLst>
+                                </p:cTn>
+                              </p:par>
+                            </p:childTnLst>
+                          </p:cTn>
+                        </p:par>
+                      </p:childTnLst>
+                    </p:cTn>
+                  </p:par>
+                </p:childTnLst>
+              </p:cTn>
+              <p:prevCondLst>
+                <p:cond evt="onPrev" delay="0">
+                  <p:tgtEl>
+                    <p:sldTgt/>
+                  </p:tgtEl>
+                </p:cond>
+              </p:prevCondLst>
+              <p:nextCondLst>
+                <p:cond evt="onNext" delay="0">
+                  <p:tgtEl>
+                    <p:sldTgt/>
+                  </p:tgtEl>
+                </p:cond>
+              </p:nextCondLst>
+            </p:seq>
+          </p:childTnLst>
+        </p:cTn>
+      </p:par>
+    </p:tnLst>
+  </p:timing>
+</p:sld>
+</file>
+
+<file path=ppt/slides/slide37.xml><?xml version="1.0" encoding="utf-8"?>
 <p:sld xmlns:a="http://schemas.openxmlformats.org/drawingml/2006/main" xmlns:r="http://schemas.openxmlformats.org/officeDocument/2006/relationships" xmlns:p="http://schemas.openxmlformats.org/presentationml/2006/main">
   <p:cSld>
     <p:spTree>
@@ -29310,265 +29867,7 @@
 </p:sld>
 </file>
 
-<file path=ppt/slides/slide35.xml><?xml version="1.0" encoding="utf-8"?>
-<p:sld xmlns:a="http://schemas.openxmlformats.org/drawingml/2006/main" xmlns:r="http://schemas.openxmlformats.org/officeDocument/2006/relationships" xmlns:p="http://schemas.openxmlformats.org/presentationml/2006/main">
-  <p:cSld>
-    <p:spTree>
-      <p:nvGrpSpPr>
-        <p:cNvPr id="1" name=""/>
-        <p:cNvGrpSpPr/>
-        <p:nvPr/>
-      </p:nvGrpSpPr>
-      <p:grpSpPr>
-        <a:xfrm>
-          <a:off x="0" y="0"/>
-          <a:ext cx="0" cy="0"/>
-          <a:chOff x="0" y="0"/>
-          <a:chExt cx="0" cy="0"/>
-        </a:xfrm>
-      </p:grpSpPr>
-    </p:spTree>
-    <p:extLst>
-      <p:ext uri="{BB962C8B-B14F-4D97-AF65-F5344CB8AC3E}">
-        <p14:creationId xmlns:p14="http://schemas.microsoft.com/office/powerpoint/2010/main" val="4084810999"/>
-      </p:ext>
-    </p:extLst>
-  </p:cSld>
-  <p:clrMapOvr>
-    <a:masterClrMapping/>
-  </p:clrMapOvr>
-</p:sld>
-</file>
-
-<file path=ppt/slides/slide36.xml><?xml version="1.0" encoding="utf-8"?>
-<p:sld xmlns:a="http://schemas.openxmlformats.org/drawingml/2006/main" xmlns:r="http://schemas.openxmlformats.org/officeDocument/2006/relationships" xmlns:p="http://schemas.openxmlformats.org/presentationml/2006/main">
-  <p:cSld>
-    <p:spTree>
-      <p:nvGrpSpPr>
-        <p:cNvPr id="1" name=""/>
-        <p:cNvGrpSpPr/>
-        <p:nvPr/>
-      </p:nvGrpSpPr>
-      <p:grpSpPr>
-        <a:xfrm>
-          <a:off x="0" y="0"/>
-          <a:ext cx="0" cy="0"/>
-          <a:chOff x="0" y="0"/>
-          <a:chExt cx="0" cy="0"/>
-        </a:xfrm>
-      </p:grpSpPr>
-    </p:spTree>
-    <p:extLst>
-      <p:ext uri="{BB962C8B-B14F-4D97-AF65-F5344CB8AC3E}">
-        <p14:creationId xmlns:p14="http://schemas.microsoft.com/office/powerpoint/2010/main" val="3662501019"/>
-      </p:ext>
-    </p:extLst>
-  </p:cSld>
-  <p:clrMapOvr>
-    <a:masterClrMapping/>
-  </p:clrMapOvr>
-</p:sld>
-</file>
-
-<file path=ppt/slides/slide37.xml><?xml version="1.0" encoding="utf-8"?>
-<p:sld xmlns:a="http://schemas.openxmlformats.org/drawingml/2006/main" xmlns:r="http://schemas.openxmlformats.org/officeDocument/2006/relationships" xmlns:p="http://schemas.openxmlformats.org/presentationml/2006/main">
-  <p:cSld>
-    <p:spTree>
-      <p:nvGrpSpPr>
-        <p:cNvPr id="1" name=""/>
-        <p:cNvGrpSpPr/>
-        <p:nvPr/>
-      </p:nvGrpSpPr>
-      <p:grpSpPr>
-        <a:xfrm>
-          <a:off x="0" y="0"/>
-          <a:ext cx="0" cy="0"/>
-          <a:chOff x="0" y="0"/>
-          <a:chExt cx="0" cy="0"/>
-        </a:xfrm>
-      </p:grpSpPr>
-      <p:sp>
-        <p:nvSpPr>
-          <p:cNvPr id="4" name="Title 3">
-            <a:extLst>
-              <a:ext uri="{FF2B5EF4-FFF2-40B4-BE49-F238E27FC236}">
-                <a16:creationId xmlns:a16="http://schemas.microsoft.com/office/drawing/2014/main" id="{02BC5EBB-6DA3-4551-8178-4C166018F840}"/>
-              </a:ext>
-            </a:extLst>
-          </p:cNvPr>
-          <p:cNvSpPr>
-            <a:spLocks noGrp="1"/>
-          </p:cNvSpPr>
-          <p:nvPr>
-            <p:ph type="title"/>
-          </p:nvPr>
-        </p:nvSpPr>
-        <p:spPr/>
-        <p:txBody>
-          <a:bodyPr/>
-          <a:lstStyle/>
-          <a:p>
-            <a:endParaRPr lang="en-GB" dirty="0"/>
-          </a:p>
-        </p:txBody>
-      </p:sp>
-    </p:spTree>
-    <p:extLst>
-      <p:ext uri="{BB962C8B-B14F-4D97-AF65-F5344CB8AC3E}">
-        <p14:creationId xmlns:p14="http://schemas.microsoft.com/office/powerpoint/2010/main" val="1718640468"/>
-      </p:ext>
-    </p:extLst>
-  </p:cSld>
-  <p:clrMapOvr>
-    <a:masterClrMapping/>
-  </p:clrMapOvr>
-</p:sld>
-</file>
-
 <file path=ppt/slides/slide4.xml><?xml version="1.0" encoding="utf-8"?>
-<p:sld xmlns:a="http://schemas.openxmlformats.org/drawingml/2006/main" xmlns:r="http://schemas.openxmlformats.org/officeDocument/2006/relationships" xmlns:p="http://schemas.openxmlformats.org/presentationml/2006/main">
-  <p:cSld>
-    <p:spTree>
-      <p:nvGrpSpPr>
-        <p:cNvPr id="1" name=""/>
-        <p:cNvGrpSpPr/>
-        <p:nvPr/>
-      </p:nvGrpSpPr>
-      <p:grpSpPr>
-        <a:xfrm>
-          <a:off x="0" y="0"/>
-          <a:ext cx="0" cy="0"/>
-          <a:chOff x="0" y="0"/>
-          <a:chExt cx="0" cy="0"/>
-        </a:xfrm>
-      </p:grpSpPr>
-      <p:sp>
-        <p:nvSpPr>
-          <p:cNvPr id="2" name="Title 1">
-            <a:extLst>
-              <a:ext uri="{FF2B5EF4-FFF2-40B4-BE49-F238E27FC236}">
-                <a16:creationId xmlns:a16="http://schemas.microsoft.com/office/drawing/2014/main" id="{794927B8-3A78-4B9F-B4F8-505299098C04}"/>
-              </a:ext>
-            </a:extLst>
-          </p:cNvPr>
-          <p:cNvSpPr>
-            <a:spLocks noGrp="1"/>
-          </p:cNvSpPr>
-          <p:nvPr>
-            <p:ph type="title"/>
-          </p:nvPr>
-        </p:nvSpPr>
-        <p:spPr/>
-        <p:txBody>
-          <a:bodyPr/>
-          <a:lstStyle/>
-          <a:p>
-            <a:r>
-              <a:rPr lang="en-US" dirty="0"/>
-              <a:t>Agenda</a:t>
-            </a:r>
-          </a:p>
-        </p:txBody>
-      </p:sp>
-      <p:sp>
-        <p:nvSpPr>
-          <p:cNvPr id="3" name="Content Placeholder 2">
-            <a:extLst>
-              <a:ext uri="{FF2B5EF4-FFF2-40B4-BE49-F238E27FC236}">
-                <a16:creationId xmlns:a16="http://schemas.microsoft.com/office/drawing/2014/main" id="{729004DA-0832-4202-B169-FE9120EC45A0}"/>
-              </a:ext>
-            </a:extLst>
-          </p:cNvPr>
-          <p:cNvSpPr>
-            <a:spLocks noGrp="1"/>
-          </p:cNvSpPr>
-          <p:nvPr>
-            <p:ph idx="1"/>
-          </p:nvPr>
-        </p:nvSpPr>
-        <p:spPr>
-          <a:xfrm>
-            <a:off x="838200" y="1003852"/>
-            <a:ext cx="10515600" cy="5173111"/>
-          </a:xfrm>
-        </p:spPr>
-        <p:txBody>
-          <a:bodyPr/>
-          <a:lstStyle/>
-          <a:p>
-            <a:r>
-              <a:rPr lang="en-US" dirty="0"/>
-              <a:t>Desired State Configuration</a:t>
-            </a:r>
-          </a:p>
-          <a:p>
-            <a:pPr lvl="1"/>
-            <a:r>
-              <a:rPr lang="en-US" dirty="0"/>
-              <a:t>What?</a:t>
-            </a:r>
-          </a:p>
-          <a:p>
-            <a:pPr lvl="1"/>
-            <a:r>
-              <a:rPr lang="en-US" dirty="0"/>
-              <a:t>Why?</a:t>
-            </a:r>
-          </a:p>
-          <a:p>
-            <a:pPr lvl="1"/>
-            <a:r>
-              <a:rPr lang="en-US" dirty="0"/>
-              <a:t>How?</a:t>
-            </a:r>
-          </a:p>
-          <a:p>
-            <a:pPr lvl="1"/>
-            <a:endParaRPr lang="en-US" dirty="0"/>
-          </a:p>
-          <a:p>
-            <a:r>
-              <a:rPr lang="en-US" dirty="0"/>
-              <a:t>SQL Server + Desired State Configuration</a:t>
-            </a:r>
-          </a:p>
-          <a:p>
-            <a:pPr lvl="1"/>
-            <a:r>
-              <a:rPr lang="en-US" dirty="0"/>
-              <a:t>Install </a:t>
-            </a:r>
-          </a:p>
-          <a:p>
-            <a:pPr lvl="1"/>
-            <a:r>
-              <a:rPr lang="en-US" dirty="0"/>
-              <a:t>Configure</a:t>
-            </a:r>
-          </a:p>
-          <a:p>
-            <a:pPr lvl="1"/>
-            <a:r>
-              <a:rPr lang="en-US" dirty="0"/>
-              <a:t>Change</a:t>
-            </a:r>
-          </a:p>
-        </p:txBody>
-      </p:sp>
-    </p:spTree>
-    <p:extLst>
-      <p:ext uri="{BB962C8B-B14F-4D97-AF65-F5344CB8AC3E}">
-        <p14:creationId xmlns:p14="http://schemas.microsoft.com/office/powerpoint/2010/main" val="104336367"/>
-      </p:ext>
-    </p:extLst>
-  </p:cSld>
-  <p:clrMapOvr>
-    <a:masterClrMapping/>
-  </p:clrMapOvr>
-</p:sld>
-</file>
-
-<file path=ppt/slides/slide5.xml><?xml version="1.0" encoding="utf-8"?>
 <p:sld xmlns:a="http://schemas.openxmlformats.org/drawingml/2006/main" xmlns:r="http://schemas.openxmlformats.org/officeDocument/2006/relationships" xmlns:p="http://schemas.openxmlformats.org/presentationml/2006/main">
   <p:cSld>
     <p:spTree>
@@ -29654,7 +29953,7 @@
 </p:sld>
 </file>
 
-<file path=ppt/slides/slide6.xml><?xml version="1.0" encoding="utf-8"?>
+<file path=ppt/slides/slide5.xml><?xml version="1.0" encoding="utf-8"?>
 <p:sld xmlns:a="http://schemas.openxmlformats.org/drawingml/2006/main" xmlns:r="http://schemas.openxmlformats.org/officeDocument/2006/relationships" xmlns:p="http://schemas.openxmlformats.org/presentationml/2006/main">
   <p:cSld>
     <p:spTree>
@@ -29723,7 +30022,7 @@
         </p:spPr>
         <p:txBody>
           <a:bodyPr>
-            <a:normAutofit lnSpcReduction="10000"/>
+            <a:normAutofit/>
           </a:bodyPr>
           <a:lstStyle/>
           <a:p>
@@ -29739,6 +30038,12 @@
             </a:r>
           </a:p>
           <a:p>
+            <a:r>
+              <a:rPr lang="en-US" dirty="0"/>
+              <a:t>DSC for PowerShell 7 – future enhancements… </a:t>
+            </a:r>
+          </a:p>
+          <a:p>
             <a:endParaRPr lang="en-US" dirty="0"/>
           </a:p>
           <a:p>
@@ -29758,27 +30063,6 @@
               <a:rPr lang="en-US" dirty="0"/>
               <a:t>Manage the ‘desired state’ of our infrastructure</a:t>
             </a:r>
-          </a:p>
-          <a:p>
-            <a:endParaRPr lang="en-US" dirty="0"/>
-          </a:p>
-          <a:p>
-            <a:r>
-              <a:rPr lang="en-US" dirty="0"/>
-              <a:t>Management Object Format (MOF)</a:t>
-            </a:r>
-          </a:p>
-          <a:p>
-            <a:r>
-              <a:rPr lang="en-US" dirty="0"/>
-              <a:t>Common Information Model (CIM)</a:t>
-            </a:r>
-          </a:p>
-          <a:p>
-            <a:endParaRPr lang="en-US" dirty="0"/>
-          </a:p>
-          <a:p>
-            <a:endParaRPr lang="en-US" dirty="0"/>
           </a:p>
         </p:txBody>
       </p:sp>
@@ -29795,7 +30079,7 @@
 </p:sld>
 </file>
 
-<file path=ppt/slides/slide7.xml><?xml version="1.0" encoding="utf-8"?>
+<file path=ppt/slides/slide6.xml><?xml version="1.0" encoding="utf-8"?>
 <p:sld xmlns:a="http://schemas.openxmlformats.org/drawingml/2006/main" xmlns:r="http://schemas.openxmlformats.org/officeDocument/2006/relationships" xmlns:p="http://schemas.openxmlformats.org/presentationml/2006/main">
   <p:cSld>
     <p:spTree>
@@ -29881,7 +30165,7 @@
 </p:sld>
 </file>
 
-<file path=ppt/slides/slide8.xml><?xml version="1.0" encoding="utf-8"?>
+<file path=ppt/slides/slide7.xml><?xml version="1.0" encoding="utf-8"?>
 <p:sld xmlns:a="http://schemas.openxmlformats.org/drawingml/2006/main" xmlns:r="http://schemas.openxmlformats.org/officeDocument/2006/relationships" xmlns:p="http://schemas.openxmlformats.org/presentationml/2006/main">
   <p:cSld>
     <p:spTree>
@@ -29964,7 +30248,7 @@
 </p:sld>
 </file>
 
-<file path=ppt/slides/slide9.xml><?xml version="1.0" encoding="utf-8"?>
+<file path=ppt/slides/slide8.xml><?xml version="1.0" encoding="utf-8"?>
 <p:sld xmlns:a="http://schemas.openxmlformats.org/drawingml/2006/main" xmlns:r="http://schemas.openxmlformats.org/officeDocument/2006/relationships" xmlns:p="http://schemas.openxmlformats.org/presentationml/2006/main">
   <p:cSld>
     <p:spTree>
@@ -30041,6 +30325,106 @@
     <p:extLst>
       <p:ext uri="{BB962C8B-B14F-4D97-AF65-F5344CB8AC3E}">
         <p14:creationId xmlns:p14="http://schemas.microsoft.com/office/powerpoint/2010/main" val="3925992112"/>
+      </p:ext>
+    </p:extLst>
+  </p:cSld>
+  <p:clrMapOvr>
+    <a:masterClrMapping/>
+  </p:clrMapOvr>
+</p:sld>
+</file>
+
+<file path=ppt/slides/slide9.xml><?xml version="1.0" encoding="utf-8"?>
+<p:sld xmlns:a="http://schemas.openxmlformats.org/drawingml/2006/main" xmlns:r="http://schemas.openxmlformats.org/officeDocument/2006/relationships" xmlns:p="http://schemas.openxmlformats.org/presentationml/2006/main">
+  <p:cSld>
+    <p:spTree>
+      <p:nvGrpSpPr>
+        <p:cNvPr id="1" name=""/>
+        <p:cNvGrpSpPr/>
+        <p:nvPr/>
+      </p:nvGrpSpPr>
+      <p:grpSpPr>
+        <a:xfrm>
+          <a:off x="0" y="0"/>
+          <a:ext cx="0" cy="0"/>
+          <a:chOff x="0" y="0"/>
+          <a:chExt cx="0" cy="0"/>
+        </a:xfrm>
+      </p:grpSpPr>
+      <p:sp>
+        <p:nvSpPr>
+          <p:cNvPr id="2" name="Title 1">
+            <a:extLst>
+              <a:ext uri="{FF2B5EF4-FFF2-40B4-BE49-F238E27FC236}">
+                <a16:creationId xmlns:a16="http://schemas.microsoft.com/office/drawing/2014/main" id="{2A3417D1-9C20-40D9-9698-500F1A6F0D45}"/>
+              </a:ext>
+            </a:extLst>
+          </p:cNvPr>
+          <p:cNvSpPr>
+            <a:spLocks noGrp="1"/>
+          </p:cNvSpPr>
+          <p:nvPr>
+            <p:ph type="title"/>
+          </p:nvPr>
+        </p:nvSpPr>
+        <p:spPr/>
+        <p:txBody>
+          <a:bodyPr>
+            <a:normAutofit/>
+          </a:bodyPr>
+          <a:lstStyle/>
+          <a:p>
+            <a:r>
+              <a:rPr lang="en-US" dirty="0"/>
+              <a:t>Idempotent	</a:t>
+            </a:r>
+          </a:p>
+        </p:txBody>
+      </p:sp>
+      <p:sp>
+        <p:nvSpPr>
+          <p:cNvPr id="3" name="Content Placeholder 2">
+            <a:extLst>
+              <a:ext uri="{FF2B5EF4-FFF2-40B4-BE49-F238E27FC236}">
+                <a16:creationId xmlns:a16="http://schemas.microsoft.com/office/drawing/2014/main" id="{1CBA1C16-A4D9-4D92-9419-FC8A5E7E3A5D}"/>
+              </a:ext>
+            </a:extLst>
+          </p:cNvPr>
+          <p:cNvSpPr>
+            <a:spLocks noGrp="1"/>
+          </p:cNvSpPr>
+          <p:nvPr>
+            <p:ph idx="1"/>
+          </p:nvPr>
+        </p:nvSpPr>
+        <p:spPr/>
+        <p:txBody>
+          <a:bodyPr anchor="ctr"/>
+          <a:lstStyle/>
+          <a:p>
+            <a:pPr marL="0" indent="0">
+              <a:buNone/>
+            </a:pPr>
+            <a:r>
+              <a:rPr lang="en-US" i="1" dirty="0"/>
+              <a:t>“Idempotence is the property of certain operations in mathematics and computer science whereby they can be applied multiple times without changing the result beyond the initial application.”</a:t>
+            </a:r>
+          </a:p>
+          <a:p>
+            <a:pPr marL="0" indent="0">
+              <a:buNone/>
+            </a:pPr>
+            <a:r>
+              <a:rPr lang="en-US" i="1" dirty="0"/>
+              <a:t>	- Wikipedia</a:t>
+            </a:r>
+          </a:p>
+        </p:txBody>
+      </p:sp>
+    </p:spTree>
+    <p:extLst>
+      <p:ext uri="{BB962C8B-B14F-4D97-AF65-F5344CB8AC3E}">
+        <p14:creationId xmlns:p14="http://schemas.microsoft.com/office/powerpoint/2010/main" val="1097641107"/>
       </p:ext>
     </p:extLst>
   </p:cSld>
